--- a/Presentation/GroupB.pptx
+++ b/Presentation/GroupB.pptx
@@ -14,29 +14,46 @@
     <p:sldId id="259" r:id="rId8"/>
     <p:sldId id="260" r:id="rId9"/>
     <p:sldId id="262" r:id="rId10"/>
-    <p:sldId id="272" r:id="rId11"/>
-    <p:sldId id="273" r:id="rId12"/>
-    <p:sldId id="274" r:id="rId13"/>
-    <p:sldId id="275" r:id="rId14"/>
-    <p:sldId id="276" r:id="rId15"/>
-    <p:sldId id="277" r:id="rId16"/>
-    <p:sldId id="278" r:id="rId17"/>
-    <p:sldId id="279" r:id="rId18"/>
-    <p:sldId id="280" r:id="rId19"/>
-    <p:sldId id="281" r:id="rId20"/>
-    <p:sldId id="288" r:id="rId21"/>
-    <p:sldId id="289" r:id="rId22"/>
-    <p:sldId id="290" r:id="rId23"/>
-    <p:sldId id="291" r:id="rId24"/>
-    <p:sldId id="292" r:id="rId25"/>
-    <p:sldId id="293" r:id="rId26"/>
-    <p:sldId id="294" r:id="rId27"/>
-    <p:sldId id="296" r:id="rId28"/>
-    <p:sldId id="295" r:id="rId29"/>
-    <p:sldId id="297" r:id="rId30"/>
-    <p:sldId id="299" r:id="rId31"/>
-    <p:sldId id="298" r:id="rId32"/>
-    <p:sldId id="286" r:id="rId33"/>
+    <p:sldId id="334" r:id="rId11"/>
+    <p:sldId id="335" r:id="rId12"/>
+    <p:sldId id="272" r:id="rId13"/>
+    <p:sldId id="273" r:id="rId14"/>
+    <p:sldId id="274" r:id="rId15"/>
+    <p:sldId id="275" r:id="rId16"/>
+    <p:sldId id="276" r:id="rId17"/>
+    <p:sldId id="277" r:id="rId18"/>
+    <p:sldId id="278" r:id="rId19"/>
+    <p:sldId id="279" r:id="rId20"/>
+    <p:sldId id="280" r:id="rId21"/>
+    <p:sldId id="336" r:id="rId22"/>
+    <p:sldId id="281" r:id="rId23"/>
+    <p:sldId id="288" r:id="rId24"/>
+    <p:sldId id="289" r:id="rId25"/>
+    <p:sldId id="300" r:id="rId26"/>
+    <p:sldId id="301" r:id="rId27"/>
+    <p:sldId id="302" r:id="rId28"/>
+    <p:sldId id="303" r:id="rId29"/>
+    <p:sldId id="304" r:id="rId30"/>
+    <p:sldId id="305" r:id="rId31"/>
+    <p:sldId id="306" r:id="rId32"/>
+    <p:sldId id="307" r:id="rId33"/>
+    <p:sldId id="308" r:id="rId34"/>
+    <p:sldId id="309" r:id="rId35"/>
+    <p:sldId id="333" r:id="rId36"/>
+    <p:sldId id="323" r:id="rId37"/>
+    <p:sldId id="324" r:id="rId38"/>
+    <p:sldId id="325" r:id="rId39"/>
+    <p:sldId id="326" r:id="rId40"/>
+    <p:sldId id="327" r:id="rId41"/>
+    <p:sldId id="328" r:id="rId42"/>
+    <p:sldId id="329" r:id="rId43"/>
+    <p:sldId id="330" r:id="rId44"/>
+    <p:sldId id="331" r:id="rId45"/>
+    <p:sldId id="332" r:id="rId46"/>
+    <p:sldId id="337" r:id="rId47"/>
+    <p:sldId id="311" r:id="rId48"/>
+    <p:sldId id="312" r:id="rId49"/>
+    <p:sldId id="286" r:id="rId50"/>
   </p:sldIdLst>
   <p:sldSz cx="12192000" cy="6858000"/>
   <p:notesSz cx="6858000" cy="9144000"/>
@@ -137,7 +154,18 @@
   </p:defaultTextStyle>
   <p:extLst>
     <p:ext uri="{EFAFB233-063F-42B5-8137-9DF3F51BA10A}">
-      <p15:sldGuideLst xmlns:p15="http://schemas.microsoft.com/office/powerpoint/2012/main"/>
+      <p15:sldGuideLst xmlns:p15="http://schemas.microsoft.com/office/powerpoint/2012/main">
+        <p15:guide id="1" orient="horz" pos="2160">
+          <p15:clr>
+            <a:srgbClr val="A4A3A4"/>
+          </p15:clr>
+        </p15:guide>
+        <p15:guide id="2" pos="3840">
+          <p15:clr>
+            <a:srgbClr val="A4A3A4"/>
+          </p15:clr>
+        </p15:guide>
+      </p15:sldGuideLst>
     </p:ext>
   </p:extLst>
 </p:presentation>
@@ -584,7 +612,7 @@
           <a:p>
             <a:fld id="{846CE7D5-CF57-46EF-B807-FDD0502418D4}" type="datetimeFigureOut">
               <a:rPr lang="en-US" smtClean="0"/>
-              <a:t>9/26/2019</a:t>
+              <a:t>10/14/2019</a:t>
             </a:fld>
             <a:endParaRPr lang="en-US"/>
           </a:p>
@@ -754,7 +782,7 @@
           <a:p>
             <a:fld id="{846CE7D5-CF57-46EF-B807-FDD0502418D4}" type="datetimeFigureOut">
               <a:rPr lang="en-US" smtClean="0"/>
-              <a:t>9/26/2019</a:t>
+              <a:t>10/14/2019</a:t>
             </a:fld>
             <a:endParaRPr lang="en-US"/>
           </a:p>
@@ -934,7 +962,7 @@
           <a:p>
             <a:fld id="{846CE7D5-CF57-46EF-B807-FDD0502418D4}" type="datetimeFigureOut">
               <a:rPr lang="en-US" smtClean="0"/>
-              <a:t>9/26/2019</a:t>
+              <a:t>10/14/2019</a:t>
             </a:fld>
             <a:endParaRPr lang="en-US"/>
           </a:p>
@@ -1104,7 +1132,7 @@
           <a:p>
             <a:fld id="{846CE7D5-CF57-46EF-B807-FDD0502418D4}" type="datetimeFigureOut">
               <a:rPr lang="en-US" smtClean="0"/>
-              <a:t>9/26/2019</a:t>
+              <a:t>10/14/2019</a:t>
             </a:fld>
             <a:endParaRPr lang="en-US"/>
           </a:p>
@@ -1350,7 +1378,7 @@
           <a:p>
             <a:fld id="{846CE7D5-CF57-46EF-B807-FDD0502418D4}" type="datetimeFigureOut">
               <a:rPr lang="en-US" smtClean="0"/>
-              <a:t>9/26/2019</a:t>
+              <a:t>10/14/2019</a:t>
             </a:fld>
             <a:endParaRPr lang="en-US"/>
           </a:p>
@@ -1582,7 +1610,7 @@
           <a:p>
             <a:fld id="{846CE7D5-CF57-46EF-B807-FDD0502418D4}" type="datetimeFigureOut">
               <a:rPr lang="en-US" smtClean="0"/>
-              <a:t>9/26/2019</a:t>
+              <a:t>10/14/2019</a:t>
             </a:fld>
             <a:endParaRPr lang="en-US"/>
           </a:p>
@@ -1949,7 +1977,7 @@
           <a:p>
             <a:fld id="{846CE7D5-CF57-46EF-B807-FDD0502418D4}" type="datetimeFigureOut">
               <a:rPr lang="en-US" smtClean="0"/>
-              <a:t>9/26/2019</a:t>
+              <a:t>10/14/2019</a:t>
             </a:fld>
             <a:endParaRPr lang="en-US"/>
           </a:p>
@@ -2067,7 +2095,7 @@
           <a:p>
             <a:fld id="{846CE7D5-CF57-46EF-B807-FDD0502418D4}" type="datetimeFigureOut">
               <a:rPr lang="en-US" smtClean="0"/>
-              <a:t>9/26/2019</a:t>
+              <a:t>10/14/2019</a:t>
             </a:fld>
             <a:endParaRPr lang="en-US"/>
           </a:p>
@@ -2162,7 +2190,7 @@
           <a:p>
             <a:fld id="{846CE7D5-CF57-46EF-B807-FDD0502418D4}" type="datetimeFigureOut">
               <a:rPr lang="en-US" smtClean="0"/>
-              <a:t>9/26/2019</a:t>
+              <a:t>10/14/2019</a:t>
             </a:fld>
             <a:endParaRPr lang="en-US"/>
           </a:p>
@@ -2439,7 +2467,7 @@
           <a:p>
             <a:fld id="{846CE7D5-CF57-46EF-B807-FDD0502418D4}" type="datetimeFigureOut">
               <a:rPr lang="en-US" smtClean="0"/>
-              <a:t>9/26/2019</a:t>
+              <a:t>10/14/2019</a:t>
             </a:fld>
             <a:endParaRPr lang="en-US"/>
           </a:p>
@@ -2696,7 +2724,7 @@
           <a:p>
             <a:fld id="{846CE7D5-CF57-46EF-B807-FDD0502418D4}" type="datetimeFigureOut">
               <a:rPr lang="en-US" smtClean="0"/>
-              <a:t>9/26/2019</a:t>
+              <a:t>10/14/2019</a:t>
             </a:fld>
             <a:endParaRPr lang="en-US"/>
           </a:p>
@@ -2909,7 +2937,7 @@
           <a:p>
             <a:fld id="{846CE7D5-CF57-46EF-B807-FDD0502418D4}" type="datetimeFigureOut">
               <a:rPr lang="en-US" smtClean="0"/>
-              <a:t>9/26/2019</a:t>
+              <a:t>10/14/2019</a:t>
             </a:fld>
             <a:endParaRPr lang="en-US"/>
           </a:p>
@@ -3420,29 +3448,27 @@
         </p:nvSpPr>
         <p:spPr>
           <a:xfrm>
-            <a:off x="545691" y="961040"/>
+            <a:off x="72580" y="649072"/>
             <a:ext cx="5697392" cy="3194925"/>
           </a:xfrm>
         </p:spPr>
         <p:txBody>
           <a:bodyPr vert="horz" lIns="91440" tIns="45720" rIns="91440" bIns="45720" rtlCol="0" anchor="t">
-            <a:normAutofit/>
+            <a:noAutofit/>
           </a:bodyPr>
           <a:lstStyle/>
           <a:p>
-            <a:r>
-              <a:rPr lang="en-US" sz="5400" b="1" kern="1200" dirty="0">
+            <a:pPr algn="ctr"/>
+            <a:r>
+              <a:rPr lang="en-US" sz="6600" b="1" kern="1200" dirty="0">
                 <a:solidFill>
                   <a:srgbClr val="000000"/>
                 </a:solidFill>
-                <a:latin typeface="+mj-lt"/>
-                <a:ea typeface="+mj-ea"/>
-                <a:cs typeface="+mj-cs"/>
-              </a:rPr>
-              <a:t>GREAT OUTDOORS</a:t>
-            </a:r>
-            <a:r>
-              <a:rPr lang="en-US" sz="5400" b="1" dirty="0">
+              </a:rPr>
+              <a:t>GREAT </a:t>
+            </a:r>
+            <a:r>
+              <a:rPr lang="en-US" sz="6600" b="1" kern="1200" dirty="0" smtClean="0">
                 <a:solidFill>
                   <a:srgbClr val="000000"/>
                 </a:solidFill>
@@ -3450,36 +3476,54 @@
               <a:t/>
             </a:r>
             <a:br>
-              <a:rPr lang="en-US" sz="5400" b="1" dirty="0">
+              <a:rPr lang="en-US" sz="6600" b="1" kern="1200" dirty="0" smtClean="0">
                 <a:solidFill>
                   <a:srgbClr val="000000"/>
                 </a:solidFill>
               </a:rPr>
             </a:br>
             <a:r>
-              <a:rPr lang="en-US" sz="5400" b="1" dirty="0">
+              <a:rPr lang="en-US" sz="6600" b="1" kern="1200" dirty="0" smtClean="0">
                 <a:solidFill>
                   <a:srgbClr val="000000"/>
                 </a:solidFill>
               </a:rPr>
-              <a:t> </a:t>
-            </a:r>
-            <a:r>
-              <a:rPr lang="en-US" sz="5400" b="1" kern="1200" dirty="0">
+              <a:t>OUTDOORS</a:t>
+            </a:r>
+            <a:r>
+              <a:rPr lang="en-US" sz="6600" b="1" dirty="0">
                 <a:solidFill>
                   <a:srgbClr val="000000"/>
                 </a:solidFill>
-                <a:latin typeface="+mj-lt"/>
-                <a:ea typeface="+mj-ea"/>
-                <a:cs typeface="+mj-cs"/>
-              </a:rPr>
-              <a:t>GROUP-B</a:t>
-            </a:r>
-            <a:endParaRPr lang="en-US" sz="5400" b="1" kern="1200" dirty="0">
+              </a:rPr>
+              <a:t/>
+            </a:r>
+            <a:br>
+              <a:rPr lang="en-US" sz="6600" b="1" dirty="0">
+                <a:solidFill>
+                  <a:srgbClr val="000000"/>
+                </a:solidFill>
+              </a:rPr>
+            </a:br>
+            <a:r>
+              <a:rPr lang="en-US" sz="6600" b="1" dirty="0" smtClean="0">
+                <a:solidFill>
+                  <a:srgbClr val="000000"/>
+                </a:solidFill>
+              </a:rPr>
+              <a:t/>
+            </a:r>
+            <a:br>
+              <a:rPr lang="en-US" sz="6600" b="1" dirty="0" smtClean="0">
+                <a:solidFill>
+                  <a:srgbClr val="000000"/>
+                </a:solidFill>
+              </a:rPr>
+            </a:br>
+            <a:endParaRPr lang="en-US" sz="6600" b="1" kern="1200" dirty="0">
               <a:solidFill>
                 <a:srgbClr val="000000"/>
               </a:solidFill>
-              <a:latin typeface="+mj-lt"/>
               <a:cs typeface="Calibri Light"/>
             </a:endParaRPr>
           </a:p>
@@ -3730,8 +3774,8 @@
         </p:nvSpPr>
         <p:spPr>
           <a:xfrm>
-            <a:off x="2895808" y="4491320"/>
-            <a:ext cx="2395589" cy="2031325"/>
+            <a:off x="2834641" y="3668108"/>
+            <a:ext cx="2697826" cy="2246769"/>
           </a:xfrm>
           <a:prstGeom prst="rect">
             <a:avLst/>
@@ -3745,73 +3789,73 @@
           <a:lstStyle/>
           <a:p>
             <a:r>
-              <a:rPr lang="en-US" dirty="0" smtClean="0"/>
+              <a:rPr lang="en-US" sz="2000" dirty="0" smtClean="0"/>
               <a:t>By:</a:t>
             </a:r>
           </a:p>
           <a:p>
             <a:r>
-              <a:rPr lang="en-US" dirty="0" smtClean="0"/>
+              <a:rPr lang="en-US" sz="2000" dirty="0" smtClean="0"/>
               <a:t>Abhishek </a:t>
             </a:r>
             <a:r>
-              <a:rPr lang="en-US" dirty="0" err="1" smtClean="0"/>
+              <a:rPr lang="en-US" sz="2000" dirty="0" err="1" smtClean="0"/>
               <a:t>Kushwaha</a:t>
             </a:r>
-            <a:endParaRPr lang="en-US" dirty="0" smtClean="0"/>
-          </a:p>
-          <a:p>
-            <a:r>
-              <a:rPr lang="en-US" dirty="0" err="1" smtClean="0"/>
+            <a:endParaRPr lang="en-US" sz="2000" dirty="0" smtClean="0"/>
+          </a:p>
+          <a:p>
+            <a:r>
+              <a:rPr lang="en-US" sz="2000" dirty="0" err="1" smtClean="0"/>
               <a:t>Akhil</a:t>
             </a:r>
             <a:r>
-              <a:rPr lang="en-US" dirty="0" smtClean="0"/>
+              <a:rPr lang="en-US" sz="2000" dirty="0" smtClean="0"/>
               <a:t> </a:t>
             </a:r>
             <a:r>
-              <a:rPr lang="en-US" dirty="0" err="1" smtClean="0"/>
+              <a:rPr lang="en-US" sz="2000" dirty="0" err="1" smtClean="0"/>
               <a:t>Chowdhry</a:t>
             </a:r>
-            <a:endParaRPr lang="en-US" dirty="0" smtClean="0"/>
-          </a:p>
-          <a:p>
-            <a:r>
-              <a:rPr lang="en-US" dirty="0" smtClean="0"/>
+            <a:endParaRPr lang="en-US" sz="2000" dirty="0" smtClean="0"/>
+          </a:p>
+          <a:p>
+            <a:r>
+              <a:rPr lang="en-US" sz="2000" dirty="0" smtClean="0"/>
               <a:t>Arshpreet</a:t>
             </a:r>
           </a:p>
           <a:p>
             <a:r>
-              <a:rPr lang="en-US" dirty="0" err="1" smtClean="0"/>
+              <a:rPr lang="en-US" sz="2000" dirty="0" err="1" smtClean="0"/>
               <a:t>Ayush</a:t>
             </a:r>
             <a:r>
-              <a:rPr lang="en-US" dirty="0" smtClean="0"/>
+              <a:rPr lang="en-US" sz="2000" dirty="0" smtClean="0"/>
               <a:t> Agrawal</a:t>
             </a:r>
           </a:p>
           <a:p>
             <a:r>
-              <a:rPr lang="en-US" dirty="0" smtClean="0"/>
+              <a:rPr lang="en-US" sz="2000" dirty="0" smtClean="0"/>
               <a:t>C. </a:t>
             </a:r>
             <a:r>
-              <a:rPr lang="en-US" dirty="0" err="1" smtClean="0"/>
+              <a:rPr lang="en-US" sz="2000" dirty="0" err="1" smtClean="0"/>
               <a:t>Sravani</a:t>
             </a:r>
-            <a:endParaRPr lang="en-US" dirty="0" smtClean="0"/>
-          </a:p>
-          <a:p>
-            <a:r>
-              <a:rPr lang="en-US" dirty="0" err="1" smtClean="0"/>
+            <a:endParaRPr lang="en-US" sz="2000" dirty="0" smtClean="0"/>
+          </a:p>
+          <a:p>
+            <a:r>
+              <a:rPr lang="en-US" sz="2000" dirty="0" err="1" smtClean="0"/>
               <a:t>Prafull</a:t>
             </a:r>
             <a:r>
-              <a:rPr lang="en-US" dirty="0" smtClean="0"/>
+              <a:rPr lang="en-US" sz="2000" dirty="0" smtClean="0"/>
               <a:t> Sharma</a:t>
             </a:r>
-            <a:endParaRPr lang="en-IN" dirty="0"/>
+            <a:endParaRPr lang="en-IN" sz="2000" dirty="0"/>
           </a:p>
         </p:txBody>
       </p:sp>
@@ -3829,6 +3873,214 @@
 </file>
 
 <file path=ppt/slides/slide10.xml><?xml version="1.0" encoding="utf-8"?>
+<p:sld xmlns:a="http://schemas.openxmlformats.org/drawingml/2006/main" xmlns:r="http://schemas.openxmlformats.org/officeDocument/2006/relationships" xmlns:p="http://schemas.openxmlformats.org/presentationml/2006/main">
+  <p:cSld>
+    <p:spTree>
+      <p:nvGrpSpPr>
+        <p:cNvPr id="1" name=""/>
+        <p:cNvGrpSpPr/>
+        <p:nvPr/>
+      </p:nvGrpSpPr>
+      <p:grpSpPr>
+        <a:xfrm>
+          <a:off x="0" y="0"/>
+          <a:ext cx="0" cy="0"/>
+          <a:chOff x="0" y="0"/>
+          <a:chExt cx="0" cy="0"/>
+        </a:xfrm>
+      </p:grpSpPr>
+      <p:pic>
+        <p:nvPicPr>
+          <p:cNvPr id="2" name="Picture 1"/>
+          <p:cNvPicPr>
+            <a:picLocks noChangeAspect="1"/>
+          </p:cNvPicPr>
+          <p:nvPr/>
+        </p:nvPicPr>
+        <p:blipFill>
+          <a:blip r:embed="rId2" cstate="print">
+            <a:extLst>
+              <a:ext uri="{28A0092B-C50C-407E-A947-70E740481C1C}">
+                <a14:useLocalDpi xmlns:a14="http://schemas.microsoft.com/office/drawing/2010/main" val="0"/>
+              </a:ext>
+            </a:extLst>
+          </a:blip>
+          <a:stretch>
+            <a:fillRect/>
+          </a:stretch>
+        </p:blipFill>
+        <p:spPr>
+          <a:xfrm>
+            <a:off x="523703" y="0"/>
+            <a:ext cx="10449097" cy="6858000"/>
+          </a:xfrm>
+          <a:prstGeom prst="rect">
+            <a:avLst/>
+          </a:prstGeom>
+        </p:spPr>
+      </p:pic>
+      <p:sp>
+        <p:nvSpPr>
+          <p:cNvPr id="3" name="TextBox 2"/>
+          <p:cNvSpPr txBox="1"/>
+          <p:nvPr/>
+        </p:nvSpPr>
+        <p:spPr>
+          <a:xfrm>
+            <a:off x="3291840" y="182880"/>
+            <a:ext cx="5303520" cy="707886"/>
+          </a:xfrm>
+          <a:prstGeom prst="rect">
+            <a:avLst/>
+          </a:prstGeom>
+          <a:noFill/>
+        </p:spPr>
+        <p:txBody>
+          <a:bodyPr wrap="square" rtlCol="0">
+            <a:spAutoFit/>
+          </a:bodyPr>
+          <a:lstStyle/>
+          <a:p>
+            <a:pPr algn="ctr"/>
+            <a:r>
+              <a:rPr lang="en-IN" sz="4000" b="1" dirty="0" smtClean="0">
+                <a:latin typeface="Times New Roman" pitchFamily="18" charset="0"/>
+                <a:cs typeface="Times New Roman" pitchFamily="18" charset="0"/>
+              </a:rPr>
+              <a:t>Database Diagram</a:t>
+            </a:r>
+            <a:endParaRPr lang="en-IN" sz="4000" b="1" dirty="0">
+              <a:latin typeface="Times New Roman" pitchFamily="18" charset="0"/>
+              <a:cs typeface="Times New Roman" pitchFamily="18" charset="0"/>
+            </a:endParaRPr>
+          </a:p>
+        </p:txBody>
+      </p:sp>
+    </p:spTree>
+    <p:extLst>
+      <p:ext uri="{BB962C8B-B14F-4D97-AF65-F5344CB8AC3E}">
+        <p14:creationId xmlns:p14="http://schemas.microsoft.com/office/powerpoint/2010/main" val="2415772812"/>
+      </p:ext>
+    </p:extLst>
+  </p:cSld>
+  <p:clrMapOvr>
+    <a:masterClrMapping/>
+  </p:clrMapOvr>
+  <p:timing>
+    <p:tnLst>
+      <p:par>
+        <p:cTn id="1" dur="indefinite" restart="never" nodeType="tmRoot"/>
+      </p:par>
+    </p:tnLst>
+  </p:timing>
+</p:sld>
+</file>
+
+<file path=ppt/slides/slide11.xml><?xml version="1.0" encoding="utf-8"?>
+<p:sld xmlns:a="http://schemas.openxmlformats.org/drawingml/2006/main" xmlns:r="http://schemas.openxmlformats.org/officeDocument/2006/relationships" xmlns:p="http://schemas.openxmlformats.org/presentationml/2006/main">
+  <p:cSld>
+    <p:spTree>
+      <p:nvGrpSpPr>
+        <p:cNvPr id="1" name=""/>
+        <p:cNvGrpSpPr/>
+        <p:nvPr/>
+      </p:nvGrpSpPr>
+      <p:grpSpPr>
+        <a:xfrm>
+          <a:off x="0" y="0"/>
+          <a:ext cx="0" cy="0"/>
+          <a:chOff x="0" y="0"/>
+          <a:chExt cx="0" cy="0"/>
+        </a:xfrm>
+      </p:grpSpPr>
+      <p:pic>
+        <p:nvPicPr>
+          <p:cNvPr id="2" name="Picture 1"/>
+          <p:cNvPicPr>
+            <a:picLocks noChangeAspect="1"/>
+          </p:cNvPicPr>
+          <p:nvPr/>
+        </p:nvPicPr>
+        <p:blipFill>
+          <a:blip r:embed="rId2" cstate="print">
+            <a:extLst>
+              <a:ext uri="{28A0092B-C50C-407E-A947-70E740481C1C}">
+                <a14:useLocalDpi xmlns:a14="http://schemas.microsoft.com/office/drawing/2010/main" val="0"/>
+              </a:ext>
+            </a:extLst>
+          </a:blip>
+          <a:stretch>
+            <a:fillRect/>
+          </a:stretch>
+        </p:blipFill>
+        <p:spPr>
+          <a:xfrm>
+            <a:off x="1746852" y="914400"/>
+            <a:ext cx="8698296" cy="5943600"/>
+          </a:xfrm>
+          <a:prstGeom prst="rect">
+            <a:avLst/>
+          </a:prstGeom>
+        </p:spPr>
+      </p:pic>
+      <p:sp>
+        <p:nvSpPr>
+          <p:cNvPr id="3" name="TextBox 2"/>
+          <p:cNvSpPr txBox="1"/>
+          <p:nvPr/>
+        </p:nvSpPr>
+        <p:spPr>
+          <a:xfrm>
+            <a:off x="1986742" y="157942"/>
+            <a:ext cx="7381702" cy="707886"/>
+          </a:xfrm>
+          <a:prstGeom prst="rect">
+            <a:avLst/>
+          </a:prstGeom>
+          <a:noFill/>
+        </p:spPr>
+        <p:txBody>
+          <a:bodyPr wrap="square" rtlCol="0">
+            <a:spAutoFit/>
+          </a:bodyPr>
+          <a:lstStyle/>
+          <a:p>
+            <a:pPr algn="ctr"/>
+            <a:r>
+              <a:rPr lang="en-IN" sz="4000" b="1" dirty="0" smtClean="0">
+                <a:latin typeface="Times New Roman" pitchFamily="18" charset="0"/>
+                <a:cs typeface="Times New Roman" pitchFamily="18" charset="0"/>
+              </a:rPr>
+              <a:t>Entity Relationship Diagram</a:t>
+            </a:r>
+            <a:endParaRPr lang="en-IN" sz="4000" b="1" dirty="0">
+              <a:latin typeface="Times New Roman" pitchFamily="18" charset="0"/>
+              <a:cs typeface="Times New Roman" pitchFamily="18" charset="0"/>
+            </a:endParaRPr>
+          </a:p>
+        </p:txBody>
+      </p:sp>
+    </p:spTree>
+    <p:extLst>
+      <p:ext uri="{BB962C8B-B14F-4D97-AF65-F5344CB8AC3E}">
+        <p14:creationId xmlns:p14="http://schemas.microsoft.com/office/powerpoint/2010/main" val="1888962544"/>
+      </p:ext>
+    </p:extLst>
+  </p:cSld>
+  <p:clrMapOvr>
+    <a:masterClrMapping/>
+  </p:clrMapOvr>
+  <p:timing>
+    <p:tnLst>
+      <p:par>
+        <p:cTn id="1" dur="indefinite" restart="never" nodeType="tmRoot"/>
+      </p:par>
+    </p:tnLst>
+  </p:timing>
+</p:sld>
+</file>
+
+<file path=ppt/slides/slide12.xml><?xml version="1.0" encoding="utf-8"?>
 <p:sld xmlns:a="http://schemas.openxmlformats.org/drawingml/2006/main" xmlns:r="http://schemas.openxmlformats.org/officeDocument/2006/relationships" xmlns:p="http://schemas.openxmlformats.org/presentationml/2006/main">
   <p:cSld>
     <p:spTree>
@@ -3886,6 +4138,43 @@
           </a:extLst>
         </p:spPr>
       </p:pic>
+      <p:sp>
+        <p:nvSpPr>
+          <p:cNvPr id="3" name="TextBox 2"/>
+          <p:cNvSpPr txBox="1"/>
+          <p:nvPr/>
+        </p:nvSpPr>
+        <p:spPr>
+          <a:xfrm>
+            <a:off x="1936864" y="16625"/>
+            <a:ext cx="8595361" cy="707886"/>
+          </a:xfrm>
+          <a:prstGeom prst="rect">
+            <a:avLst/>
+          </a:prstGeom>
+          <a:noFill/>
+        </p:spPr>
+        <p:txBody>
+          <a:bodyPr wrap="square" rtlCol="0">
+            <a:spAutoFit/>
+          </a:bodyPr>
+          <a:lstStyle/>
+          <a:p>
+            <a:pPr algn="ctr"/>
+            <a:r>
+              <a:rPr lang="en-IN" sz="4000" b="1" dirty="0" smtClean="0">
+                <a:latin typeface="Times New Roman" pitchFamily="18" charset="0"/>
+                <a:cs typeface="Times New Roman" pitchFamily="18" charset="0"/>
+              </a:rPr>
+              <a:t>Class Diagram Product</a:t>
+            </a:r>
+            <a:endParaRPr lang="en-IN" sz="4000" b="1" dirty="0">
+              <a:latin typeface="Times New Roman" pitchFamily="18" charset="0"/>
+              <a:cs typeface="Times New Roman" pitchFamily="18" charset="0"/>
+            </a:endParaRPr>
+          </a:p>
+        </p:txBody>
+      </p:sp>
     </p:spTree>
     <p:extLst>
       <p:ext uri="{BB962C8B-B14F-4D97-AF65-F5344CB8AC3E}">
@@ -3896,10 +4185,17 @@
   <p:clrMapOvr>
     <a:masterClrMapping/>
   </p:clrMapOvr>
+  <p:timing>
+    <p:tnLst>
+      <p:par>
+        <p:cTn id="1" dur="indefinite" restart="never" nodeType="tmRoot"/>
+      </p:par>
+    </p:tnLst>
+  </p:timing>
 </p:sld>
 </file>
 
-<file path=ppt/slides/slide11.xml><?xml version="1.0" encoding="utf-8"?>
+<file path=ppt/slides/slide13.xml><?xml version="1.0" encoding="utf-8"?>
 <p:sld xmlns:a="http://schemas.openxmlformats.org/drawingml/2006/main" xmlns:r="http://schemas.openxmlformats.org/officeDocument/2006/relationships" xmlns:p="http://schemas.openxmlformats.org/presentationml/2006/main">
   <p:cSld>
     <p:spTree>
@@ -3957,6 +4253,43 @@
           </a:extLst>
         </p:spPr>
       </p:pic>
+      <p:sp>
+        <p:nvSpPr>
+          <p:cNvPr id="3" name="TextBox 2"/>
+          <p:cNvSpPr txBox="1"/>
+          <p:nvPr/>
+        </p:nvSpPr>
+        <p:spPr>
+          <a:xfrm>
+            <a:off x="1936864" y="16625"/>
+            <a:ext cx="8595361" cy="707886"/>
+          </a:xfrm>
+          <a:prstGeom prst="rect">
+            <a:avLst/>
+          </a:prstGeom>
+          <a:noFill/>
+        </p:spPr>
+        <p:txBody>
+          <a:bodyPr wrap="square" rtlCol="0">
+            <a:spAutoFit/>
+          </a:bodyPr>
+          <a:lstStyle/>
+          <a:p>
+            <a:pPr algn="ctr"/>
+            <a:r>
+              <a:rPr lang="en-IN" sz="4000" b="1" dirty="0" smtClean="0">
+                <a:latin typeface="Times New Roman" pitchFamily="18" charset="0"/>
+                <a:cs typeface="Times New Roman" pitchFamily="18" charset="0"/>
+              </a:rPr>
+              <a:t>Class Diagram Admin</a:t>
+            </a:r>
+            <a:endParaRPr lang="en-IN" sz="4000" b="1" dirty="0">
+              <a:latin typeface="Times New Roman" pitchFamily="18" charset="0"/>
+              <a:cs typeface="Times New Roman" pitchFamily="18" charset="0"/>
+            </a:endParaRPr>
+          </a:p>
+        </p:txBody>
+      </p:sp>
     </p:spTree>
     <p:extLst>
       <p:ext uri="{BB962C8B-B14F-4D97-AF65-F5344CB8AC3E}">
@@ -3970,7 +4303,7 @@
 </p:sld>
 </file>
 
-<file path=ppt/slides/slide12.xml><?xml version="1.0" encoding="utf-8"?>
+<file path=ppt/slides/slide14.xml><?xml version="1.0" encoding="utf-8"?>
 <p:sld xmlns:a="http://schemas.openxmlformats.org/drawingml/2006/main" xmlns:r="http://schemas.openxmlformats.org/officeDocument/2006/relationships" xmlns:p="http://schemas.openxmlformats.org/presentationml/2006/main">
   <p:cSld>
     <p:spTree>
@@ -4010,7 +4343,7 @@
         </p:blipFill>
         <p:spPr bwMode="auto">
           <a:xfrm>
-            <a:off x="0" y="215167"/>
+            <a:off x="0" y="370568"/>
             <a:ext cx="11908106" cy="6481054"/>
           </a:xfrm>
           <a:prstGeom prst="rect">
@@ -4028,6 +4361,43 @@
           </a:extLst>
         </p:spPr>
       </p:pic>
+      <p:sp>
+        <p:nvSpPr>
+          <p:cNvPr id="3" name="TextBox 2"/>
+          <p:cNvSpPr txBox="1"/>
+          <p:nvPr/>
+        </p:nvSpPr>
+        <p:spPr>
+          <a:xfrm>
+            <a:off x="1936864" y="16625"/>
+            <a:ext cx="8595361" cy="707886"/>
+          </a:xfrm>
+          <a:prstGeom prst="rect">
+            <a:avLst/>
+          </a:prstGeom>
+          <a:noFill/>
+        </p:spPr>
+        <p:txBody>
+          <a:bodyPr wrap="square" rtlCol="0">
+            <a:spAutoFit/>
+          </a:bodyPr>
+          <a:lstStyle/>
+          <a:p>
+            <a:pPr algn="ctr"/>
+            <a:r>
+              <a:rPr lang="en-IN" sz="4000" b="1" dirty="0" smtClean="0">
+                <a:latin typeface="Times New Roman" pitchFamily="18" charset="0"/>
+                <a:cs typeface="Times New Roman" pitchFamily="18" charset="0"/>
+              </a:rPr>
+              <a:t>Class Diagram Order</a:t>
+            </a:r>
+            <a:endParaRPr lang="en-IN" sz="4000" b="1" dirty="0">
+              <a:latin typeface="Times New Roman" pitchFamily="18" charset="0"/>
+              <a:cs typeface="Times New Roman" pitchFamily="18" charset="0"/>
+            </a:endParaRPr>
+          </a:p>
+        </p:txBody>
+      </p:sp>
     </p:spTree>
     <p:extLst>
       <p:ext uri="{BB962C8B-B14F-4D97-AF65-F5344CB8AC3E}">
@@ -4041,7 +4411,7 @@
 </p:sld>
 </file>
 
-<file path=ppt/slides/slide13.xml><?xml version="1.0" encoding="utf-8"?>
+<file path=ppt/slides/slide15.xml><?xml version="1.0" encoding="utf-8"?>
 <p:sld xmlns:a="http://schemas.openxmlformats.org/drawingml/2006/main" xmlns:r="http://schemas.openxmlformats.org/officeDocument/2006/relationships" xmlns:p="http://schemas.openxmlformats.org/presentationml/2006/main">
   <p:cSld>
     <p:spTree>
@@ -4099,6 +4469,43 @@
           </a:extLst>
         </p:spPr>
       </p:pic>
+      <p:sp>
+        <p:nvSpPr>
+          <p:cNvPr id="3" name="TextBox 2"/>
+          <p:cNvSpPr txBox="1"/>
+          <p:nvPr/>
+        </p:nvSpPr>
+        <p:spPr>
+          <a:xfrm>
+            <a:off x="1936864" y="16625"/>
+            <a:ext cx="8595361" cy="707886"/>
+          </a:xfrm>
+          <a:prstGeom prst="rect">
+            <a:avLst/>
+          </a:prstGeom>
+          <a:noFill/>
+        </p:spPr>
+        <p:txBody>
+          <a:bodyPr wrap="square" rtlCol="0">
+            <a:spAutoFit/>
+          </a:bodyPr>
+          <a:lstStyle/>
+          <a:p>
+            <a:pPr algn="ctr"/>
+            <a:r>
+              <a:rPr lang="en-IN" sz="4000" b="1" dirty="0" smtClean="0">
+                <a:latin typeface="Times New Roman" pitchFamily="18" charset="0"/>
+                <a:cs typeface="Times New Roman" pitchFamily="18" charset="0"/>
+              </a:rPr>
+              <a:t>Class Diagram Retailer</a:t>
+            </a:r>
+            <a:endParaRPr lang="en-IN" sz="4000" b="1" dirty="0">
+              <a:latin typeface="Times New Roman" pitchFamily="18" charset="0"/>
+              <a:cs typeface="Times New Roman" pitchFamily="18" charset="0"/>
+            </a:endParaRPr>
+          </a:p>
+        </p:txBody>
+      </p:sp>
     </p:spTree>
     <p:extLst>
       <p:ext uri="{BB962C8B-B14F-4D97-AF65-F5344CB8AC3E}">
@@ -4112,7 +4519,7 @@
 </p:sld>
 </file>
 
-<file path=ppt/slides/slide14.xml><?xml version="1.0" encoding="utf-8"?>
+<file path=ppt/slides/slide16.xml><?xml version="1.0" encoding="utf-8"?>
 <p:sld xmlns:a="http://schemas.openxmlformats.org/drawingml/2006/main" xmlns:r="http://schemas.openxmlformats.org/officeDocument/2006/relationships" xmlns:p="http://schemas.openxmlformats.org/presentationml/2006/main">
   <p:cSld>
     <p:spTree>
@@ -4152,7 +4559,7 @@
         </p:blipFill>
         <p:spPr bwMode="auto">
           <a:xfrm>
-            <a:off x="0" y="313641"/>
+            <a:off x="0" y="454958"/>
             <a:ext cx="12128500" cy="6238875"/>
           </a:xfrm>
           <a:prstGeom prst="rect">
@@ -4170,6 +4577,43 @@
           </a:extLst>
         </p:spPr>
       </p:pic>
+      <p:sp>
+        <p:nvSpPr>
+          <p:cNvPr id="3" name="TextBox 2"/>
+          <p:cNvSpPr txBox="1"/>
+          <p:nvPr/>
+        </p:nvSpPr>
+        <p:spPr>
+          <a:xfrm>
+            <a:off x="1936864" y="16625"/>
+            <a:ext cx="8595361" cy="707886"/>
+          </a:xfrm>
+          <a:prstGeom prst="rect">
+            <a:avLst/>
+          </a:prstGeom>
+          <a:noFill/>
+        </p:spPr>
+        <p:txBody>
+          <a:bodyPr wrap="square" rtlCol="0">
+            <a:spAutoFit/>
+          </a:bodyPr>
+          <a:lstStyle/>
+          <a:p>
+            <a:pPr algn="ctr"/>
+            <a:r>
+              <a:rPr lang="en-IN" sz="4000" b="1" dirty="0" smtClean="0">
+                <a:latin typeface="Times New Roman" pitchFamily="18" charset="0"/>
+                <a:cs typeface="Times New Roman" pitchFamily="18" charset="0"/>
+              </a:rPr>
+              <a:t>Class Diagram Sales Person</a:t>
+            </a:r>
+            <a:endParaRPr lang="en-IN" sz="4000" b="1" dirty="0">
+              <a:latin typeface="Times New Roman" pitchFamily="18" charset="0"/>
+              <a:cs typeface="Times New Roman" pitchFamily="18" charset="0"/>
+            </a:endParaRPr>
+          </a:p>
+        </p:txBody>
+      </p:sp>
     </p:spTree>
     <p:extLst>
       <p:ext uri="{BB962C8B-B14F-4D97-AF65-F5344CB8AC3E}">
@@ -4183,7 +4627,7 @@
 </p:sld>
 </file>
 
-<file path=ppt/slides/slide15.xml><?xml version="1.0" encoding="utf-8"?>
+<file path=ppt/slides/slide17.xml><?xml version="1.0" encoding="utf-8"?>
 <p:sld xmlns:a="http://schemas.openxmlformats.org/drawingml/2006/main" xmlns:r="http://schemas.openxmlformats.org/officeDocument/2006/relationships" xmlns:p="http://schemas.openxmlformats.org/presentationml/2006/main">
   <p:cSld>
     <p:spTree>
@@ -4241,6 +4685,43 @@
           </a:extLst>
         </p:spPr>
       </p:pic>
+      <p:sp>
+        <p:nvSpPr>
+          <p:cNvPr id="3" name="TextBox 2"/>
+          <p:cNvSpPr txBox="1"/>
+          <p:nvPr/>
+        </p:nvSpPr>
+        <p:spPr>
+          <a:xfrm>
+            <a:off x="1936864" y="16625"/>
+            <a:ext cx="8595361" cy="707886"/>
+          </a:xfrm>
+          <a:prstGeom prst="rect">
+            <a:avLst/>
+          </a:prstGeom>
+          <a:noFill/>
+        </p:spPr>
+        <p:txBody>
+          <a:bodyPr wrap="square" rtlCol="0">
+            <a:spAutoFit/>
+          </a:bodyPr>
+          <a:lstStyle/>
+          <a:p>
+            <a:pPr algn="ctr"/>
+            <a:r>
+              <a:rPr lang="en-IN" sz="4000" b="1" dirty="0" smtClean="0">
+                <a:latin typeface="Times New Roman" pitchFamily="18" charset="0"/>
+                <a:cs typeface="Times New Roman" pitchFamily="18" charset="0"/>
+              </a:rPr>
+              <a:t>Class Diagram Address</a:t>
+            </a:r>
+            <a:endParaRPr lang="en-IN" sz="4000" b="1" dirty="0">
+              <a:latin typeface="Times New Roman" pitchFamily="18" charset="0"/>
+              <a:cs typeface="Times New Roman" pitchFamily="18" charset="0"/>
+            </a:endParaRPr>
+          </a:p>
+        </p:txBody>
+      </p:sp>
     </p:spTree>
     <p:extLst>
       <p:ext uri="{BB962C8B-B14F-4D97-AF65-F5344CB8AC3E}">
@@ -4254,7 +4735,7 @@
 </p:sld>
 </file>
 
-<file path=ppt/slides/slide16.xml><?xml version="1.0" encoding="utf-8"?>
+<file path=ppt/slides/slide18.xml><?xml version="1.0" encoding="utf-8"?>
 <p:sld xmlns:a="http://schemas.openxmlformats.org/drawingml/2006/main" xmlns:r="http://schemas.openxmlformats.org/officeDocument/2006/relationships" xmlns:p="http://schemas.openxmlformats.org/presentationml/2006/main">
   <p:cSld>
     <p:spTree>
@@ -4271,25 +4752,6 @@
           <a:chExt cx="0" cy="0"/>
         </a:xfrm>
       </p:grpSpPr>
-      <p:sp>
-        <p:nvSpPr>
-          <p:cNvPr id="2" name="Title 1"/>
-          <p:cNvSpPr>
-            <a:spLocks noGrp="1"/>
-          </p:cNvSpPr>
-          <p:nvPr>
-            <p:ph type="title"/>
-          </p:nvPr>
-        </p:nvSpPr>
-        <p:spPr/>
-        <p:txBody>
-          <a:bodyPr/>
-          <a:lstStyle/>
-          <a:p>
-            <a:endParaRPr lang="en-IN"/>
-          </a:p>
-        </p:txBody>
-      </p:sp>
       <p:pic>
         <p:nvPicPr>
           <p:cNvPr id="8194" name="Picture 2" descr="https://documents.lucidchart.com/documents/fa38db06-445b-4f27-a837-42e1e76b51b6/pages/0_0?a=5364&amp;x=90&amp;y=443&amp;w=1540&amp;h=820&amp;store=1&amp;accept=image%2F*&amp;auth=LCA%20b8584c57f385a10f3b908db435a675e09a773891-ts%3D1569425288"/>
@@ -4313,7 +4775,7 @@
         </p:blipFill>
         <p:spPr bwMode="auto">
           <a:xfrm>
-            <a:off x="63500" y="-136525"/>
+            <a:off x="246380" y="653200"/>
             <a:ext cx="11001375" cy="5857875"/>
           </a:xfrm>
           <a:prstGeom prst="rect">
@@ -4331,6 +4793,43 @@
           </a:extLst>
         </p:spPr>
       </p:pic>
+      <p:sp>
+        <p:nvSpPr>
+          <p:cNvPr id="4" name="TextBox 3"/>
+          <p:cNvSpPr txBox="1"/>
+          <p:nvPr/>
+        </p:nvSpPr>
+        <p:spPr>
+          <a:xfrm>
+            <a:off x="1936864" y="16625"/>
+            <a:ext cx="8595361" cy="707886"/>
+          </a:xfrm>
+          <a:prstGeom prst="rect">
+            <a:avLst/>
+          </a:prstGeom>
+          <a:noFill/>
+        </p:spPr>
+        <p:txBody>
+          <a:bodyPr wrap="square" rtlCol="0">
+            <a:spAutoFit/>
+          </a:bodyPr>
+          <a:lstStyle/>
+          <a:p>
+            <a:pPr algn="ctr"/>
+            <a:r>
+              <a:rPr lang="en-IN" sz="4000" b="1" dirty="0" smtClean="0">
+                <a:latin typeface="Times New Roman" pitchFamily="18" charset="0"/>
+                <a:cs typeface="Times New Roman" pitchFamily="18" charset="0"/>
+              </a:rPr>
+              <a:t>Class Diagram Cart Product</a:t>
+            </a:r>
+            <a:endParaRPr lang="en-IN" sz="4000" b="1" dirty="0">
+              <a:latin typeface="Times New Roman" pitchFamily="18" charset="0"/>
+              <a:cs typeface="Times New Roman" pitchFamily="18" charset="0"/>
+            </a:endParaRPr>
+          </a:p>
+        </p:txBody>
+      </p:sp>
     </p:spTree>
     <p:extLst>
       <p:ext uri="{BB962C8B-B14F-4D97-AF65-F5344CB8AC3E}">
@@ -4344,7 +4843,7 @@
 </p:sld>
 </file>
 
-<file path=ppt/slides/slide17.xml><?xml version="1.0" encoding="utf-8"?>
+<file path=ppt/slides/slide19.xml><?xml version="1.0" encoding="utf-8"?>
 <p:sld xmlns:a="http://schemas.openxmlformats.org/drawingml/2006/main" xmlns:r="http://schemas.openxmlformats.org/officeDocument/2006/relationships" xmlns:p="http://schemas.openxmlformats.org/presentationml/2006/main">
   <p:cSld>
     <p:spTree>
@@ -4402,6 +4901,43 @@
           </a:extLst>
         </p:spPr>
       </p:pic>
+      <p:sp>
+        <p:nvSpPr>
+          <p:cNvPr id="3" name="TextBox 2"/>
+          <p:cNvSpPr txBox="1"/>
+          <p:nvPr/>
+        </p:nvSpPr>
+        <p:spPr>
+          <a:xfrm>
+            <a:off x="1936864" y="16625"/>
+            <a:ext cx="8595361" cy="707886"/>
+          </a:xfrm>
+          <a:prstGeom prst="rect">
+            <a:avLst/>
+          </a:prstGeom>
+          <a:noFill/>
+        </p:spPr>
+        <p:txBody>
+          <a:bodyPr wrap="square" rtlCol="0">
+            <a:spAutoFit/>
+          </a:bodyPr>
+          <a:lstStyle/>
+          <a:p>
+            <a:pPr algn="ctr"/>
+            <a:r>
+              <a:rPr lang="en-IN" sz="4000" b="1" dirty="0" smtClean="0">
+                <a:latin typeface="Times New Roman" pitchFamily="18" charset="0"/>
+                <a:cs typeface="Times New Roman" pitchFamily="18" charset="0"/>
+              </a:rPr>
+              <a:t>Class Diagram Order Details</a:t>
+            </a:r>
+            <a:endParaRPr lang="en-IN" sz="4000" b="1" dirty="0">
+              <a:latin typeface="Times New Roman" pitchFamily="18" charset="0"/>
+              <a:cs typeface="Times New Roman" pitchFamily="18" charset="0"/>
+            </a:endParaRPr>
+          </a:p>
+        </p:txBody>
+      </p:sp>
     </p:spTree>
     <p:extLst>
       <p:ext uri="{BB962C8B-B14F-4D97-AF65-F5344CB8AC3E}">
@@ -4415,7 +4951,295 @@
 </p:sld>
 </file>
 
-<file path=ppt/slides/slide18.xml><?xml version="1.0" encoding="utf-8"?>
+<file path=ppt/slides/slide2.xml><?xml version="1.0" encoding="utf-8"?>
+<p:sld xmlns:a="http://schemas.openxmlformats.org/drawingml/2006/main" xmlns:r="http://schemas.openxmlformats.org/officeDocument/2006/relationships" xmlns:p="http://schemas.openxmlformats.org/presentationml/2006/main">
+  <p:cSld>
+    <p:spTree>
+      <p:nvGrpSpPr>
+        <p:cNvPr id="1" name=""/>
+        <p:cNvGrpSpPr/>
+        <p:nvPr/>
+      </p:nvGrpSpPr>
+      <p:grpSpPr>
+        <a:xfrm>
+          <a:off x="0" y="0"/>
+          <a:ext cx="0" cy="0"/>
+          <a:chOff x="0" y="0"/>
+          <a:chExt cx="0" cy="0"/>
+        </a:xfrm>
+      </p:grpSpPr>
+      <p:sp>
+        <p:nvSpPr>
+          <p:cNvPr id="2" name="Title 1">
+            <a:extLst>
+              <a:ext uri="{FF2B5EF4-FFF2-40B4-BE49-F238E27FC236}">
+                <a16:creationId xmlns:a16="http://schemas.microsoft.com/office/drawing/2014/main" xmlns="" id="{AEEC45DE-A5ED-42A9-994B-B9E85181C383}"/>
+              </a:ext>
+            </a:extLst>
+          </p:cNvPr>
+          <p:cNvSpPr>
+            <a:spLocks noGrp="1"/>
+          </p:cNvSpPr>
+          <p:nvPr>
+            <p:ph type="title"/>
+          </p:nvPr>
+        </p:nvSpPr>
+        <p:spPr>
+          <a:xfrm>
+            <a:off x="424109" y="92050"/>
+            <a:ext cx="10831901" cy="983681"/>
+          </a:xfrm>
+        </p:spPr>
+        <p:txBody>
+          <a:bodyPr>
+            <a:normAutofit/>
+          </a:bodyPr>
+          <a:lstStyle/>
+          <a:p>
+            <a:r>
+              <a:rPr lang="en-US" sz="4400" b="1" dirty="0">
+                <a:cs typeface="Calibri Light"/>
+              </a:rPr>
+              <a:t>Epic and User stories:</a:t>
+            </a:r>
+            <a:endParaRPr lang="en-US" sz="4400" b="1" dirty="0"/>
+          </a:p>
+        </p:txBody>
+      </p:sp>
+      <p:sp>
+        <p:nvSpPr>
+          <p:cNvPr id="3" name="Text Placeholder 2">
+            <a:extLst>
+              <a:ext uri="{FF2B5EF4-FFF2-40B4-BE49-F238E27FC236}">
+                <a16:creationId xmlns:a16="http://schemas.microsoft.com/office/drawing/2014/main" xmlns="" id="{80817105-A9F1-41BE-A308-27BAD714FB77}"/>
+              </a:ext>
+            </a:extLst>
+          </p:cNvPr>
+          <p:cNvSpPr>
+            <a:spLocks noGrp="1"/>
+          </p:cNvSpPr>
+          <p:nvPr>
+            <p:ph type="body" idx="1"/>
+          </p:nvPr>
+        </p:nvSpPr>
+        <p:spPr>
+          <a:xfrm>
+            <a:off x="490611" y="1141355"/>
+            <a:ext cx="11450127" cy="5396450"/>
+          </a:xfrm>
+        </p:spPr>
+        <p:txBody>
+          <a:bodyPr vert="horz" lIns="91440" tIns="45720" rIns="91440" bIns="45720" rtlCol="0" anchor="t">
+            <a:normAutofit/>
+          </a:bodyPr>
+          <a:lstStyle/>
+          <a:p>
+            <a:r>
+              <a:rPr lang="en-US" b="1" dirty="0">
+                <a:solidFill>
+                  <a:schemeClr val="tx1"/>
+                </a:solidFill>
+                <a:cs typeface="Calibri"/>
+              </a:rPr>
+              <a:t>Dealing with Login and Viewing sales reports.</a:t>
+            </a:r>
+          </a:p>
+          <a:p>
+            <a:r>
+              <a:rPr lang="en-US" b="1" dirty="0">
+                <a:solidFill>
+                  <a:schemeClr val="tx1"/>
+                </a:solidFill>
+                <a:cs typeface="Calibri"/>
+              </a:rPr>
+              <a:t>Login:</a:t>
+            </a:r>
+          </a:p>
+          <a:p>
+            <a:pPr marL="342900" indent="-342900">
+              <a:buChar char="•"/>
+            </a:pPr>
+            <a:r>
+              <a:rPr lang="en-US" dirty="0">
+                <a:solidFill>
+                  <a:schemeClr val="tx1"/>
+                </a:solidFill>
+                <a:cs typeface="Calibri"/>
+              </a:rPr>
+              <a:t>Taking the user name as input from the user.</a:t>
+            </a:r>
+          </a:p>
+          <a:p>
+            <a:pPr marL="342900" indent="-342900">
+              <a:buChar char="•"/>
+            </a:pPr>
+            <a:r>
+              <a:rPr lang="en-US" dirty="0">
+                <a:solidFill>
+                  <a:schemeClr val="tx1"/>
+                </a:solidFill>
+                <a:cs typeface="Calibri"/>
+              </a:rPr>
+              <a:t>Check whether the user name is existed in the database or not.</a:t>
+            </a:r>
+          </a:p>
+          <a:p>
+            <a:pPr marL="342900" indent="-342900">
+              <a:buChar char="•"/>
+            </a:pPr>
+            <a:r>
+              <a:rPr lang="en-US" dirty="0">
+                <a:solidFill>
+                  <a:schemeClr val="tx1"/>
+                </a:solidFill>
+                <a:cs typeface="Calibri"/>
+              </a:rPr>
+              <a:t>If yes, ask the password as input from the user.</a:t>
+            </a:r>
+          </a:p>
+          <a:p>
+            <a:pPr marL="342900" indent="-342900">
+              <a:buChar char="•"/>
+            </a:pPr>
+            <a:r>
+              <a:rPr lang="en-US" dirty="0">
+                <a:solidFill>
+                  <a:schemeClr val="tx1"/>
+                </a:solidFill>
+                <a:cs typeface="Calibri"/>
+              </a:rPr>
+              <a:t>Validate the password by retrieving user credentials from the database. </a:t>
+            </a:r>
+          </a:p>
+          <a:p>
+            <a:pPr marL="342900" indent="-342900">
+              <a:buChar char="•"/>
+            </a:pPr>
+            <a:r>
+              <a:rPr lang="en-US" dirty="0">
+                <a:solidFill>
+                  <a:schemeClr val="tx1"/>
+                </a:solidFill>
+                <a:cs typeface="Calibri"/>
+              </a:rPr>
+              <a:t>Intimating the user about credentials.</a:t>
+            </a:r>
+          </a:p>
+          <a:p>
+            <a:r>
+              <a:rPr lang="en-US" b="1" dirty="0">
+                <a:solidFill>
+                  <a:schemeClr val="tx1"/>
+                </a:solidFill>
+                <a:cs typeface="Calibri"/>
+              </a:rPr>
+              <a:t>For retailer:</a:t>
+            </a:r>
+          </a:p>
+          <a:p>
+            <a:pPr marL="342900" indent="-342900">
+              <a:buChar char="•"/>
+            </a:pPr>
+            <a:r>
+              <a:rPr lang="en-US" dirty="0">
+                <a:solidFill>
+                  <a:schemeClr val="tx1"/>
+                </a:solidFill>
+                <a:cs typeface="Calibri"/>
+              </a:rPr>
+              <a:t>If user name is not present in database, we intimate the user and suggest to create new account.</a:t>
+            </a:r>
+          </a:p>
+          <a:p>
+            <a:pPr marL="342900" indent="-342900">
+              <a:buChar char="•"/>
+            </a:pPr>
+            <a:r>
+              <a:rPr lang="en-US" dirty="0">
+                <a:solidFill>
+                  <a:schemeClr val="tx1"/>
+                </a:solidFill>
+                <a:cs typeface="Calibri"/>
+              </a:rPr>
+              <a:t>The retailer has two options.</a:t>
+            </a:r>
+          </a:p>
+          <a:p>
+            <a:r>
+              <a:rPr lang="en-US" dirty="0">
+                <a:solidFill>
+                  <a:schemeClr val="tx1"/>
+                </a:solidFill>
+                <a:cs typeface="Calibri"/>
+              </a:rPr>
+              <a:t>       1. Signup       2. Login</a:t>
+            </a:r>
+          </a:p>
+          <a:p>
+            <a:pPr marL="342900" indent="-342900">
+              <a:buChar char="•"/>
+            </a:pPr>
+            <a:endParaRPr lang="en-US" dirty="0">
+              <a:solidFill>
+                <a:schemeClr val="tx1"/>
+              </a:solidFill>
+              <a:cs typeface="Calibri"/>
+            </a:endParaRPr>
+          </a:p>
+          <a:p>
+            <a:pPr marL="342900" indent="-342900">
+              <a:buChar char="•"/>
+            </a:pPr>
+            <a:endParaRPr lang="en-US" dirty="0">
+              <a:solidFill>
+                <a:schemeClr val="tx1"/>
+              </a:solidFill>
+              <a:cs typeface="Calibri"/>
+            </a:endParaRPr>
+          </a:p>
+          <a:p>
+            <a:pPr marL="342900" indent="-342900">
+              <a:buChar char="•"/>
+            </a:pPr>
+            <a:endParaRPr lang="en-US" dirty="0">
+              <a:solidFill>
+                <a:schemeClr val="tx1"/>
+              </a:solidFill>
+              <a:cs typeface="Calibri"/>
+            </a:endParaRPr>
+          </a:p>
+          <a:p>
+            <a:endParaRPr lang="en-US" dirty="0">
+              <a:solidFill>
+                <a:schemeClr val="tx1"/>
+              </a:solidFill>
+              <a:cs typeface="Calibri"/>
+            </a:endParaRPr>
+          </a:p>
+          <a:p>
+            <a:endParaRPr lang="en-US" b="1" dirty="0">
+              <a:solidFill>
+                <a:schemeClr val="tx1"/>
+              </a:solidFill>
+              <a:cs typeface="Calibri"/>
+            </a:endParaRPr>
+          </a:p>
+        </p:txBody>
+      </p:sp>
+    </p:spTree>
+    <p:extLst>
+      <p:ext uri="{BB962C8B-B14F-4D97-AF65-F5344CB8AC3E}">
+        <p14:creationId xmlns:p14="http://schemas.microsoft.com/office/powerpoint/2010/main" val="4053692112"/>
+      </p:ext>
+    </p:extLst>
+  </p:cSld>
+  <p:clrMapOvr>
+    <a:masterClrMapping/>
+  </p:clrMapOvr>
+</p:sld>
+</file>
+
+<file path=ppt/slides/slide20.xml><?xml version="1.0" encoding="utf-8"?>
 <p:sld xmlns:a="http://schemas.openxmlformats.org/drawingml/2006/main" xmlns:r="http://schemas.openxmlformats.org/officeDocument/2006/relationships" xmlns:p="http://schemas.openxmlformats.org/presentationml/2006/main">
   <p:cSld>
     <p:spTree>
@@ -4455,7 +5279,7 @@
         </p:blipFill>
         <p:spPr bwMode="auto">
           <a:xfrm>
-            <a:off x="238580" y="1237957"/>
+            <a:off x="0" y="724511"/>
             <a:ext cx="11953420" cy="5317588"/>
           </a:xfrm>
           <a:prstGeom prst="rect">
@@ -4473,6 +5297,43 @@
           </a:extLst>
         </p:spPr>
       </p:pic>
+      <p:sp>
+        <p:nvSpPr>
+          <p:cNvPr id="3" name="TextBox 2"/>
+          <p:cNvSpPr txBox="1"/>
+          <p:nvPr/>
+        </p:nvSpPr>
+        <p:spPr>
+          <a:xfrm>
+            <a:off x="1936864" y="16625"/>
+            <a:ext cx="8595361" cy="707886"/>
+          </a:xfrm>
+          <a:prstGeom prst="rect">
+            <a:avLst/>
+          </a:prstGeom>
+          <a:noFill/>
+        </p:spPr>
+        <p:txBody>
+          <a:bodyPr wrap="square" rtlCol="0">
+            <a:spAutoFit/>
+          </a:bodyPr>
+          <a:lstStyle/>
+          <a:p>
+            <a:pPr algn="ctr"/>
+            <a:r>
+              <a:rPr lang="en-IN" sz="4000" b="1" dirty="0" smtClean="0">
+                <a:latin typeface="Times New Roman" pitchFamily="18" charset="0"/>
+                <a:cs typeface="Times New Roman" pitchFamily="18" charset="0"/>
+              </a:rPr>
+              <a:t>Class Diagram Offline Return</a:t>
+            </a:r>
+            <a:endParaRPr lang="en-IN" sz="4000" b="1" dirty="0">
+              <a:latin typeface="Times New Roman" pitchFamily="18" charset="0"/>
+              <a:cs typeface="Times New Roman" pitchFamily="18" charset="0"/>
+            </a:endParaRPr>
+          </a:p>
+        </p:txBody>
+      </p:sp>
     </p:spTree>
     <p:extLst>
       <p:ext uri="{BB962C8B-B14F-4D97-AF65-F5344CB8AC3E}">
@@ -4486,7 +5347,138 @@
 </p:sld>
 </file>
 
-<file path=ppt/slides/slide19.xml><?xml version="1.0" encoding="utf-8"?>
+<file path=ppt/slides/slide21.xml><?xml version="1.0" encoding="utf-8"?>
+<p:sld xmlns:a="http://schemas.openxmlformats.org/drawingml/2006/main" xmlns:r="http://schemas.openxmlformats.org/officeDocument/2006/relationships" xmlns:p="http://schemas.openxmlformats.org/presentationml/2006/main">
+  <p:cSld>
+    <p:spTree>
+      <p:nvGrpSpPr>
+        <p:cNvPr id="1" name=""/>
+        <p:cNvGrpSpPr/>
+        <p:nvPr/>
+      </p:nvGrpSpPr>
+      <p:grpSpPr>
+        <a:xfrm>
+          <a:off x="0" y="0"/>
+          <a:ext cx="0" cy="0"/>
+          <a:chOff x="0" y="0"/>
+          <a:chExt cx="0" cy="0"/>
+        </a:xfrm>
+      </p:grpSpPr>
+      <p:pic>
+        <p:nvPicPr>
+          <p:cNvPr id="1027" name="Picture 3"/>
+          <p:cNvPicPr>
+            <a:picLocks noChangeAspect="1" noChangeArrowheads="1"/>
+          </p:cNvPicPr>
+          <p:nvPr/>
+        </p:nvPicPr>
+        <p:blipFill>
+          <a:blip r:embed="rId2">
+            <a:extLst>
+              <a:ext uri="{28A0092B-C50C-407E-A947-70E740481C1C}">
+                <a14:useLocalDpi xmlns:a14="http://schemas.microsoft.com/office/drawing/2010/main" val="0"/>
+              </a:ext>
+            </a:extLst>
+          </a:blip>
+          <a:srcRect/>
+          <a:stretch>
+            <a:fillRect/>
+          </a:stretch>
+        </p:blipFill>
+        <p:spPr bwMode="auto">
+          <a:xfrm>
+            <a:off x="717550" y="1101725"/>
+            <a:ext cx="10756900" cy="4654550"/>
+          </a:xfrm>
+          <a:prstGeom prst="rect">
+            <a:avLst/>
+          </a:prstGeom>
+          <a:noFill/>
+          <a:ln>
+            <a:noFill/>
+          </a:ln>
+          <a:effectLst/>
+          <a:extLst>
+            <a:ext uri="{909E8E84-426E-40DD-AFC4-6F175D3DCCD1}">
+              <a14:hiddenFill xmlns:a14="http://schemas.microsoft.com/office/drawing/2010/main">
+                <a:solidFill>
+                  <a:schemeClr val="accent1"/>
+                </a:solidFill>
+              </a14:hiddenFill>
+            </a:ext>
+            <a:ext uri="{91240B29-F687-4F45-9708-019B960494DF}">
+              <a14:hiddenLine xmlns:a14="http://schemas.microsoft.com/office/drawing/2010/main" w="9525">
+                <a:solidFill>
+                  <a:schemeClr val="tx1"/>
+                </a:solidFill>
+                <a:miter lim="800000"/>
+                <a:headEnd/>
+                <a:tailEnd/>
+              </a14:hiddenLine>
+            </a:ext>
+            <a:ext uri="{AF507438-7753-43E0-B8FC-AC1667EBCBE1}">
+              <a14:hiddenEffects xmlns:a14="http://schemas.microsoft.com/office/drawing/2010/main">
+                <a:effectLst>
+                  <a:outerShdw dist="35921" dir="2700000" algn="ctr" rotWithShape="0">
+                    <a:schemeClr val="bg2"/>
+                  </a:outerShdw>
+                </a:effectLst>
+              </a14:hiddenEffects>
+            </a:ext>
+          </a:extLst>
+        </p:spPr>
+      </p:pic>
+      <p:sp>
+        <p:nvSpPr>
+          <p:cNvPr id="6" name="TextBox 5"/>
+          <p:cNvSpPr txBox="1"/>
+          <p:nvPr/>
+        </p:nvSpPr>
+        <p:spPr>
+          <a:xfrm>
+            <a:off x="1936864" y="16625"/>
+            <a:ext cx="8595361" cy="707886"/>
+          </a:xfrm>
+          <a:prstGeom prst="rect">
+            <a:avLst/>
+          </a:prstGeom>
+          <a:noFill/>
+        </p:spPr>
+        <p:txBody>
+          <a:bodyPr wrap="square" rtlCol="0">
+            <a:spAutoFit/>
+          </a:bodyPr>
+          <a:lstStyle/>
+          <a:p>
+            <a:pPr algn="ctr"/>
+            <a:r>
+              <a:rPr lang="en-IN" sz="4000" b="1" dirty="0" smtClean="0">
+                <a:latin typeface="Times New Roman" pitchFamily="18" charset="0"/>
+                <a:cs typeface="Times New Roman" pitchFamily="18" charset="0"/>
+              </a:rPr>
+              <a:t>Class Diagram Offline Orders</a:t>
+            </a:r>
+            <a:endParaRPr lang="en-IN" sz="4000" b="1" dirty="0">
+              <a:latin typeface="Times New Roman" pitchFamily="18" charset="0"/>
+              <a:cs typeface="Times New Roman" pitchFamily="18" charset="0"/>
+            </a:endParaRPr>
+          </a:p>
+        </p:txBody>
+      </p:sp>
+    </p:spTree>
+    <p:extLst>
+      <p:ext uri="{BB962C8B-B14F-4D97-AF65-F5344CB8AC3E}">
+        <p14:creationId xmlns:p14="http://schemas.microsoft.com/office/powerpoint/2010/main" val="1652097426"/>
+      </p:ext>
+    </p:extLst>
+  </p:cSld>
+  <p:clrMapOvr>
+    <a:masterClrMapping/>
+  </p:clrMapOvr>
+</p:sld>
+</file>
+
+<file path=ppt/slides/slide22.xml><?xml version="1.0" encoding="utf-8"?>
 <p:sld xmlns:a="http://schemas.openxmlformats.org/drawingml/2006/main" xmlns:r="http://schemas.openxmlformats.org/officeDocument/2006/relationships" xmlns:p="http://schemas.openxmlformats.org/presentationml/2006/main">
   <p:cSld>
     <p:spTree>
@@ -4544,621 +5536,47 @@
           </a:extLst>
         </p:spPr>
       </p:pic>
+      <p:sp>
+        <p:nvSpPr>
+          <p:cNvPr id="3" name="TextBox 2"/>
+          <p:cNvSpPr txBox="1"/>
+          <p:nvPr/>
+        </p:nvSpPr>
+        <p:spPr>
+          <a:xfrm>
+            <a:off x="1936864" y="16625"/>
+            <a:ext cx="8595361" cy="707886"/>
+          </a:xfrm>
+          <a:prstGeom prst="rect">
+            <a:avLst/>
+          </a:prstGeom>
+          <a:noFill/>
+        </p:spPr>
+        <p:txBody>
+          <a:bodyPr wrap="square" rtlCol="0">
+            <a:spAutoFit/>
+          </a:bodyPr>
+          <a:lstStyle/>
+          <a:p>
+            <a:pPr algn="ctr"/>
+            <a:r>
+              <a:rPr lang="en-IN" sz="4000" b="1" dirty="0" smtClean="0">
+                <a:latin typeface="Times New Roman" pitchFamily="18" charset="0"/>
+                <a:cs typeface="Times New Roman" pitchFamily="18" charset="0"/>
+              </a:rPr>
+              <a:t>Class Diagram Online Return</a:t>
+            </a:r>
+            <a:endParaRPr lang="en-IN" sz="4000" b="1" dirty="0">
+              <a:latin typeface="Times New Roman" pitchFamily="18" charset="0"/>
+              <a:cs typeface="Times New Roman" pitchFamily="18" charset="0"/>
+            </a:endParaRPr>
+          </a:p>
+        </p:txBody>
+      </p:sp>
     </p:spTree>
     <p:extLst>
       <p:ext uri="{BB962C8B-B14F-4D97-AF65-F5344CB8AC3E}">
         <p14:creationId xmlns:p14="http://schemas.microsoft.com/office/powerpoint/2010/main" val="4166307839"/>
-      </p:ext>
-    </p:extLst>
-  </p:cSld>
-  <p:clrMapOvr>
-    <a:masterClrMapping/>
-  </p:clrMapOvr>
-</p:sld>
-</file>
-
-<file path=ppt/slides/slide2.xml><?xml version="1.0" encoding="utf-8"?>
-<p:sld xmlns:a="http://schemas.openxmlformats.org/drawingml/2006/main" xmlns:r="http://schemas.openxmlformats.org/officeDocument/2006/relationships" xmlns:p="http://schemas.openxmlformats.org/presentationml/2006/main">
-  <p:cSld>
-    <p:spTree>
-      <p:nvGrpSpPr>
-        <p:cNvPr id="1" name=""/>
-        <p:cNvGrpSpPr/>
-        <p:nvPr/>
-      </p:nvGrpSpPr>
-      <p:grpSpPr>
-        <a:xfrm>
-          <a:off x="0" y="0"/>
-          <a:ext cx="0" cy="0"/>
-          <a:chOff x="0" y="0"/>
-          <a:chExt cx="0" cy="0"/>
-        </a:xfrm>
-      </p:grpSpPr>
-      <p:sp>
-        <p:nvSpPr>
-          <p:cNvPr id="2" name="Title 1">
-            <a:extLst>
-              <a:ext uri="{FF2B5EF4-FFF2-40B4-BE49-F238E27FC236}">
-                <a16:creationId xmlns:a16="http://schemas.microsoft.com/office/drawing/2014/main" xmlns="" id="{AEEC45DE-A5ED-42A9-994B-B9E85181C383}"/>
-              </a:ext>
-            </a:extLst>
-          </p:cNvPr>
-          <p:cNvSpPr>
-            <a:spLocks noGrp="1"/>
-          </p:cNvSpPr>
-          <p:nvPr>
-            <p:ph type="title"/>
-          </p:nvPr>
-        </p:nvSpPr>
-        <p:spPr>
-          <a:xfrm>
-            <a:off x="515549" y="200116"/>
-            <a:ext cx="10831901" cy="983681"/>
-          </a:xfrm>
-        </p:spPr>
-        <p:txBody>
-          <a:bodyPr>
-            <a:normAutofit/>
-          </a:bodyPr>
-          <a:lstStyle/>
-          <a:p>
-            <a:r>
-              <a:rPr lang="en-US" sz="4400" b="1" dirty="0">
-                <a:cs typeface="Calibri Light"/>
-              </a:rPr>
-              <a:t>Epic and User stories:</a:t>
-            </a:r>
-            <a:endParaRPr lang="en-US" sz="4400" b="1" dirty="0"/>
-          </a:p>
-        </p:txBody>
-      </p:sp>
-      <p:sp>
-        <p:nvSpPr>
-          <p:cNvPr id="3" name="Text Placeholder 2">
-            <a:extLst>
-              <a:ext uri="{FF2B5EF4-FFF2-40B4-BE49-F238E27FC236}">
-                <a16:creationId xmlns:a16="http://schemas.microsoft.com/office/drawing/2014/main" xmlns="" id="{80817105-A9F1-41BE-A308-27BAD714FB77}"/>
-              </a:ext>
-            </a:extLst>
-          </p:cNvPr>
-          <p:cNvSpPr>
-            <a:spLocks noGrp="1"/>
-          </p:cNvSpPr>
-          <p:nvPr>
-            <p:ph type="body" idx="1"/>
-          </p:nvPr>
-        </p:nvSpPr>
-        <p:spPr>
-          <a:xfrm>
-            <a:off x="515549" y="1282671"/>
-            <a:ext cx="11450127" cy="5396450"/>
-          </a:xfrm>
-        </p:spPr>
-        <p:txBody>
-          <a:bodyPr vert="horz" lIns="91440" tIns="45720" rIns="91440" bIns="45720" rtlCol="0" anchor="t">
-            <a:normAutofit/>
-          </a:bodyPr>
-          <a:lstStyle/>
-          <a:p>
-            <a:r>
-              <a:rPr lang="en-US" b="1" dirty="0">
-                <a:solidFill>
-                  <a:schemeClr val="tx1"/>
-                </a:solidFill>
-                <a:cs typeface="Calibri"/>
-              </a:rPr>
-              <a:t>Dealing with Login and Viewing sales reports.</a:t>
-            </a:r>
-          </a:p>
-          <a:p>
-            <a:r>
-              <a:rPr lang="en-US" b="1" dirty="0">
-                <a:solidFill>
-                  <a:schemeClr val="tx1"/>
-                </a:solidFill>
-                <a:cs typeface="Calibri"/>
-              </a:rPr>
-              <a:t>Login:</a:t>
-            </a:r>
-          </a:p>
-          <a:p>
-            <a:pPr marL="342900" indent="-342900">
-              <a:buChar char="•"/>
-            </a:pPr>
-            <a:r>
-              <a:rPr lang="en-US" dirty="0">
-                <a:solidFill>
-                  <a:schemeClr val="tx1"/>
-                </a:solidFill>
-                <a:cs typeface="Calibri"/>
-              </a:rPr>
-              <a:t>Taking the user name as input from the user.</a:t>
-            </a:r>
-          </a:p>
-          <a:p>
-            <a:pPr marL="342900" indent="-342900">
-              <a:buChar char="•"/>
-            </a:pPr>
-            <a:r>
-              <a:rPr lang="en-US" dirty="0">
-                <a:solidFill>
-                  <a:schemeClr val="tx1"/>
-                </a:solidFill>
-                <a:cs typeface="Calibri"/>
-              </a:rPr>
-              <a:t>Check whether the user name is existed in the database or not.</a:t>
-            </a:r>
-          </a:p>
-          <a:p>
-            <a:pPr marL="342900" indent="-342900">
-              <a:buChar char="•"/>
-            </a:pPr>
-            <a:r>
-              <a:rPr lang="en-US" dirty="0">
-                <a:solidFill>
-                  <a:schemeClr val="tx1"/>
-                </a:solidFill>
-                <a:cs typeface="Calibri"/>
-              </a:rPr>
-              <a:t>If yes, ask the password as input from the user.</a:t>
-            </a:r>
-          </a:p>
-          <a:p>
-            <a:pPr marL="342900" indent="-342900">
-              <a:buChar char="•"/>
-            </a:pPr>
-            <a:r>
-              <a:rPr lang="en-US" dirty="0">
-                <a:solidFill>
-                  <a:schemeClr val="tx1"/>
-                </a:solidFill>
-                <a:cs typeface="Calibri"/>
-              </a:rPr>
-              <a:t>Validate the password by retrieving user credentials from the database. </a:t>
-            </a:r>
-          </a:p>
-          <a:p>
-            <a:pPr marL="342900" indent="-342900">
-              <a:buChar char="•"/>
-            </a:pPr>
-            <a:r>
-              <a:rPr lang="en-US" dirty="0">
-                <a:solidFill>
-                  <a:schemeClr val="tx1"/>
-                </a:solidFill>
-                <a:cs typeface="Calibri"/>
-              </a:rPr>
-              <a:t>Intimating the user about credentials.</a:t>
-            </a:r>
-          </a:p>
-          <a:p>
-            <a:r>
-              <a:rPr lang="en-US" b="1" dirty="0">
-                <a:solidFill>
-                  <a:schemeClr val="tx1"/>
-                </a:solidFill>
-                <a:cs typeface="Calibri"/>
-              </a:rPr>
-              <a:t>For retailer:</a:t>
-            </a:r>
-          </a:p>
-          <a:p>
-            <a:pPr marL="342900" indent="-342900">
-              <a:buChar char="•"/>
-            </a:pPr>
-            <a:r>
-              <a:rPr lang="en-US" dirty="0">
-                <a:solidFill>
-                  <a:schemeClr val="tx1"/>
-                </a:solidFill>
-                <a:cs typeface="Calibri"/>
-              </a:rPr>
-              <a:t>If user name is not present in database, we intimate the user and suggest to create new account.</a:t>
-            </a:r>
-          </a:p>
-          <a:p>
-            <a:pPr marL="342900" indent="-342900">
-              <a:buChar char="•"/>
-            </a:pPr>
-            <a:r>
-              <a:rPr lang="en-US" dirty="0">
-                <a:solidFill>
-                  <a:schemeClr val="tx1"/>
-                </a:solidFill>
-                <a:cs typeface="Calibri"/>
-              </a:rPr>
-              <a:t>The retailer has two options.</a:t>
-            </a:r>
-          </a:p>
-          <a:p>
-            <a:r>
-              <a:rPr lang="en-US" dirty="0">
-                <a:solidFill>
-                  <a:schemeClr val="tx1"/>
-                </a:solidFill>
-                <a:cs typeface="Calibri"/>
-              </a:rPr>
-              <a:t>       1. Signup       2. Login</a:t>
-            </a:r>
-          </a:p>
-          <a:p>
-            <a:pPr marL="342900" indent="-342900">
-              <a:buChar char="•"/>
-            </a:pPr>
-            <a:endParaRPr lang="en-US" dirty="0">
-              <a:solidFill>
-                <a:schemeClr val="tx1"/>
-              </a:solidFill>
-              <a:cs typeface="Calibri"/>
-            </a:endParaRPr>
-          </a:p>
-          <a:p>
-            <a:pPr marL="342900" indent="-342900">
-              <a:buChar char="•"/>
-            </a:pPr>
-            <a:endParaRPr lang="en-US" dirty="0">
-              <a:solidFill>
-                <a:schemeClr val="tx1"/>
-              </a:solidFill>
-              <a:cs typeface="Calibri"/>
-            </a:endParaRPr>
-          </a:p>
-          <a:p>
-            <a:pPr marL="342900" indent="-342900">
-              <a:buChar char="•"/>
-            </a:pPr>
-            <a:endParaRPr lang="en-US" dirty="0">
-              <a:solidFill>
-                <a:schemeClr val="tx1"/>
-              </a:solidFill>
-              <a:cs typeface="Calibri"/>
-            </a:endParaRPr>
-          </a:p>
-          <a:p>
-            <a:endParaRPr lang="en-US" dirty="0">
-              <a:solidFill>
-                <a:schemeClr val="tx1"/>
-              </a:solidFill>
-              <a:cs typeface="Calibri"/>
-            </a:endParaRPr>
-          </a:p>
-          <a:p>
-            <a:endParaRPr lang="en-US" b="1" dirty="0">
-              <a:solidFill>
-                <a:schemeClr val="tx1"/>
-              </a:solidFill>
-              <a:cs typeface="Calibri"/>
-            </a:endParaRPr>
-          </a:p>
-        </p:txBody>
-      </p:sp>
-    </p:spTree>
-    <p:extLst>
-      <p:ext uri="{BB962C8B-B14F-4D97-AF65-F5344CB8AC3E}">
-        <p14:creationId xmlns:p14="http://schemas.microsoft.com/office/powerpoint/2010/main" val="4053692112"/>
-      </p:ext>
-    </p:extLst>
-  </p:cSld>
-  <p:clrMapOvr>
-    <a:masterClrMapping/>
-  </p:clrMapOvr>
-</p:sld>
-</file>
-
-<file path=ppt/slides/slide20.xml><?xml version="1.0" encoding="utf-8"?>
-<p:sld xmlns:a="http://schemas.openxmlformats.org/drawingml/2006/main" xmlns:r="http://schemas.openxmlformats.org/officeDocument/2006/relationships" xmlns:p="http://schemas.openxmlformats.org/presentationml/2006/main">
-  <p:cSld>
-    <p:spTree>
-      <p:nvGrpSpPr>
-        <p:cNvPr id="1" name=""/>
-        <p:cNvGrpSpPr/>
-        <p:nvPr/>
-      </p:nvGrpSpPr>
-      <p:grpSpPr>
-        <a:xfrm>
-          <a:off x="0" y="0"/>
-          <a:ext cx="0" cy="0"/>
-          <a:chOff x="0" y="0"/>
-          <a:chExt cx="0" cy="0"/>
-        </a:xfrm>
-      </p:grpSpPr>
-      <p:sp>
-        <p:nvSpPr>
-          <p:cNvPr id="3" name="Content Placeholder 2"/>
-          <p:cNvSpPr>
-            <a:spLocks noGrp="1"/>
-          </p:cNvSpPr>
-          <p:nvPr>
-            <p:ph idx="1"/>
-          </p:nvPr>
-        </p:nvSpPr>
-        <p:spPr>
-          <a:xfrm>
-            <a:off x="838200" y="83127"/>
-            <a:ext cx="10515600" cy="712520"/>
-          </a:xfrm>
-        </p:spPr>
-        <p:txBody>
-          <a:bodyPr/>
-          <a:lstStyle/>
-          <a:p>
-            <a:pPr marL="0" indent="0" algn="ctr">
-              <a:buNone/>
-            </a:pPr>
-            <a:r>
-              <a:rPr lang="en-US" b="1" dirty="0" smtClean="0"/>
-              <a:t>SEQUENCE DIAGRAM FOR RETAILER LOGIN PAGE</a:t>
-            </a:r>
-            <a:endParaRPr lang="en-IN" b="1" dirty="0"/>
-          </a:p>
-        </p:txBody>
-      </p:sp>
-      <p:pic>
-        <p:nvPicPr>
-          <p:cNvPr id="2052" name="Picture 4" descr="https://documents.lucidchart.com/documents/af12140d-aed6-42ae-aab6-db1606dd6482/pages/vnMRjflWsA5V?a=1223&amp;x=-32&amp;y=-23&amp;w=2024&amp;h=946&amp;store=1&amp;accept=image%2F*&amp;auth=LCA%20f9f3e15b101808f02be3a9e7da10fc42faced7da-ts%3D1568451335"/>
-          <p:cNvPicPr>
-            <a:picLocks noChangeAspect="1" noChangeArrowheads="1"/>
-          </p:cNvPicPr>
-          <p:nvPr/>
-        </p:nvPicPr>
-        <p:blipFill>
-          <a:blip r:embed="rId2">
-            <a:extLst>
-              <a:ext uri="{28A0092B-C50C-407E-A947-70E740481C1C}">
-                <a14:useLocalDpi xmlns:a14="http://schemas.microsoft.com/office/drawing/2010/main" val="0"/>
-              </a:ext>
-            </a:extLst>
-          </a:blip>
-          <a:srcRect/>
-          <a:stretch>
-            <a:fillRect/>
-          </a:stretch>
-        </p:blipFill>
-        <p:spPr bwMode="auto">
-          <a:xfrm>
-            <a:off x="166256" y="676894"/>
-            <a:ext cx="11542815" cy="5866410"/>
-          </a:xfrm>
-          <a:prstGeom prst="rect">
-            <a:avLst/>
-          </a:prstGeom>
-          <a:noFill/>
-          <a:extLst>
-            <a:ext uri="{909E8E84-426E-40DD-AFC4-6F175D3DCCD1}">
-              <a14:hiddenFill xmlns:a14="http://schemas.microsoft.com/office/drawing/2010/main">
-                <a:solidFill>
-                  <a:srgbClr val="FFFFFF"/>
-                </a:solidFill>
-              </a14:hiddenFill>
-            </a:ext>
-          </a:extLst>
-        </p:spPr>
-      </p:pic>
-    </p:spTree>
-    <p:extLst>
-      <p:ext uri="{BB962C8B-B14F-4D97-AF65-F5344CB8AC3E}">
-        <p14:creationId xmlns:p14="http://schemas.microsoft.com/office/powerpoint/2010/main" val="214688546"/>
-      </p:ext>
-    </p:extLst>
-  </p:cSld>
-  <p:clrMapOvr>
-    <a:masterClrMapping/>
-  </p:clrMapOvr>
-</p:sld>
-</file>
-
-<file path=ppt/slides/slide21.xml><?xml version="1.0" encoding="utf-8"?>
-<p:sld xmlns:a="http://schemas.openxmlformats.org/drawingml/2006/main" xmlns:r="http://schemas.openxmlformats.org/officeDocument/2006/relationships" xmlns:p="http://schemas.openxmlformats.org/presentationml/2006/main">
-  <p:cSld>
-    <p:spTree>
-      <p:nvGrpSpPr>
-        <p:cNvPr id="1" name=""/>
-        <p:cNvGrpSpPr/>
-        <p:nvPr/>
-      </p:nvGrpSpPr>
-      <p:grpSpPr>
-        <a:xfrm>
-          <a:off x="0" y="0"/>
-          <a:ext cx="0" cy="0"/>
-          <a:chOff x="0" y="0"/>
-          <a:chExt cx="0" cy="0"/>
-        </a:xfrm>
-      </p:grpSpPr>
-      <p:sp>
-        <p:nvSpPr>
-          <p:cNvPr id="2" name="Title 1"/>
-          <p:cNvSpPr>
-            <a:spLocks noGrp="1"/>
-          </p:cNvSpPr>
-          <p:nvPr>
-            <p:ph type="title"/>
-          </p:nvPr>
-        </p:nvSpPr>
-        <p:spPr>
-          <a:xfrm>
-            <a:off x="945078" y="210746"/>
-            <a:ext cx="10515600" cy="679904"/>
-          </a:xfrm>
-        </p:spPr>
-        <p:txBody>
-          <a:bodyPr>
-            <a:noAutofit/>
-          </a:bodyPr>
-          <a:lstStyle/>
-          <a:p>
-            <a:pPr algn="ctr"/>
-            <a:r>
-              <a:rPr lang="en-US" sz="2800" b="1" dirty="0" smtClean="0"/>
-              <a:t>SEQUENCE DIAGRAM FOR ADMIN AND SALES LOGIN PAGE</a:t>
-            </a:r>
-            <a:r>
-              <a:rPr lang="en-IN" sz="2800" b="1" dirty="0" smtClean="0"/>
-              <a:t/>
-            </a:r>
-            <a:br>
-              <a:rPr lang="en-IN" sz="2800" b="1" dirty="0" smtClean="0"/>
-            </a:br>
-            <a:endParaRPr lang="en-IN" sz="2800" b="1" dirty="0"/>
-          </a:p>
-        </p:txBody>
-      </p:sp>
-      <p:pic>
-        <p:nvPicPr>
-          <p:cNvPr id="3074" name="Picture 2" descr="https://documents.lucidchart.com/documents/af12140d-aed6-42ae-aab6-db1606dd6482/pages/vnMRjflWsA5V?a=1261&amp;x=178&amp;y=-19&amp;w=1804&amp;h=853&amp;store=1&amp;accept=image%2F*&amp;auth=LCA%207cca668161fa6f21cf8c31557d899724dbc5f63d-ts%3D1568451335"/>
-          <p:cNvPicPr>
-            <a:picLocks noChangeAspect="1" noChangeArrowheads="1"/>
-          </p:cNvPicPr>
-          <p:nvPr/>
-        </p:nvPicPr>
-        <p:blipFill>
-          <a:blip r:embed="rId2">
-            <a:extLst>
-              <a:ext uri="{28A0092B-C50C-407E-A947-70E740481C1C}">
-                <a14:useLocalDpi xmlns:a14="http://schemas.microsoft.com/office/drawing/2010/main" val="0"/>
-              </a:ext>
-            </a:extLst>
-          </a:blip>
-          <a:srcRect/>
-          <a:stretch>
-            <a:fillRect/>
-          </a:stretch>
-        </p:blipFill>
-        <p:spPr bwMode="auto">
-          <a:xfrm>
-            <a:off x="673615" y="890650"/>
-            <a:ext cx="9741045" cy="4600538"/>
-          </a:xfrm>
-          <a:prstGeom prst="rect">
-            <a:avLst/>
-          </a:prstGeom>
-          <a:noFill/>
-          <a:extLst>
-            <a:ext uri="{909E8E84-426E-40DD-AFC4-6F175D3DCCD1}">
-              <a14:hiddenFill xmlns:a14="http://schemas.microsoft.com/office/drawing/2010/main">
-                <a:solidFill>
-                  <a:srgbClr val="FFFFFF"/>
-                </a:solidFill>
-              </a14:hiddenFill>
-            </a:ext>
-          </a:extLst>
-        </p:spPr>
-      </p:pic>
-    </p:spTree>
-    <p:extLst>
-      <p:ext uri="{BB962C8B-B14F-4D97-AF65-F5344CB8AC3E}">
-        <p14:creationId xmlns:p14="http://schemas.microsoft.com/office/powerpoint/2010/main" val="3895347482"/>
-      </p:ext>
-    </p:extLst>
-  </p:cSld>
-  <p:clrMapOvr>
-    <a:masterClrMapping/>
-  </p:clrMapOvr>
-</p:sld>
-</file>
-
-<file path=ppt/slides/slide22.xml><?xml version="1.0" encoding="utf-8"?>
-<p:sld xmlns:a="http://schemas.openxmlformats.org/drawingml/2006/main" xmlns:r="http://schemas.openxmlformats.org/officeDocument/2006/relationships" xmlns:p="http://schemas.openxmlformats.org/presentationml/2006/main">
-  <p:cSld>
-    <p:spTree>
-      <p:nvGrpSpPr>
-        <p:cNvPr id="1" name=""/>
-        <p:cNvGrpSpPr/>
-        <p:nvPr/>
-      </p:nvGrpSpPr>
-      <p:grpSpPr>
-        <a:xfrm>
-          <a:off x="0" y="0"/>
-          <a:ext cx="0" cy="0"/>
-          <a:chOff x="0" y="0"/>
-          <a:chExt cx="0" cy="0"/>
-        </a:xfrm>
-      </p:grpSpPr>
-      <p:sp>
-        <p:nvSpPr>
-          <p:cNvPr id="2" name="Title 1">
-            <a:extLst>
-              <a:ext uri="{FF2B5EF4-FFF2-40B4-BE49-F238E27FC236}">
-                <a16:creationId xmlns:a16="http://schemas.microsoft.com/office/drawing/2014/main" xmlns="" id="{D984F544-ABC0-46FA-9066-2F1450800B32}"/>
-              </a:ext>
-            </a:extLst>
-          </p:cNvPr>
-          <p:cNvSpPr>
-            <a:spLocks noGrp="1"/>
-          </p:cNvSpPr>
-          <p:nvPr>
-            <p:ph type="title"/>
-          </p:nvPr>
-        </p:nvSpPr>
-        <p:spPr>
-          <a:xfrm>
-            <a:off x="831850" y="279401"/>
-            <a:ext cx="10515600" cy="800099"/>
-          </a:xfrm>
-        </p:spPr>
-        <p:txBody>
-          <a:bodyPr>
-            <a:normAutofit/>
-          </a:bodyPr>
-          <a:lstStyle/>
-          <a:p>
-            <a:pPr algn="ctr"/>
-            <a:r>
-              <a:rPr lang="en-US" sz="2800" b="1" dirty="0"/>
-              <a:t>SEQUENCE DIAGRAM </a:t>
-            </a:r>
-            <a:r>
-              <a:rPr lang="en-US" sz="2800" b="1" dirty="0" smtClean="0"/>
-              <a:t>FOR VIEWING SALES REPORTS</a:t>
-            </a:r>
-            <a:endParaRPr lang="en-US" sz="2800" dirty="0"/>
-          </a:p>
-        </p:txBody>
-      </p:sp>
-      <p:pic>
-        <p:nvPicPr>
-          <p:cNvPr id="1026" name="Picture 2" descr="https://documents.lucidchart.com/documents/af12140d-aed6-42ae-aab6-db1606dd6482/pages/PeNRF1ucIAOW?a=1567&amp;x=-2&amp;y=119&amp;w=924&amp;h=462&amp;store=1&amp;accept=image%2F*&amp;auth=LCA%20b518806a4e83b27de074720aed5676912e18ca33-ts%3D1568451335"/>
-          <p:cNvPicPr>
-            <a:picLocks noChangeAspect="1" noChangeArrowheads="1"/>
-          </p:cNvPicPr>
-          <p:nvPr/>
-        </p:nvPicPr>
-        <p:blipFill>
-          <a:blip r:embed="rId2">
-            <a:extLst>
-              <a:ext uri="{28A0092B-C50C-407E-A947-70E740481C1C}">
-                <a14:useLocalDpi xmlns:a14="http://schemas.microsoft.com/office/drawing/2010/main" val="0"/>
-              </a:ext>
-            </a:extLst>
-          </a:blip>
-          <a:srcRect/>
-          <a:stretch>
-            <a:fillRect/>
-          </a:stretch>
-        </p:blipFill>
-        <p:spPr bwMode="auto">
-          <a:xfrm>
-            <a:off x="584201" y="1514036"/>
-            <a:ext cx="10045700" cy="4838699"/>
-          </a:xfrm>
-          <a:prstGeom prst="rect">
-            <a:avLst/>
-          </a:prstGeom>
-          <a:noFill/>
-          <a:extLst>
-            <a:ext uri="{909E8E84-426E-40DD-AFC4-6F175D3DCCD1}">
-              <a14:hiddenFill xmlns:a14="http://schemas.microsoft.com/office/drawing/2010/main">
-                <a:solidFill>
-                  <a:srgbClr val="FFFFFF"/>
-                </a:solidFill>
-              </a14:hiddenFill>
-            </a:ext>
-          </a:extLst>
-        </p:spPr>
-      </p:pic>
-    </p:spTree>
-    <p:extLst>
-      <p:ext uri="{BB962C8B-B14F-4D97-AF65-F5344CB8AC3E}">
-        <p14:creationId xmlns:p14="http://schemas.microsoft.com/office/powerpoint/2010/main" val="4287562798"/>
       </p:ext>
     </p:extLst>
   </p:cSld>
@@ -5187,58 +5605,46 @@
       </p:grpSpPr>
       <p:sp>
         <p:nvSpPr>
-          <p:cNvPr id="5" name="Title 1">
-            <a:extLst>
-              <a:ext uri="{FF2B5EF4-FFF2-40B4-BE49-F238E27FC236}">
-                <a16:creationId xmlns:a16="http://schemas.microsoft.com/office/drawing/2014/main" xmlns="" id="{D984F544-ABC0-46FA-9066-2F1450800B32}"/>
-              </a:ext>
-            </a:extLst>
-          </p:cNvPr>
+          <p:cNvPr id="3" name="Content Placeholder 2"/>
           <p:cNvSpPr>
             <a:spLocks noGrp="1"/>
           </p:cNvSpPr>
           <p:nvPr>
-            <p:ph type="title"/>
+            <p:ph idx="1"/>
           </p:nvPr>
         </p:nvSpPr>
         <p:spPr>
           <a:xfrm>
-            <a:off x="803715" y="166860"/>
-            <a:ext cx="10515600" cy="800099"/>
+            <a:off x="838200" y="83127"/>
+            <a:ext cx="10515600" cy="712520"/>
           </a:xfrm>
         </p:spPr>
         <p:txBody>
           <a:bodyPr>
-            <a:normAutofit/>
+            <a:noAutofit/>
           </a:bodyPr>
           <a:lstStyle/>
           <a:p>
-            <a:pPr algn="ctr"/>
-            <a:r>
-              <a:rPr lang="en-US" sz="2800" b="1" dirty="0"/>
-              <a:t>SEQUENCE DIAGRAM </a:t>
-            </a:r>
-            <a:r>
-              <a:rPr lang="en-US" sz="2800" b="1" dirty="0" smtClean="0"/>
-              <a:t>FOR VIEWING </a:t>
-            </a:r>
-            <a:r>
-              <a:rPr lang="en-US" sz="2800" b="1" dirty="0" smtClean="0"/>
-              <a:t>REPORT</a:t>
-            </a:r>
-            <a:endParaRPr lang="en-US" sz="2800" dirty="0"/>
+            <a:pPr marL="0" indent="0" algn="ctr">
+              <a:buNone/>
+            </a:pPr>
+            <a:r>
+              <a:rPr lang="en-US" sz="4000" b="1" dirty="0" smtClean="0">
+                <a:latin typeface="Times New Roman" pitchFamily="18" charset="0"/>
+                <a:cs typeface="Times New Roman" pitchFamily="18" charset="0"/>
+              </a:rPr>
+              <a:t>Sequence Diagram for Retailer Login Page</a:t>
+            </a:r>
+            <a:endParaRPr lang="en-IN" sz="4000" b="1" dirty="0">
+              <a:latin typeface="Times New Roman" pitchFamily="18" charset="0"/>
+              <a:cs typeface="Times New Roman" pitchFamily="18" charset="0"/>
+            </a:endParaRPr>
           </a:p>
         </p:txBody>
       </p:sp>
       <p:pic>
         <p:nvPicPr>
-          <p:cNvPr id="6" name="Picture 6" descr="https://documents.lucidchart.com/documents/65da10b7-b66b-4391-81f4-fc144cbd6aae/pages/0_0?a=459&amp;x=2&amp;y=174&amp;w=1349&amp;h=620&amp;store=1&amp;accept=image%2F*&amp;auth=LCA%20567de6a5f231b2fbeb4f96716b9906ae694d0a70-ts%3D1568460318">
-            <a:extLst>
-              <a:ext uri="{FF2B5EF4-FFF2-40B4-BE49-F238E27FC236}">
-                <a16:creationId xmlns:a16="http://schemas.microsoft.com/office/drawing/2014/main" xmlns="" id="{2E364917-38DF-4B88-944B-02A8036CD45F}"/>
-              </a:ext>
-            </a:extLst>
-          </p:cNvPr>
+          <p:cNvPr id="2052" name="Picture 4" descr="https://documents.lucidchart.com/documents/af12140d-aed6-42ae-aab6-db1606dd6482/pages/vnMRjflWsA5V?a=1223&amp;x=-32&amp;y=-23&amp;w=2024&amp;h=946&amp;store=1&amp;accept=image%2F*&amp;auth=LCA%20f9f3e15b101808f02be3a9e7da10fc42faced7da-ts%3D1568451335"/>
           <p:cNvPicPr>
             <a:picLocks noChangeAspect="1" noChangeArrowheads="1"/>
           </p:cNvPicPr>
@@ -5259,8 +5665,8 @@
         </p:blipFill>
         <p:spPr bwMode="auto">
           <a:xfrm>
-            <a:off x="1108516" y="1193996"/>
-            <a:ext cx="9905998" cy="5074920"/>
+            <a:off x="166256" y="676894"/>
+            <a:ext cx="11542815" cy="5866410"/>
           </a:xfrm>
           <a:prstGeom prst="rect">
             <a:avLst/>
@@ -5277,16 +5683,47 @@
           </a:extLst>
         </p:spPr>
       </p:pic>
+      <p:pic>
+        <p:nvPicPr>
+          <p:cNvPr id="4" name="Picture 3"/>
+          <p:cNvPicPr>
+            <a:picLocks noChangeAspect="1"/>
+          </p:cNvPicPr>
+          <p:nvPr/>
+        </p:nvPicPr>
+        <p:blipFill>
+          <a:blip r:embed="rId3"/>
+          <a:stretch>
+            <a:fillRect/>
+          </a:stretch>
+        </p:blipFill>
+        <p:spPr>
+          <a:xfrm>
+            <a:off x="387927" y="725191"/>
+            <a:ext cx="11559233" cy="5975412"/>
+          </a:xfrm>
+          <a:prstGeom prst="rect">
+            <a:avLst/>
+          </a:prstGeom>
+        </p:spPr>
+      </p:pic>
     </p:spTree>
     <p:extLst>
       <p:ext uri="{BB962C8B-B14F-4D97-AF65-F5344CB8AC3E}">
-        <p14:creationId xmlns:p14="http://schemas.microsoft.com/office/powerpoint/2010/main" val="3343234976"/>
+        <p14:creationId xmlns:p14="http://schemas.microsoft.com/office/powerpoint/2010/main" val="214688546"/>
       </p:ext>
     </p:extLst>
   </p:cSld>
   <p:clrMapOvr>
     <a:masterClrMapping/>
   </p:clrMapOvr>
+  <p:timing>
+    <p:tnLst>
+      <p:par>
+        <p:cTn id="1" dur="indefinite" restart="never" nodeType="tmRoot"/>
+      </p:par>
+    </p:tnLst>
+  </p:timing>
 </p:sld>
 </file>
 
@@ -5309,13 +5746,7 @@
       </p:grpSpPr>
       <p:sp>
         <p:nvSpPr>
-          <p:cNvPr id="5" name="Title 1">
-            <a:extLst>
-              <a:ext uri="{FF2B5EF4-FFF2-40B4-BE49-F238E27FC236}">
-                <a16:creationId xmlns:a16="http://schemas.microsoft.com/office/drawing/2014/main" xmlns="" id="{D984F544-ABC0-46FA-9066-2F1450800B32}"/>
-              </a:ext>
-            </a:extLst>
-          </p:cNvPr>
+          <p:cNvPr id="2" name="Title 1"/>
           <p:cNvSpPr>
             <a:spLocks noGrp="1"/>
           </p:cNvSpPr>
@@ -5325,42 +5756,34 @@
         </p:nvSpPr>
         <p:spPr>
           <a:xfrm>
-            <a:off x="803715" y="166860"/>
-            <a:ext cx="10515600" cy="800099"/>
+            <a:off x="945078" y="310499"/>
+            <a:ext cx="10515600" cy="679904"/>
           </a:xfrm>
         </p:spPr>
         <p:txBody>
           <a:bodyPr>
-            <a:normAutofit/>
+            <a:noAutofit/>
           </a:bodyPr>
           <a:lstStyle/>
           <a:p>
             <a:pPr algn="ctr"/>
             <a:r>
-              <a:rPr lang="en-US" sz="2800" b="1" dirty="0"/>
-              <a:t>SEQUENCE DIAGRAM </a:t>
-            </a:r>
-            <a:r>
-              <a:rPr lang="en-US" sz="2800" b="1" dirty="0" smtClean="0"/>
-              <a:t>FOR </a:t>
-            </a:r>
-            <a:r>
-              <a:rPr lang="en-US" sz="2800" b="1" dirty="0" smtClean="0"/>
-              <a:t>UPDATING BONUS</a:t>
-            </a:r>
-            <a:endParaRPr lang="en-US" sz="2800" dirty="0"/>
+              <a:rPr lang="en-IN" sz="4000" b="1" dirty="0" smtClean="0">
+                <a:latin typeface="Times New Roman" pitchFamily="18" charset="0"/>
+                <a:cs typeface="Times New Roman" pitchFamily="18" charset="0"/>
+              </a:rPr>
+              <a:t>Sequence diagram for Admin and Sales Person Login Page</a:t>
+            </a:r>
+            <a:endParaRPr lang="en-IN" sz="4000" b="1" dirty="0">
+              <a:latin typeface="Times New Roman" pitchFamily="18" charset="0"/>
+              <a:cs typeface="Times New Roman" pitchFamily="18" charset="0"/>
+            </a:endParaRPr>
           </a:p>
         </p:txBody>
       </p:sp>
       <p:pic>
         <p:nvPicPr>
-          <p:cNvPr id="7" name="Picture 2" descr="https://documents.lucidchart.com/documents/d3d761a4-85f7-4c0a-a1dd-fa8194f4e105/pages/0_0?a=505&amp;x=-14&amp;y=172&amp;w=1719&amp;h=664&amp;store=1&amp;accept=image%2F*&amp;auth=LCA%20823e9627f28d7b38d3965b2f193c6b0225d81ae3-ts%3D1568462253">
-            <a:extLst>
-              <a:ext uri="{FF2B5EF4-FFF2-40B4-BE49-F238E27FC236}">
-                <a16:creationId xmlns:a16="http://schemas.microsoft.com/office/drawing/2014/main" xmlns="" id="{D703CB23-14D7-49B9-BAF6-55FAD2CA3D18}"/>
-              </a:ext>
-            </a:extLst>
-          </p:cNvPr>
+          <p:cNvPr id="4" name="Picture 2" descr="https://documents.lucidchart.com/documents/af12140d-aed6-42ae-aab6-db1606dd6482/pages/vnMRjflWsA5V?a=2272&amp;x=-9&amp;y=-15&amp;w=1958&amp;h=770&amp;store=1&amp;accept=image%2F*&amp;auth=LCA%20f5cf8e76919165fc247058ebf144b630f5ab9067-ts%3D1569930738"/>
           <p:cNvPicPr>
             <a:picLocks noChangeAspect="1" noChangeArrowheads="1"/>
           </p:cNvPicPr>
@@ -5381,8 +5804,8 @@
         </p:blipFill>
         <p:spPr bwMode="auto">
           <a:xfrm>
-            <a:off x="1108516" y="1331155"/>
-            <a:ext cx="9905998" cy="4892040"/>
+            <a:off x="-407324" y="1495593"/>
+            <a:ext cx="12251042" cy="4916774"/>
           </a:xfrm>
           <a:prstGeom prst="rect">
             <a:avLst/>
@@ -5402,13 +5825,20 @@
     </p:spTree>
     <p:extLst>
       <p:ext uri="{BB962C8B-B14F-4D97-AF65-F5344CB8AC3E}">
-        <p14:creationId xmlns:p14="http://schemas.microsoft.com/office/powerpoint/2010/main" val="2080601978"/>
+        <p14:creationId xmlns:p14="http://schemas.microsoft.com/office/powerpoint/2010/main" val="3895347482"/>
       </p:ext>
     </p:extLst>
   </p:cSld>
   <p:clrMapOvr>
     <a:masterClrMapping/>
   </p:clrMapOvr>
+  <p:timing>
+    <p:tnLst>
+      <p:par>
+        <p:cTn id="1" dur="indefinite" restart="never" nodeType="tmRoot"/>
+      </p:par>
+    </p:tnLst>
+  </p:timing>
 </p:sld>
 </file>
 
@@ -5429,96 +5859,96 @@
           <a:chExt cx="0" cy="0"/>
         </a:xfrm>
       </p:grpSpPr>
-      <p:sp>
-        <p:nvSpPr>
-          <p:cNvPr id="4" name="Title 1">
+      <p:pic>
+        <p:nvPicPr>
+          <p:cNvPr id="2" name="Content Placeholder 3">
             <a:extLst>
               <a:ext uri="{FF2B5EF4-FFF2-40B4-BE49-F238E27FC236}">
-                <a16:creationId xmlns:a16="http://schemas.microsoft.com/office/drawing/2014/main" xmlns="" id="{D984F544-ABC0-46FA-9066-2F1450800B32}"/>
+                <a16:creationId xmlns:a16="http://schemas.microsoft.com/office/drawing/2014/main" xmlns="" id="{1367CB63-0CAD-4F17-8E6E-DF6CDEF3FD00}"/>
               </a:ext>
             </a:extLst>
           </p:cNvPr>
-          <p:cNvSpPr>
-            <a:spLocks noGrp="1"/>
-          </p:cNvSpPr>
-          <p:nvPr>
-            <p:ph type="title"/>
-          </p:nvPr>
-        </p:nvSpPr>
-        <p:spPr>
-          <a:xfrm>
-            <a:off x="803715" y="166860"/>
-            <a:ext cx="10515600" cy="800099"/>
-          </a:xfrm>
-        </p:spPr>
-        <p:txBody>
-          <a:bodyPr>
-            <a:normAutofit/>
-          </a:bodyPr>
-          <a:lstStyle/>
-          <a:p>
-            <a:pPr algn="ctr"/>
-            <a:r>
-              <a:rPr lang="en-US" sz="2800" b="1" dirty="0"/>
-              <a:t>SEQUENCE DIAGRAM </a:t>
-            </a:r>
-            <a:r>
-              <a:rPr lang="en-US" sz="2800" b="1" dirty="0" smtClean="0"/>
-              <a:t>FOR </a:t>
-            </a:r>
-            <a:r>
-              <a:rPr lang="en-US" sz="2800" b="1" dirty="0" smtClean="0"/>
-              <a:t>UPLOADING OFFLINE ORDER</a:t>
-            </a:r>
-            <a:endParaRPr lang="en-US" sz="2800" dirty="0"/>
-          </a:p>
-        </p:txBody>
-      </p:sp>
-      <p:pic>
-        <p:nvPicPr>
-          <p:cNvPr id="5" name="Picture 2" descr="https://documents.lucidchart.com/documents/9aa737a2-ba6c-4688-8409-480296e077cd/pages/bi8RNTNB-FkM?a=3891&amp;x=-75&amp;y=-52&amp;w=1608&amp;h=1144&amp;store=1&amp;accept=image%2F*&amp;auth=LCA%201b44a5af67e1cf14019efdeaaf88ec293485bdcd-ts%3D1568534452"/>
           <p:cNvPicPr>
-            <a:picLocks noChangeAspect="1" noChangeArrowheads="1"/>
+            <a:picLocks noChangeAspect="1"/>
           </p:cNvPicPr>
           <p:nvPr/>
         </p:nvPicPr>
-        <p:blipFill>
-          <a:blip r:embed="rId2">
+        <p:blipFill rotWithShape="1">
+          <a:blip r:embed="rId2" cstate="print">
             <a:extLst>
               <a:ext uri="{28A0092B-C50C-407E-A947-70E740481C1C}">
                 <a14:useLocalDpi xmlns:a14="http://schemas.microsoft.com/office/drawing/2010/main" val="0"/>
               </a:ext>
             </a:extLst>
           </a:blip>
-          <a:srcRect/>
-          <a:stretch>
-            <a:fillRect/>
-          </a:stretch>
+          <a:srcRect t="11880" r="10407" b="31220"/>
+          <a:stretch/>
         </p:blipFill>
-        <p:spPr bwMode="auto">
-          <a:xfrm>
-            <a:off x="2222695" y="938359"/>
-            <a:ext cx="8320615" cy="5919642"/>
+        <p:spPr>
+          <a:xfrm>
+            <a:off x="309463" y="1463040"/>
+            <a:ext cx="11718414" cy="5394960"/>
+          </a:xfrm>
+          <a:prstGeom prst="rect">
+            <a:avLst/>
+          </a:prstGeom>
+        </p:spPr>
+      </p:pic>
+      <p:sp>
+        <p:nvSpPr>
+          <p:cNvPr id="3" name="TextBox 2"/>
+          <p:cNvSpPr txBox="1"/>
+          <p:nvPr/>
+        </p:nvSpPr>
+        <p:spPr>
+          <a:xfrm>
+            <a:off x="1246553" y="163697"/>
+            <a:ext cx="9844233" cy="707886"/>
           </a:xfrm>
           <a:prstGeom prst="rect">
             <a:avLst/>
           </a:prstGeom>
           <a:noFill/>
-          <a:extLst>
-            <a:ext uri="{909E8E84-426E-40DD-AFC4-6F175D3DCCD1}">
-              <a14:hiddenFill xmlns:a14="http://schemas.microsoft.com/office/drawing/2010/main">
-                <a:solidFill>
-                  <a:srgbClr val="FFFFFF"/>
-                </a:solidFill>
-              </a14:hiddenFill>
-            </a:ext>
-          </a:extLst>
-        </p:spPr>
-      </p:pic>
+        </p:spPr>
+        <p:txBody>
+          <a:bodyPr wrap="square" rtlCol="0">
+            <a:spAutoFit/>
+          </a:bodyPr>
+          <a:lstStyle/>
+          <a:p>
+            <a:pPr algn="ctr"/>
+            <a:r>
+              <a:rPr lang="en-US" sz="4000" b="1" dirty="0" smtClean="0">
+                <a:latin typeface="Times New Roman" panose="02020603050405020304" pitchFamily="18" charset="0"/>
+                <a:cs typeface="Times New Roman" panose="02020603050405020304" pitchFamily="18" charset="0"/>
+              </a:rPr>
+              <a:t>Sequence Diagram </a:t>
+            </a:r>
+            <a:r>
+              <a:rPr lang="en-US" sz="4000" b="1" dirty="0">
+                <a:latin typeface="Times New Roman" panose="02020603050405020304" pitchFamily="18" charset="0"/>
+                <a:cs typeface="Times New Roman" panose="02020603050405020304" pitchFamily="18" charset="0"/>
+              </a:rPr>
+              <a:t>for </a:t>
+            </a:r>
+            <a:r>
+              <a:rPr lang="en-US" sz="4000" b="1" dirty="0" smtClean="0">
+                <a:latin typeface="Times New Roman" panose="02020603050405020304" pitchFamily="18" charset="0"/>
+                <a:cs typeface="Times New Roman" panose="02020603050405020304" pitchFamily="18" charset="0"/>
+              </a:rPr>
+              <a:t>Retailer Report</a:t>
+            </a:r>
+            <a:endParaRPr lang="en-IN" sz="4000" b="1" dirty="0">
+              <a:latin typeface="Times New Roman" panose="02020603050405020304" pitchFamily="18" charset="0"/>
+              <a:cs typeface="Times New Roman" panose="02020603050405020304" pitchFamily="18" charset="0"/>
+            </a:endParaRPr>
+          </a:p>
+        </p:txBody>
+      </p:sp>
     </p:spTree>
     <p:extLst>
       <p:ext uri="{BB962C8B-B14F-4D97-AF65-F5344CB8AC3E}">
-        <p14:creationId xmlns:p14="http://schemas.microsoft.com/office/powerpoint/2010/main" val="4289072667"/>
+        <p14:creationId xmlns:p14="http://schemas.microsoft.com/office/powerpoint/2010/main" val="3642514936"/>
       </p:ext>
     </p:extLst>
   </p:cSld>
@@ -5545,96 +5975,96 @@
           <a:chExt cx="0" cy="0"/>
         </a:xfrm>
       </p:grpSpPr>
-      <p:sp>
-        <p:nvSpPr>
-          <p:cNvPr id="4" name="Title 1">
+      <p:pic>
+        <p:nvPicPr>
+          <p:cNvPr id="2" name="Content Placeholder 3">
             <a:extLst>
               <a:ext uri="{FF2B5EF4-FFF2-40B4-BE49-F238E27FC236}">
-                <a16:creationId xmlns:a16="http://schemas.microsoft.com/office/drawing/2014/main" xmlns="" id="{D984F544-ABC0-46FA-9066-2F1450800B32}"/>
+                <a16:creationId xmlns:a16="http://schemas.microsoft.com/office/drawing/2014/main" xmlns="" id="{DA494173-6509-45C9-ACCB-6DAD67274DEC}"/>
               </a:ext>
             </a:extLst>
           </p:cNvPr>
-          <p:cNvSpPr>
-            <a:spLocks noGrp="1"/>
-          </p:cNvSpPr>
-          <p:nvPr>
-            <p:ph type="title"/>
-          </p:nvPr>
-        </p:nvSpPr>
-        <p:spPr>
-          <a:xfrm>
-            <a:off x="803715" y="166860"/>
-            <a:ext cx="10515600" cy="800099"/>
-          </a:xfrm>
-        </p:spPr>
-        <p:txBody>
-          <a:bodyPr>
-            <a:normAutofit/>
-          </a:bodyPr>
-          <a:lstStyle/>
-          <a:p>
-            <a:pPr algn="ctr"/>
-            <a:r>
-              <a:rPr lang="en-US" sz="2800" b="1" dirty="0"/>
-              <a:t>SEQUENCE DIAGRAM </a:t>
-            </a:r>
-            <a:r>
-              <a:rPr lang="en-US" sz="2800" b="1" dirty="0" smtClean="0"/>
-              <a:t>FOR </a:t>
-            </a:r>
-            <a:r>
-              <a:rPr lang="en-US" sz="2800" b="1" dirty="0" smtClean="0"/>
-              <a:t>UPLOADING RETURN ORDERS</a:t>
-            </a:r>
-            <a:endParaRPr lang="en-US" sz="2800" dirty="0"/>
-          </a:p>
-        </p:txBody>
-      </p:sp>
-      <p:pic>
-        <p:nvPicPr>
-          <p:cNvPr id="5" name="Picture 2" descr="https://documents.lucidchart.com/documents/9aa737a2-ba6c-4688-8409-480296e077cd/pages/rgMRzRkNwl4v?a=3095&amp;x=-36&amp;y=-19&amp;w=1185&amp;h=817&amp;store=1&amp;accept=image%2F*&amp;auth=LCA%20fc3a5f4d2a0152a92479603e9a6d74fececc1c60-ts%3D1568534452"/>
           <p:cNvPicPr>
-            <a:picLocks noChangeAspect="1" noChangeArrowheads="1"/>
+            <a:picLocks noChangeAspect="1"/>
           </p:cNvPicPr>
           <p:nvPr/>
         </p:nvPicPr>
-        <p:blipFill>
-          <a:blip r:embed="rId2">
+        <p:blipFill rotWithShape="1">
+          <a:blip r:embed="rId2" cstate="print">
             <a:extLst>
               <a:ext uri="{28A0092B-C50C-407E-A947-70E740481C1C}">
                 <a14:useLocalDpi xmlns:a14="http://schemas.microsoft.com/office/drawing/2010/main" val="0"/>
               </a:ext>
             </a:extLst>
           </a:blip>
-          <a:srcRect/>
-          <a:stretch>
-            <a:fillRect/>
-          </a:stretch>
+          <a:srcRect t="14507"/>
+          <a:stretch/>
         </p:blipFill>
-        <p:spPr bwMode="auto">
-          <a:xfrm>
-            <a:off x="2377441" y="966959"/>
-            <a:ext cx="8052048" cy="5552200"/>
+        <p:spPr>
+          <a:xfrm>
+            <a:off x="1066789" y="1392702"/>
+            <a:ext cx="9861474" cy="4960248"/>
+          </a:xfrm>
+          <a:prstGeom prst="rect">
+            <a:avLst/>
+          </a:prstGeom>
+        </p:spPr>
+      </p:pic>
+      <p:sp>
+        <p:nvSpPr>
+          <p:cNvPr id="3" name="TextBox 2"/>
+          <p:cNvSpPr txBox="1"/>
+          <p:nvPr/>
+        </p:nvSpPr>
+        <p:spPr>
+          <a:xfrm>
+            <a:off x="1066789" y="227636"/>
+            <a:ext cx="9844233" cy="707886"/>
           </a:xfrm>
           <a:prstGeom prst="rect">
             <a:avLst/>
           </a:prstGeom>
           <a:noFill/>
-          <a:extLst>
-            <a:ext uri="{909E8E84-426E-40DD-AFC4-6F175D3DCCD1}">
-              <a14:hiddenFill xmlns:a14="http://schemas.microsoft.com/office/drawing/2010/main">
-                <a:solidFill>
-                  <a:srgbClr val="FFFFFF"/>
-                </a:solidFill>
-              </a14:hiddenFill>
-            </a:ext>
-          </a:extLst>
-        </p:spPr>
-      </p:pic>
+        </p:spPr>
+        <p:txBody>
+          <a:bodyPr wrap="square" rtlCol="0">
+            <a:spAutoFit/>
+          </a:bodyPr>
+          <a:lstStyle/>
+          <a:p>
+            <a:pPr algn="ctr"/>
+            <a:r>
+              <a:rPr lang="en-US" sz="4000" b="1" dirty="0" smtClean="0">
+                <a:latin typeface="Times New Roman" panose="02020603050405020304" pitchFamily="18" charset="0"/>
+                <a:cs typeface="Times New Roman" panose="02020603050405020304" pitchFamily="18" charset="0"/>
+              </a:rPr>
+              <a:t>Sequence </a:t>
+            </a:r>
+            <a:r>
+              <a:rPr lang="en-US" sz="4000" b="1" dirty="0">
+                <a:latin typeface="Times New Roman" panose="02020603050405020304" pitchFamily="18" charset="0"/>
+                <a:cs typeface="Times New Roman" panose="02020603050405020304" pitchFamily="18" charset="0"/>
+              </a:rPr>
+              <a:t>Diagram for </a:t>
+            </a:r>
+            <a:r>
+              <a:rPr lang="en-US" sz="4000" b="1" dirty="0" smtClean="0">
+                <a:latin typeface="Times New Roman" panose="02020603050405020304" pitchFamily="18" charset="0"/>
+                <a:cs typeface="Times New Roman" panose="02020603050405020304" pitchFamily="18" charset="0"/>
+              </a:rPr>
+              <a:t>Update Bonus</a:t>
+            </a:r>
+            <a:endParaRPr lang="en-IN" sz="4000" b="1" dirty="0">
+              <a:latin typeface="Times New Roman" panose="02020603050405020304" pitchFamily="18" charset="0"/>
+              <a:cs typeface="Times New Roman" panose="02020603050405020304" pitchFamily="18" charset="0"/>
+            </a:endParaRPr>
+          </a:p>
+        </p:txBody>
+      </p:sp>
     </p:spTree>
     <p:extLst>
       <p:ext uri="{BB962C8B-B14F-4D97-AF65-F5344CB8AC3E}">
-        <p14:creationId xmlns:p14="http://schemas.microsoft.com/office/powerpoint/2010/main" val="2922541135"/>
+        <p14:creationId xmlns:p14="http://schemas.microsoft.com/office/powerpoint/2010/main" val="3219087898"/>
       </p:ext>
     </p:extLst>
   </p:cSld>
@@ -5663,69 +6093,47 @@
       </p:grpSpPr>
       <p:sp>
         <p:nvSpPr>
-          <p:cNvPr id="4" name="Title 1">
-            <a:extLst>
-              <a:ext uri="{FF2B5EF4-FFF2-40B4-BE49-F238E27FC236}">
-                <a16:creationId xmlns:a16="http://schemas.microsoft.com/office/drawing/2014/main" xmlns="" id="{D984F544-ABC0-46FA-9066-2F1450800B32}"/>
-              </a:ext>
-            </a:extLst>
-          </p:cNvPr>
-          <p:cNvSpPr>
-            <a:spLocks noGrp="1"/>
-          </p:cNvSpPr>
-          <p:nvPr>
-            <p:ph type="title"/>
-          </p:nvPr>
+          <p:cNvPr id="5" name="Rectangle 4"/>
+          <p:cNvSpPr/>
+          <p:nvPr/>
         </p:nvSpPr>
         <p:spPr>
           <a:xfrm>
-            <a:off x="803715" y="166860"/>
-            <a:ext cx="10515600" cy="800099"/>
-          </a:xfrm>
-        </p:spPr>
-        <p:txBody>
-          <a:bodyPr>
-            <a:normAutofit/>
+            <a:off x="1326467" y="405038"/>
+            <a:ext cx="9596217" cy="707886"/>
+          </a:xfrm>
+          <a:prstGeom prst="rect">
+            <a:avLst/>
+          </a:prstGeom>
+        </p:spPr>
+        <p:txBody>
+          <a:bodyPr wrap="none">
+            <a:spAutoFit/>
           </a:bodyPr>
           <a:lstStyle/>
           <a:p>
             <a:pPr algn="ctr"/>
             <a:r>
-              <a:rPr lang="en-US" sz="2800" b="1" dirty="0"/>
-              <a:t>SEQUENCE DIAGRAM </a:t>
-            </a:r>
-            <a:r>
-              <a:rPr lang="en-US" sz="2800" b="1" dirty="0" smtClean="0"/>
-              <a:t>FOR </a:t>
-            </a:r>
-            <a:r>
-              <a:rPr lang="en-US" sz="2800" b="1" dirty="0" smtClean="0"/>
-              <a:t>ORDER INITIALIZATION </a:t>
-            </a:r>
-            <a:endParaRPr lang="en-US" sz="2800" dirty="0"/>
+              <a:rPr lang="en-US" sz="4000" b="1" dirty="0">
+                <a:latin typeface="Times New Roman" panose="02020603050405020304" pitchFamily="18" charset="0"/>
+                <a:cs typeface="Times New Roman" panose="02020603050405020304" pitchFamily="18" charset="0"/>
+              </a:rPr>
+              <a:t>Sequence Diagram for Sales Person Details</a:t>
+            </a:r>
+            <a:endParaRPr lang="en-US" sz="4000" b="1" dirty="0"/>
           </a:p>
         </p:txBody>
       </p:sp>
       <p:pic>
         <p:nvPicPr>
-          <p:cNvPr id="5" name="Picture 4">
-            <a:extLst>
-              <a:ext uri="{FF2B5EF4-FFF2-40B4-BE49-F238E27FC236}">
-                <a16:creationId xmlns="" xmlns:a16="http://schemas.microsoft.com/office/drawing/2014/main" id="{3136089E-6881-421F-9355-AC00CD41FEEB}"/>
-              </a:ext>
-            </a:extLst>
-          </p:cNvPr>
-          <p:cNvPicPr/>
+          <p:cNvPr id="5130" name="Picture 10" descr="https://documents.lucidchart.com/documents/54cc50d9-20e3-4853-8f1d-888a3d1998b5/pages/0_0?a=1067&amp;x=2&amp;y=6&amp;w=1349&amp;h=1215&amp;store=1&amp;accept=image%2F*&amp;auth=LCA%209ebd9eb1b40cd41ba1d23cdc65aea14bc9c32075-ts%3D1568550849"/>
+          <p:cNvPicPr>
+            <a:picLocks noChangeAspect="1" noChangeArrowheads="1"/>
+          </p:cNvPicPr>
           <p:nvPr/>
         </p:nvPicPr>
         <p:blipFill>
-          <a:blip r:embed="rId2" cstate="print">
-            <a:extLst>
-              <a:ext uri="{28A0092B-C50C-407E-A947-70E740481C1C}">
-                <a14:useLocalDpi xmlns:a14="http://schemas.microsoft.com/office/drawing/2010/main" val="0"/>
-              </a:ext>
-            </a:extLst>
-          </a:blip>
+          <a:blip r:embed="rId2"/>
           <a:srcRect/>
           <a:stretch>
             <a:fillRect/>
@@ -5733,22 +6141,19 @@
         </p:blipFill>
         <p:spPr bwMode="auto">
           <a:xfrm>
-            <a:off x="1983346" y="1468192"/>
-            <a:ext cx="7972023" cy="5007460"/>
+            <a:off x="2344188" y="1272008"/>
+            <a:ext cx="6957753" cy="5284788"/>
           </a:xfrm>
           <a:prstGeom prst="rect">
             <a:avLst/>
           </a:prstGeom>
           <a:noFill/>
-          <a:ln>
-            <a:noFill/>
-          </a:ln>
         </p:spPr>
       </p:pic>
     </p:spTree>
     <p:extLst>
       <p:ext uri="{BB962C8B-B14F-4D97-AF65-F5344CB8AC3E}">
-        <p14:creationId xmlns:p14="http://schemas.microsoft.com/office/powerpoint/2010/main" val="3973182491"/>
+        <p14:creationId xmlns:p14="http://schemas.microsoft.com/office/powerpoint/2010/main" val="17617215"/>
       </p:ext>
     </p:extLst>
   </p:cSld>
@@ -5777,71 +6182,68 @@
       </p:grpSpPr>
       <p:sp>
         <p:nvSpPr>
-          <p:cNvPr id="6" name="Title 1">
-            <a:extLst>
-              <a:ext uri="{FF2B5EF4-FFF2-40B4-BE49-F238E27FC236}">
-                <a16:creationId xmlns:a16="http://schemas.microsoft.com/office/drawing/2014/main" xmlns="" id="{D984F544-ABC0-46FA-9066-2F1450800B32}"/>
-              </a:ext>
-            </a:extLst>
-          </p:cNvPr>
-          <p:cNvSpPr>
-            <a:spLocks noGrp="1"/>
-          </p:cNvSpPr>
-          <p:nvPr>
-            <p:ph type="title"/>
-          </p:nvPr>
+          <p:cNvPr id="5" name="Rectangle 4"/>
+          <p:cNvSpPr/>
+          <p:nvPr/>
         </p:nvSpPr>
         <p:spPr>
           <a:xfrm>
-            <a:off x="803715" y="166860"/>
-            <a:ext cx="10515600" cy="800099"/>
-          </a:xfrm>
-        </p:spPr>
-        <p:txBody>
-          <a:bodyPr>
-            <a:normAutofit/>
+            <a:off x="1192238" y="232410"/>
+            <a:ext cx="9914207" cy="1323439"/>
+          </a:xfrm>
+          <a:prstGeom prst="rect">
+            <a:avLst/>
+          </a:prstGeom>
+        </p:spPr>
+        <p:txBody>
+          <a:bodyPr wrap="square">
+            <a:spAutoFit/>
           </a:bodyPr>
           <a:lstStyle/>
           <a:p>
             <a:pPr algn="ctr"/>
             <a:r>
-              <a:rPr lang="en-US" sz="2800" b="1" dirty="0"/>
-              <a:t>SEQUENCE DIAGRAM </a:t>
-            </a:r>
-            <a:r>
-              <a:rPr lang="en-US" sz="2800" b="1" dirty="0" smtClean="0"/>
-              <a:t>FOR </a:t>
-            </a:r>
-            <a:r>
-              <a:rPr lang="en-US" sz="2800" b="1" dirty="0" smtClean="0"/>
-              <a:t>ORDER CANCELLATION </a:t>
-            </a:r>
-            <a:endParaRPr lang="en-US" sz="2800" dirty="0"/>
+              <a:rPr lang="en-US" sz="4000" b="1" dirty="0">
+                <a:latin typeface="Times New Roman" panose="02020603050405020304" pitchFamily="18" charset="0"/>
+                <a:cs typeface="Times New Roman" panose="02020603050405020304" pitchFamily="18" charset="0"/>
+              </a:rPr>
+              <a:t>Sequence Diagram </a:t>
+            </a:r>
+            <a:r>
+              <a:rPr lang="en-US" sz="4000" b="1" dirty="0" smtClean="0">
+                <a:latin typeface="Times New Roman" panose="02020603050405020304" pitchFamily="18" charset="0"/>
+                <a:cs typeface="Times New Roman" panose="02020603050405020304" pitchFamily="18" charset="0"/>
+              </a:rPr>
+              <a:t>for </a:t>
+            </a:r>
+            <a:r>
+              <a:rPr lang="en-US" sz="4000" b="1" dirty="0">
+                <a:latin typeface="Times New Roman" panose="02020603050405020304" pitchFamily="18" charset="0"/>
+                <a:cs typeface="Times New Roman" panose="02020603050405020304" pitchFamily="18" charset="0"/>
+              </a:rPr>
+              <a:t>Getting Sales Target By </a:t>
+            </a:r>
+            <a:r>
+              <a:rPr lang="en-US" sz="4000" b="1" dirty="0" smtClean="0">
+                <a:latin typeface="Times New Roman" panose="02020603050405020304" pitchFamily="18" charset="0"/>
+                <a:cs typeface="Times New Roman" panose="02020603050405020304" pitchFamily="18" charset="0"/>
+              </a:rPr>
+              <a:t>Sales Person</a:t>
+            </a:r>
+            <a:endParaRPr lang="en-US" sz="4000" b="1" dirty="0"/>
           </a:p>
         </p:txBody>
       </p:sp>
       <p:pic>
         <p:nvPicPr>
-          <p:cNvPr id="8" name="Picture 2">
-            <a:extLst>
-              <a:ext uri="{FF2B5EF4-FFF2-40B4-BE49-F238E27FC236}">
-                <a16:creationId xmlns="" xmlns:a16="http://schemas.microsoft.com/office/drawing/2014/main" id="{873220F4-1636-4CB1-B5E5-FE0BC125D310}"/>
-              </a:ext>
-            </a:extLst>
-          </p:cNvPr>
+          <p:cNvPr id="33794" name="Picture 2" descr="https://documents.lucidchart.com/documents/b460f2dc-219c-4bc6-a775-77e63ff1cb5e/pages/0_0?a=422&amp;x=27&amp;y=0&amp;w=800&amp;h=1050&amp;store=1&amp;accept=image%2F*&amp;auth=LCA%200418908650cdeff4e5376c2a8eaf40fd1797ef9e-ts%3D1568552867"/>
           <p:cNvPicPr>
             <a:picLocks noChangeAspect="1" noChangeArrowheads="1"/>
           </p:cNvPicPr>
           <p:nvPr/>
         </p:nvPicPr>
         <p:blipFill>
-          <a:blip r:embed="rId2" cstate="print">
-            <a:extLst>
-              <a:ext uri="{28A0092B-C50C-407E-A947-70E740481C1C}">
-                <a14:useLocalDpi xmlns:a14="http://schemas.microsoft.com/office/drawing/2010/main" val="0"/>
-              </a:ext>
-            </a:extLst>
-          </a:blip>
+          <a:blip r:embed="rId2"/>
           <a:srcRect/>
           <a:stretch>
             <a:fillRect/>
@@ -5849,28 +6251,19 @@
         </p:blipFill>
         <p:spPr bwMode="auto">
           <a:xfrm>
-            <a:off x="1818969" y="1393434"/>
-            <a:ext cx="8550884" cy="5171471"/>
+            <a:off x="3241964" y="1813544"/>
+            <a:ext cx="5110644" cy="3739358"/>
           </a:xfrm>
           <a:prstGeom prst="rect">
             <a:avLst/>
           </a:prstGeom>
           <a:noFill/>
-          <a:extLst>
-            <a:ext uri="{909E8E84-426E-40DD-AFC4-6F175D3DCCD1}">
-              <a14:hiddenFill xmlns:a14="http://schemas.microsoft.com/office/drawing/2010/main">
-                <a:solidFill>
-                  <a:srgbClr val="FFFFFF"/>
-                </a:solidFill>
-              </a14:hiddenFill>
-            </a:ext>
-          </a:extLst>
         </p:spPr>
       </p:pic>
     </p:spTree>
     <p:extLst>
       <p:ext uri="{BB962C8B-B14F-4D97-AF65-F5344CB8AC3E}">
-        <p14:creationId xmlns:p14="http://schemas.microsoft.com/office/powerpoint/2010/main" val="32860830"/>
+        <p14:creationId xmlns:p14="http://schemas.microsoft.com/office/powerpoint/2010/main" val="2228834166"/>
       </p:ext>
     </p:extLst>
   </p:cSld>
@@ -5897,61 +6290,22 @@
           <a:chExt cx="0" cy="0"/>
         </a:xfrm>
       </p:grpSpPr>
-      <p:sp>
-        <p:nvSpPr>
-          <p:cNvPr id="4" name="Title 1">
-            <a:extLst>
-              <a:ext uri="{FF2B5EF4-FFF2-40B4-BE49-F238E27FC236}">
-                <a16:creationId xmlns:a16="http://schemas.microsoft.com/office/drawing/2014/main" xmlns="" id="{D984F544-ABC0-46FA-9066-2F1450800B32}"/>
-              </a:ext>
-            </a:extLst>
-          </p:cNvPr>
-          <p:cNvSpPr>
-            <a:spLocks noGrp="1"/>
-          </p:cNvSpPr>
-          <p:nvPr>
-            <p:ph type="title"/>
-          </p:nvPr>
-        </p:nvSpPr>
-        <p:spPr>
-          <a:xfrm>
-            <a:off x="803715" y="166860"/>
-            <a:ext cx="10515600" cy="800099"/>
-          </a:xfrm>
-        </p:spPr>
-        <p:txBody>
-          <a:bodyPr>
-            <a:normAutofit/>
-          </a:bodyPr>
-          <a:lstStyle/>
-          <a:p>
-            <a:pPr algn="ctr"/>
-            <a:r>
-              <a:rPr lang="en-US" sz="2800" b="1" dirty="0"/>
-              <a:t>SEQUENCE DIAGRAM </a:t>
-            </a:r>
-            <a:r>
-              <a:rPr lang="en-US" sz="2800" b="1" dirty="0" smtClean="0"/>
-              <a:t>FOR </a:t>
-            </a:r>
-            <a:r>
-              <a:rPr lang="en-US" sz="2800" b="1" dirty="0" smtClean="0"/>
-              <a:t>ONLINE RETURN ORDER </a:t>
-            </a:r>
-            <a:endParaRPr lang="en-US" sz="2800" dirty="0"/>
-          </a:p>
-        </p:txBody>
-      </p:sp>
       <p:pic>
         <p:nvPicPr>
-          <p:cNvPr id="5" name="Picture 2" descr="https://documents.lucidchart.com/documents/54cc50d9-20e3-4853-8f1d-888a3d1998b5/pages/0_0?a=1361&amp;x=2&amp;y=26&amp;w=1349&amp;h=1195&amp;store=1&amp;accept=image%2F*&amp;auth=LCA%205b45c9b05a7ee75b884e1f1e3ba36284d7faa0a2-ts%3D1568550849"/>
+          <p:cNvPr id="4102" name="Picture 6" descr="https://documents.lucidchart.com/documents/f5f47fbc-75ab-41b6-836f-40ddcc4dcee3/pages/CVQWSSK4ldbn?a=760&amp;x=-90&amp;y=22&amp;w=1938&amp;h=773&amp;store=1&amp;accept=image%2F*&amp;auth=LCA%208b822372ea547392666b6944c94da191341b2d72-ts%3D1569914234"/>
           <p:cNvPicPr>
             <a:picLocks noChangeAspect="1" noChangeArrowheads="1"/>
           </p:cNvPicPr>
           <p:nvPr/>
         </p:nvPicPr>
         <p:blipFill>
-          <a:blip r:embed="rId2"/>
+          <a:blip r:embed="rId2">
+            <a:extLst>
+              <a:ext uri="{28A0092B-C50C-407E-A947-70E740481C1C}">
+                <a14:useLocalDpi xmlns:a14="http://schemas.microsoft.com/office/drawing/2010/main" val="0"/>
+              </a:ext>
+            </a:extLst>
+          </a:blip>
           <a:srcRect/>
           <a:stretch>
             <a:fillRect/>
@@ -5959,19 +6313,72 @@
         </p:blipFill>
         <p:spPr bwMode="auto">
           <a:xfrm>
-            <a:off x="742950" y="1480428"/>
-            <a:ext cx="10725149" cy="4920372"/>
+            <a:off x="530805" y="1287486"/>
+            <a:ext cx="11063905" cy="5219701"/>
           </a:xfrm>
           <a:prstGeom prst="rect">
             <a:avLst/>
           </a:prstGeom>
           <a:noFill/>
+          <a:extLst>
+            <a:ext uri="{909E8E84-426E-40DD-AFC4-6F175D3DCCD1}">
+              <a14:hiddenFill xmlns:a14="http://schemas.microsoft.com/office/drawing/2010/main">
+                <a:solidFill>
+                  <a:srgbClr val="FFFFFF"/>
+                </a:solidFill>
+              </a14:hiddenFill>
+            </a:ext>
+          </a:extLst>
         </p:spPr>
       </p:pic>
+      <p:sp>
+        <p:nvSpPr>
+          <p:cNvPr id="3" name="TextBox 2"/>
+          <p:cNvSpPr txBox="1"/>
+          <p:nvPr/>
+        </p:nvSpPr>
+        <p:spPr>
+          <a:xfrm>
+            <a:off x="1575163" y="228920"/>
+            <a:ext cx="8975188" cy="1323439"/>
+          </a:xfrm>
+          <a:prstGeom prst="rect">
+            <a:avLst/>
+          </a:prstGeom>
+          <a:noFill/>
+        </p:spPr>
+        <p:txBody>
+          <a:bodyPr wrap="square" rtlCol="0">
+            <a:spAutoFit/>
+          </a:bodyPr>
+          <a:lstStyle/>
+          <a:p>
+            <a:pPr algn="ctr"/>
+            <a:r>
+              <a:rPr lang="en-US" sz="4000" b="1" dirty="0">
+                <a:latin typeface="Times New Roman" panose="02020603050405020304" pitchFamily="18" charset="0"/>
+                <a:cs typeface="Times New Roman" panose="02020603050405020304" pitchFamily="18" charset="0"/>
+              </a:rPr>
+              <a:t>Sequence Diagram </a:t>
+            </a:r>
+            <a:r>
+              <a:rPr lang="en-US" sz="4000" b="1" dirty="0" smtClean="0">
+                <a:latin typeface="Times New Roman" panose="02020603050405020304" pitchFamily="18" charset="0"/>
+                <a:cs typeface="Times New Roman" panose="02020603050405020304" pitchFamily="18" charset="0"/>
+              </a:rPr>
+              <a:t>for Order Initializing</a:t>
+            </a:r>
+            <a:endParaRPr lang="en-IN" sz="4000" b="1" dirty="0">
+              <a:latin typeface="Times New Roman" panose="02020603050405020304" pitchFamily="18" charset="0"/>
+              <a:cs typeface="Times New Roman" panose="02020603050405020304" pitchFamily="18" charset="0"/>
+            </a:endParaRPr>
+          </a:p>
+        </p:txBody>
+      </p:sp>
     </p:spTree>
     <p:extLst>
       <p:ext uri="{BB962C8B-B14F-4D97-AF65-F5344CB8AC3E}">
-        <p14:creationId xmlns:p14="http://schemas.microsoft.com/office/powerpoint/2010/main" val="1413549581"/>
+        <p14:creationId xmlns:p14="http://schemas.microsoft.com/office/powerpoint/2010/main" val="488118371"/>
       </p:ext>
     </p:extLst>
   </p:cSld>
@@ -6368,65 +6775,22 @@
           <a:chExt cx="0" cy="0"/>
         </a:xfrm>
       </p:grpSpPr>
-      <p:sp>
-        <p:nvSpPr>
-          <p:cNvPr id="4" name="Title 1">
-            <a:extLst>
-              <a:ext uri="{FF2B5EF4-FFF2-40B4-BE49-F238E27FC236}">
-                <a16:creationId xmlns:a16="http://schemas.microsoft.com/office/drawing/2014/main" xmlns="" id="{D984F544-ABC0-46FA-9066-2F1450800B32}"/>
-              </a:ext>
-            </a:extLst>
-          </p:cNvPr>
-          <p:cNvSpPr>
-            <a:spLocks noGrp="1"/>
-          </p:cNvSpPr>
-          <p:nvPr>
-            <p:ph type="title"/>
-          </p:nvPr>
-        </p:nvSpPr>
-        <p:spPr>
-          <a:xfrm>
-            <a:off x="803715" y="166860"/>
-            <a:ext cx="10515600" cy="800099"/>
-          </a:xfrm>
-        </p:spPr>
-        <p:txBody>
-          <a:bodyPr>
-            <a:normAutofit/>
-          </a:bodyPr>
-          <a:lstStyle/>
-          <a:p>
-            <a:pPr algn="ctr"/>
-            <a:r>
-              <a:rPr lang="en-US" sz="2800" b="1" dirty="0"/>
-              <a:t>SEQUENCE DIAGRAM </a:t>
-            </a:r>
-            <a:r>
-              <a:rPr lang="en-US" sz="2800" b="1" dirty="0" smtClean="0"/>
-              <a:t>FOR </a:t>
-            </a:r>
-            <a:r>
-              <a:rPr lang="en-US" sz="2800" b="1" dirty="0" smtClean="0"/>
-              <a:t>SALES PERSON DETAILS</a:t>
-            </a:r>
-            <a:r>
-              <a:rPr lang="en-US" sz="2800" b="1" dirty="0" smtClean="0"/>
-              <a:t> </a:t>
-            </a:r>
-            <a:endParaRPr lang="en-US" sz="2800" dirty="0"/>
-          </a:p>
-        </p:txBody>
-      </p:sp>
       <p:pic>
         <p:nvPicPr>
-          <p:cNvPr id="5" name="Picture 10" descr="https://documents.lucidchart.com/documents/54cc50d9-20e3-4853-8f1d-888a3d1998b5/pages/0_0?a=1067&amp;x=2&amp;y=6&amp;w=1349&amp;h=1215&amp;store=1&amp;accept=image%2F*&amp;auth=LCA%209ebd9eb1b40cd41ba1d23cdc65aea14bc9c32075-ts%3D1568550849"/>
+          <p:cNvPr id="3076" name="Picture 4" descr="https://documents.lucidchart.com/documents/7e305cd1-81d7-4191-87c6-9f4a87e8c278/pages/0_0?a=2541&amp;x=-80&amp;y=-11&amp;w=2203&amp;h=1122&amp;store=1&amp;accept=image%2F*&amp;auth=LCA%2048ac5a617d94e7ab86a042cc2ff7e6349c5eb0b7-ts%3D1569912003"/>
           <p:cNvPicPr>
             <a:picLocks noChangeAspect="1" noChangeArrowheads="1"/>
           </p:cNvPicPr>
           <p:nvPr/>
         </p:nvPicPr>
         <p:blipFill>
-          <a:blip r:embed="rId2"/>
+          <a:blip r:embed="rId2">
+            <a:extLst>
+              <a:ext uri="{28A0092B-C50C-407E-A947-70E740481C1C}">
+                <a14:useLocalDpi xmlns:a14="http://schemas.microsoft.com/office/drawing/2010/main" val="0"/>
+              </a:ext>
+            </a:extLst>
+          </a:blip>
           <a:srcRect/>
           <a:stretch>
             <a:fillRect/>
@@ -6434,19 +6798,86 @@
         </p:blipFill>
         <p:spPr bwMode="auto">
           <a:xfrm>
-            <a:off x="914401" y="1211262"/>
-            <a:ext cx="10420350" cy="5284788"/>
+            <a:off x="342899" y="690136"/>
+            <a:ext cx="11353801" cy="5786864"/>
           </a:xfrm>
           <a:prstGeom prst="rect">
             <a:avLst/>
           </a:prstGeom>
           <a:noFill/>
+          <a:extLst>
+            <a:ext uri="{909E8E84-426E-40DD-AFC4-6F175D3DCCD1}">
+              <a14:hiddenFill xmlns:a14="http://schemas.microsoft.com/office/drawing/2010/main">
+                <a:solidFill>
+                  <a:srgbClr val="FFFFFF"/>
+                </a:solidFill>
+              </a14:hiddenFill>
+            </a:ext>
+          </a:extLst>
         </p:spPr>
       </p:pic>
+      <p:sp>
+        <p:nvSpPr>
+          <p:cNvPr id="3" name="TextBox 2"/>
+          <p:cNvSpPr txBox="1"/>
+          <p:nvPr/>
+        </p:nvSpPr>
+        <p:spPr>
+          <a:xfrm>
+            <a:off x="1532205" y="339877"/>
+            <a:ext cx="8975188" cy="707886"/>
+          </a:xfrm>
+          <a:prstGeom prst="rect">
+            <a:avLst/>
+          </a:prstGeom>
+          <a:noFill/>
+        </p:spPr>
+        <p:txBody>
+          <a:bodyPr wrap="square" rtlCol="0">
+            <a:spAutoFit/>
+          </a:bodyPr>
+          <a:lstStyle/>
+          <a:p>
+            <a:pPr algn="ctr"/>
+            <a:r>
+              <a:rPr lang="en-US" sz="4000" b="1" dirty="0">
+                <a:latin typeface="Times New Roman" panose="02020603050405020304" pitchFamily="18" charset="0"/>
+                <a:cs typeface="Times New Roman" panose="02020603050405020304" pitchFamily="18" charset="0"/>
+              </a:rPr>
+              <a:t>Sequence Diagram </a:t>
+            </a:r>
+            <a:r>
+              <a:rPr lang="en-US" sz="4000" b="1" dirty="0" smtClean="0">
+                <a:latin typeface="Times New Roman" panose="02020603050405020304" pitchFamily="18" charset="0"/>
+                <a:cs typeface="Times New Roman" panose="02020603050405020304" pitchFamily="18" charset="0"/>
+              </a:rPr>
+              <a:t>for </a:t>
+            </a:r>
+            <a:r>
+              <a:rPr lang="en-US" sz="4000" b="1" dirty="0">
+                <a:latin typeface="Times New Roman" panose="02020603050405020304" pitchFamily="18" charset="0"/>
+                <a:cs typeface="Times New Roman" panose="02020603050405020304" pitchFamily="18" charset="0"/>
+              </a:rPr>
+              <a:t>Online </a:t>
+            </a:r>
+            <a:r>
+              <a:rPr lang="en-US" sz="4000" b="1" dirty="0" smtClean="0">
+                <a:latin typeface="Times New Roman" panose="02020603050405020304" pitchFamily="18" charset="0"/>
+                <a:cs typeface="Times New Roman" panose="02020603050405020304" pitchFamily="18" charset="0"/>
+              </a:rPr>
+              <a:t>Cancel</a:t>
+            </a:r>
+            <a:endParaRPr lang="en-IN" sz="4000" b="1" dirty="0">
+              <a:latin typeface="Times New Roman" panose="02020603050405020304" pitchFamily="18" charset="0"/>
+              <a:cs typeface="Times New Roman" panose="02020603050405020304" pitchFamily="18" charset="0"/>
+            </a:endParaRPr>
+          </a:p>
+        </p:txBody>
+      </p:sp>
     </p:spTree>
     <p:extLst>
       <p:ext uri="{BB962C8B-B14F-4D97-AF65-F5344CB8AC3E}">
-        <p14:creationId xmlns:p14="http://schemas.microsoft.com/office/powerpoint/2010/main" val="2246286613"/>
+        <p14:creationId xmlns:p14="http://schemas.microsoft.com/office/powerpoint/2010/main" val="3238024770"/>
       </p:ext>
     </p:extLst>
   </p:cSld>
@@ -6473,69 +6904,22 @@
           <a:chExt cx="0" cy="0"/>
         </a:xfrm>
       </p:grpSpPr>
-      <p:sp>
-        <p:nvSpPr>
-          <p:cNvPr id="4" name="Title 1">
-            <a:extLst>
-              <a:ext uri="{FF2B5EF4-FFF2-40B4-BE49-F238E27FC236}">
-                <a16:creationId xmlns:a16="http://schemas.microsoft.com/office/drawing/2014/main" xmlns="" id="{D984F544-ABC0-46FA-9066-2F1450800B32}"/>
-              </a:ext>
-            </a:extLst>
-          </p:cNvPr>
-          <p:cNvSpPr>
-            <a:spLocks noGrp="1"/>
-          </p:cNvSpPr>
-          <p:nvPr>
-            <p:ph type="title"/>
-          </p:nvPr>
-        </p:nvSpPr>
-        <p:spPr>
-          <a:xfrm>
-            <a:off x="803715" y="166860"/>
-            <a:ext cx="10515600" cy="800099"/>
-          </a:xfrm>
-        </p:spPr>
-        <p:txBody>
-          <a:bodyPr>
-            <a:normAutofit/>
-          </a:bodyPr>
-          <a:lstStyle/>
-          <a:p>
-            <a:pPr algn="ctr"/>
-            <a:r>
-              <a:rPr lang="en-US" sz="2800" b="1" dirty="0"/>
-              <a:t>SEQUENCE DIAGRAM </a:t>
-            </a:r>
-            <a:r>
-              <a:rPr lang="en-US" sz="2800" b="1" dirty="0" smtClean="0"/>
-              <a:t>FOR </a:t>
-            </a:r>
-            <a:r>
-              <a:rPr lang="en-US" sz="2800" b="1" dirty="0" smtClean="0"/>
-              <a:t>GETTING </a:t>
-            </a:r>
-            <a:r>
-              <a:rPr lang="en-US" sz="2800" b="1" dirty="0" smtClean="0"/>
-              <a:t>SALES TARGET </a:t>
-            </a:r>
-            <a:r>
-              <a:rPr lang="en-US" sz="2800" b="1" dirty="0" smtClean="0"/>
-              <a:t> </a:t>
-            </a:r>
-            <a:endParaRPr lang="en-US" sz="2800" dirty="0"/>
-          </a:p>
-        </p:txBody>
-      </p:sp>
       <p:pic>
         <p:nvPicPr>
-          <p:cNvPr id="5" name="Picture 2" descr="https://documents.lucidchart.com/documents/b460f2dc-219c-4bc6-a775-77e63ff1cb5e/pages/0_0?a=422&amp;x=27&amp;y=0&amp;w=800&amp;h=1050&amp;store=1&amp;accept=image%2F*&amp;auth=LCA%200418908650cdeff4e5376c2a8eaf40fd1797ef9e-ts%3D1568552867"/>
+          <p:cNvPr id="1026" name="Picture 2" descr="https://documents.lucidchart.com/documents/7e305cd1-81d7-4191-87c6-9f4a87e8c278/pages/0_0?a=3471&amp;x=-80&amp;y=-71&amp;w=2203&amp;h=1122&amp;store=1&amp;accept=image%2F*&amp;auth=LCA%201c61ab6922779c57043f73b09fcef7def701c299-ts%3D1570107809"/>
           <p:cNvPicPr>
             <a:picLocks noChangeAspect="1" noChangeArrowheads="1"/>
           </p:cNvPicPr>
           <p:nvPr/>
         </p:nvPicPr>
         <p:blipFill>
-          <a:blip r:embed="rId2"/>
+          <a:blip r:embed="rId2">
+            <a:extLst>
+              <a:ext uri="{28A0092B-C50C-407E-A947-70E740481C1C}">
+                <a14:useLocalDpi xmlns:a14="http://schemas.microsoft.com/office/drawing/2010/main" val="0"/>
+              </a:ext>
+            </a:extLst>
+          </a:blip>
           <a:srcRect/>
           <a:stretch>
             <a:fillRect/>
@@ -6543,19 +6927,79 @@
         </p:blipFill>
         <p:spPr bwMode="auto">
           <a:xfrm>
-            <a:off x="1181100" y="1276350"/>
-            <a:ext cx="10077449" cy="5029200"/>
+            <a:off x="604911" y="984739"/>
+            <a:ext cx="11381620" cy="5083154"/>
           </a:xfrm>
           <a:prstGeom prst="rect">
             <a:avLst/>
           </a:prstGeom>
           <a:noFill/>
+          <a:extLst>
+            <a:ext uri="{909E8E84-426E-40DD-AFC4-6F175D3DCCD1}">
+              <a14:hiddenFill xmlns:a14="http://schemas.microsoft.com/office/drawing/2010/main">
+                <a:solidFill>
+                  <a:srgbClr val="FFFFFF"/>
+                </a:solidFill>
+              </a14:hiddenFill>
+            </a:ext>
+          </a:extLst>
         </p:spPr>
       </p:pic>
+      <p:sp>
+        <p:nvSpPr>
+          <p:cNvPr id="3" name="TextBox 2"/>
+          <p:cNvSpPr txBox="1"/>
+          <p:nvPr/>
+        </p:nvSpPr>
+        <p:spPr>
+          <a:xfrm>
+            <a:off x="1808127" y="239151"/>
+            <a:ext cx="8975188" cy="707886"/>
+          </a:xfrm>
+          <a:prstGeom prst="rect">
+            <a:avLst/>
+          </a:prstGeom>
+          <a:noFill/>
+        </p:spPr>
+        <p:txBody>
+          <a:bodyPr wrap="square" rtlCol="0">
+            <a:spAutoFit/>
+          </a:bodyPr>
+          <a:lstStyle/>
+          <a:p>
+            <a:pPr algn="ctr"/>
+            <a:r>
+              <a:rPr lang="en-US" sz="4000" b="1" dirty="0">
+                <a:latin typeface="Times New Roman" panose="02020603050405020304" pitchFamily="18" charset="0"/>
+                <a:cs typeface="Times New Roman" panose="02020603050405020304" pitchFamily="18" charset="0"/>
+              </a:rPr>
+              <a:t>Sequence Diagram </a:t>
+            </a:r>
+            <a:r>
+              <a:rPr lang="en-US" sz="4000" b="1" dirty="0" smtClean="0">
+                <a:latin typeface="Times New Roman" panose="02020603050405020304" pitchFamily="18" charset="0"/>
+                <a:cs typeface="Times New Roman" panose="02020603050405020304" pitchFamily="18" charset="0"/>
+              </a:rPr>
+              <a:t>for </a:t>
+            </a:r>
+            <a:r>
+              <a:rPr lang="en-US" sz="4000" b="1" dirty="0">
+                <a:latin typeface="Times New Roman" panose="02020603050405020304" pitchFamily="18" charset="0"/>
+                <a:cs typeface="Times New Roman" panose="02020603050405020304" pitchFamily="18" charset="0"/>
+              </a:rPr>
+              <a:t>Online Return</a:t>
+            </a:r>
+            <a:endParaRPr lang="en-IN" sz="4000" b="1" dirty="0">
+              <a:latin typeface="Times New Roman" panose="02020603050405020304" pitchFamily="18" charset="0"/>
+              <a:cs typeface="Times New Roman" panose="02020603050405020304" pitchFamily="18" charset="0"/>
+            </a:endParaRPr>
+          </a:p>
+        </p:txBody>
+      </p:sp>
     </p:spTree>
     <p:extLst>
       <p:ext uri="{BB962C8B-B14F-4D97-AF65-F5344CB8AC3E}">
-        <p14:creationId xmlns:p14="http://schemas.microsoft.com/office/powerpoint/2010/main" val="1506770529"/>
+        <p14:creationId xmlns:p14="http://schemas.microsoft.com/office/powerpoint/2010/main" val="1626272289"/>
       </p:ext>
     </p:extLst>
   </p:cSld>
@@ -6582,6 +7026,422 @@
           <a:chExt cx="0" cy="0"/>
         </a:xfrm>
       </p:grpSpPr>
+      <p:pic>
+        <p:nvPicPr>
+          <p:cNvPr id="1026" name="Picture 2" descr="https://documents.lucidchart.com/documents/d0ebc782-76e1-4355-8431-86104b745099/pages/bi8RNTNB-FkM?a=243&amp;x=-75&amp;y=-52&amp;w=1608&amp;h=1144&amp;store=1&amp;accept=image%2F*&amp;auth=LCA%205469458cd3084caa61cbef7dc3a716b394f21560-ts%3D1570347129"/>
+          <p:cNvPicPr>
+            <a:picLocks noChangeAspect="1" noChangeArrowheads="1"/>
+          </p:cNvPicPr>
+          <p:nvPr/>
+        </p:nvPicPr>
+        <p:blipFill>
+          <a:blip r:embed="rId2">
+            <a:extLst>
+              <a:ext uri="{28A0092B-C50C-407E-A947-70E740481C1C}">
+                <a14:useLocalDpi xmlns:a14="http://schemas.microsoft.com/office/drawing/2010/main" val="0"/>
+              </a:ext>
+            </a:extLst>
+          </a:blip>
+          <a:srcRect/>
+          <a:stretch>
+            <a:fillRect/>
+          </a:stretch>
+        </p:blipFill>
+        <p:spPr bwMode="auto">
+          <a:xfrm>
+            <a:off x="1338987" y="1447964"/>
+            <a:ext cx="8356210" cy="5054745"/>
+          </a:xfrm>
+          <a:prstGeom prst="rect">
+            <a:avLst/>
+          </a:prstGeom>
+          <a:noFill/>
+          <a:extLst>
+            <a:ext uri="{909E8E84-426E-40DD-AFC4-6F175D3DCCD1}">
+              <a14:hiddenFill xmlns:a14="http://schemas.microsoft.com/office/drawing/2010/main">
+                <a:solidFill>
+                  <a:srgbClr val="FFFFFF"/>
+                </a:solidFill>
+              </a14:hiddenFill>
+            </a:ext>
+          </a:extLst>
+        </p:spPr>
+      </p:pic>
+      <p:sp>
+        <p:nvSpPr>
+          <p:cNvPr id="3" name="TextBox 2"/>
+          <p:cNvSpPr txBox="1"/>
+          <p:nvPr/>
+        </p:nvSpPr>
+        <p:spPr>
+          <a:xfrm>
+            <a:off x="1521867" y="207818"/>
+            <a:ext cx="10100603" cy="1323439"/>
+          </a:xfrm>
+          <a:prstGeom prst="rect">
+            <a:avLst/>
+          </a:prstGeom>
+          <a:noFill/>
+        </p:spPr>
+        <p:txBody>
+          <a:bodyPr wrap="square" rtlCol="0">
+            <a:spAutoFit/>
+          </a:bodyPr>
+          <a:lstStyle/>
+          <a:p>
+            <a:pPr algn="ctr"/>
+            <a:r>
+              <a:rPr lang="en-US" sz="4000" b="1" dirty="0">
+                <a:latin typeface="Times New Roman" panose="02020603050405020304" pitchFamily="18" charset="0"/>
+                <a:cs typeface="Times New Roman" panose="02020603050405020304" pitchFamily="18" charset="0"/>
+              </a:rPr>
+              <a:t>Sequence Diagram </a:t>
+            </a:r>
+            <a:r>
+              <a:rPr lang="en-US" sz="4000" b="1" dirty="0" smtClean="0">
+                <a:latin typeface="Times New Roman" panose="02020603050405020304" pitchFamily="18" charset="0"/>
+                <a:cs typeface="Times New Roman" panose="02020603050405020304" pitchFamily="18" charset="0"/>
+              </a:rPr>
+              <a:t>for Uploading Offline Orders</a:t>
+            </a:r>
+            <a:endParaRPr lang="en-IN" sz="4000" b="1" dirty="0">
+              <a:latin typeface="Times New Roman" panose="02020603050405020304" pitchFamily="18" charset="0"/>
+              <a:cs typeface="Times New Roman" panose="02020603050405020304" pitchFamily="18" charset="0"/>
+            </a:endParaRPr>
+          </a:p>
+        </p:txBody>
+      </p:sp>
+    </p:spTree>
+    <p:extLst>
+      <p:ext uri="{BB962C8B-B14F-4D97-AF65-F5344CB8AC3E}">
+        <p14:creationId xmlns:p14="http://schemas.microsoft.com/office/powerpoint/2010/main" val="3902785347"/>
+      </p:ext>
+    </p:extLst>
+  </p:cSld>
+  <p:clrMapOvr>
+    <a:masterClrMapping/>
+  </p:clrMapOvr>
+</p:sld>
+</file>
+
+<file path=ppt/slides/slide33.xml><?xml version="1.0" encoding="utf-8"?>
+<p:sld xmlns:a="http://schemas.openxmlformats.org/drawingml/2006/main" xmlns:r="http://schemas.openxmlformats.org/officeDocument/2006/relationships" xmlns:p="http://schemas.openxmlformats.org/presentationml/2006/main">
+  <p:cSld>
+    <p:spTree>
+      <p:nvGrpSpPr>
+        <p:cNvPr id="1" name=""/>
+        <p:cNvGrpSpPr/>
+        <p:nvPr/>
+      </p:nvGrpSpPr>
+      <p:grpSpPr>
+        <a:xfrm>
+          <a:off x="0" y="0"/>
+          <a:ext cx="0" cy="0"/>
+          <a:chOff x="0" y="0"/>
+          <a:chExt cx="0" cy="0"/>
+        </a:xfrm>
+      </p:grpSpPr>
+      <p:pic>
+        <p:nvPicPr>
+          <p:cNvPr id="3076" name="Picture 4" descr="https://documents.lucidchart.com/documents/d0ebc782-76e1-4355-8431-86104b745099/pages/rgMRzRkNwl4v?a=513&amp;x=-37&amp;y=-16&amp;w=1188&amp;h=783&amp;store=1&amp;accept=image%2F*&amp;auth=LCA%20daaf6fab9ca60aa6feef14b1b76680bcd87f8ce2-ts%3D1570347129"/>
+          <p:cNvPicPr>
+            <a:picLocks noChangeAspect="1" noChangeArrowheads="1"/>
+          </p:cNvPicPr>
+          <p:nvPr/>
+        </p:nvPicPr>
+        <p:blipFill>
+          <a:blip r:embed="rId2">
+            <a:extLst>
+              <a:ext uri="{28A0092B-C50C-407E-A947-70E740481C1C}">
+                <a14:useLocalDpi xmlns:a14="http://schemas.microsoft.com/office/drawing/2010/main" val="0"/>
+              </a:ext>
+            </a:extLst>
+          </a:blip>
+          <a:srcRect/>
+          <a:stretch>
+            <a:fillRect/>
+          </a:stretch>
+        </p:blipFill>
+        <p:spPr bwMode="auto">
+          <a:xfrm>
+            <a:off x="2200747" y="1562590"/>
+            <a:ext cx="7313462" cy="4818185"/>
+          </a:xfrm>
+          <a:prstGeom prst="rect">
+            <a:avLst/>
+          </a:prstGeom>
+          <a:noFill/>
+          <a:extLst>
+            <a:ext uri="{909E8E84-426E-40DD-AFC4-6F175D3DCCD1}">
+              <a14:hiddenFill xmlns:a14="http://schemas.microsoft.com/office/drawing/2010/main">
+                <a:solidFill>
+                  <a:srgbClr val="FFFFFF"/>
+                </a:solidFill>
+              </a14:hiddenFill>
+            </a:ext>
+          </a:extLst>
+        </p:spPr>
+      </p:pic>
+      <p:sp>
+        <p:nvSpPr>
+          <p:cNvPr id="3" name="TextBox 2"/>
+          <p:cNvSpPr txBox="1"/>
+          <p:nvPr/>
+        </p:nvSpPr>
+        <p:spPr>
+          <a:xfrm>
+            <a:off x="1860335" y="239151"/>
+            <a:ext cx="8975188" cy="1323439"/>
+          </a:xfrm>
+          <a:prstGeom prst="rect">
+            <a:avLst/>
+          </a:prstGeom>
+          <a:noFill/>
+        </p:spPr>
+        <p:txBody>
+          <a:bodyPr wrap="square" rtlCol="0">
+            <a:spAutoFit/>
+          </a:bodyPr>
+          <a:lstStyle/>
+          <a:p>
+            <a:pPr algn="ctr"/>
+            <a:r>
+              <a:rPr lang="en-US" sz="4000" b="1" dirty="0">
+                <a:latin typeface="Times New Roman" panose="02020603050405020304" pitchFamily="18" charset="0"/>
+                <a:cs typeface="Times New Roman" panose="02020603050405020304" pitchFamily="18" charset="0"/>
+              </a:rPr>
+              <a:t>Sequence Diagram </a:t>
+            </a:r>
+            <a:r>
+              <a:rPr lang="en-US" sz="4000" b="1" dirty="0" smtClean="0">
+                <a:latin typeface="Times New Roman" panose="02020603050405020304" pitchFamily="18" charset="0"/>
+                <a:cs typeface="Times New Roman" panose="02020603050405020304" pitchFamily="18" charset="0"/>
+              </a:rPr>
+              <a:t>for Uploading Return By Sales Person</a:t>
+            </a:r>
+            <a:endParaRPr lang="en-IN" sz="4000" b="1" dirty="0">
+              <a:latin typeface="Times New Roman" panose="02020603050405020304" pitchFamily="18" charset="0"/>
+              <a:cs typeface="Times New Roman" panose="02020603050405020304" pitchFamily="18" charset="0"/>
+            </a:endParaRPr>
+          </a:p>
+        </p:txBody>
+      </p:sp>
+    </p:spTree>
+    <p:extLst>
+      <p:ext uri="{BB962C8B-B14F-4D97-AF65-F5344CB8AC3E}">
+        <p14:creationId xmlns:p14="http://schemas.microsoft.com/office/powerpoint/2010/main" val="4210214783"/>
+      </p:ext>
+    </p:extLst>
+  </p:cSld>
+  <p:clrMapOvr>
+    <a:masterClrMapping/>
+  </p:clrMapOvr>
+</p:sld>
+</file>
+
+<file path=ppt/slides/slide34.xml><?xml version="1.0" encoding="utf-8"?>
+<p:sld xmlns:a="http://schemas.openxmlformats.org/drawingml/2006/main" xmlns:r="http://schemas.openxmlformats.org/officeDocument/2006/relationships" xmlns:p="http://schemas.openxmlformats.org/presentationml/2006/main">
+  <p:cSld>
+    <p:spTree>
+      <p:nvGrpSpPr>
+        <p:cNvPr id="1" name=""/>
+        <p:cNvGrpSpPr/>
+        <p:nvPr/>
+      </p:nvGrpSpPr>
+      <p:grpSpPr>
+        <a:xfrm>
+          <a:off x="0" y="0"/>
+          <a:ext cx="0" cy="0"/>
+          <a:chOff x="0" y="0"/>
+          <a:chExt cx="0" cy="0"/>
+        </a:xfrm>
+      </p:grpSpPr>
+      <p:pic>
+        <p:nvPicPr>
+          <p:cNvPr id="2" name="Picture 1"/>
+          <p:cNvPicPr>
+            <a:picLocks noChangeAspect="1"/>
+          </p:cNvPicPr>
+          <p:nvPr/>
+        </p:nvPicPr>
+        <p:blipFill>
+          <a:blip r:embed="rId2">
+            <a:extLst>
+              <a:ext uri="{28A0092B-C50C-407E-A947-70E740481C1C}">
+                <a14:useLocalDpi xmlns:a14="http://schemas.microsoft.com/office/drawing/2010/main" val="0"/>
+              </a:ext>
+            </a:extLst>
+          </a:blip>
+          <a:stretch>
+            <a:fillRect/>
+          </a:stretch>
+        </p:blipFill>
+        <p:spPr>
+          <a:xfrm>
+            <a:off x="523702" y="1584960"/>
+            <a:ext cx="10953403" cy="4150822"/>
+          </a:xfrm>
+          <a:prstGeom prst="rect">
+            <a:avLst/>
+          </a:prstGeom>
+        </p:spPr>
+      </p:pic>
+      <p:sp>
+        <p:nvSpPr>
+          <p:cNvPr id="4" name="TextBox 3"/>
+          <p:cNvSpPr txBox="1"/>
+          <p:nvPr/>
+        </p:nvSpPr>
+        <p:spPr>
+          <a:xfrm>
+            <a:off x="976551" y="232756"/>
+            <a:ext cx="10165283" cy="707886"/>
+          </a:xfrm>
+          <a:prstGeom prst="rect">
+            <a:avLst/>
+          </a:prstGeom>
+          <a:noFill/>
+        </p:spPr>
+        <p:txBody>
+          <a:bodyPr wrap="none" rtlCol="0">
+            <a:spAutoFit/>
+          </a:bodyPr>
+          <a:lstStyle/>
+          <a:p>
+            <a:r>
+              <a:rPr lang="en-US" sz="4000" b="1" dirty="0" smtClean="0">
+                <a:latin typeface="Times New Roman" panose="02020603050405020304" pitchFamily="18" charset="0"/>
+                <a:cs typeface="Times New Roman" panose="02020603050405020304" pitchFamily="18" charset="0"/>
+              </a:rPr>
+              <a:t>Sequence Diagram for getting Overall Report</a:t>
+            </a:r>
+            <a:endParaRPr lang="en-IN" sz="4000" dirty="0"/>
+          </a:p>
+        </p:txBody>
+      </p:sp>
+    </p:spTree>
+    <p:extLst>
+      <p:ext uri="{BB962C8B-B14F-4D97-AF65-F5344CB8AC3E}">
+        <p14:creationId xmlns:p14="http://schemas.microsoft.com/office/powerpoint/2010/main" val="71090764"/>
+      </p:ext>
+    </p:extLst>
+  </p:cSld>
+  <p:clrMapOvr>
+    <a:masterClrMapping/>
+  </p:clrMapOvr>
+</p:sld>
+</file>
+
+<file path=ppt/slides/slide35.xml><?xml version="1.0" encoding="utf-8"?>
+<p:sld xmlns:a="http://schemas.openxmlformats.org/drawingml/2006/main" xmlns:r="http://schemas.openxmlformats.org/officeDocument/2006/relationships" xmlns:p="http://schemas.openxmlformats.org/presentationml/2006/main">
+  <p:cSld>
+    <p:spTree>
+      <p:nvGrpSpPr>
+        <p:cNvPr id="1" name=""/>
+        <p:cNvGrpSpPr/>
+        <p:nvPr/>
+      </p:nvGrpSpPr>
+      <p:grpSpPr>
+        <a:xfrm>
+          <a:off x="0" y="0"/>
+          <a:ext cx="0" cy="0"/>
+          <a:chOff x="0" y="0"/>
+          <a:chExt cx="0" cy="0"/>
+        </a:xfrm>
+      </p:grpSpPr>
+      <p:pic>
+        <p:nvPicPr>
+          <p:cNvPr id="2" name="Picture 1"/>
+          <p:cNvPicPr>
+            <a:picLocks noChangeAspect="1"/>
+          </p:cNvPicPr>
+          <p:nvPr/>
+        </p:nvPicPr>
+        <p:blipFill>
+          <a:blip r:embed="rId2">
+            <a:extLst>
+              <a:ext uri="{28A0092B-C50C-407E-A947-70E740481C1C}">
+                <a14:useLocalDpi xmlns:a14="http://schemas.microsoft.com/office/drawing/2010/main" val="0"/>
+              </a:ext>
+            </a:extLst>
+          </a:blip>
+          <a:stretch>
+            <a:fillRect/>
+          </a:stretch>
+        </p:blipFill>
+        <p:spPr>
+          <a:xfrm>
+            <a:off x="1924050" y="1139190"/>
+            <a:ext cx="8343900" cy="4579620"/>
+          </a:xfrm>
+          <a:prstGeom prst="rect">
+            <a:avLst/>
+          </a:prstGeom>
+        </p:spPr>
+      </p:pic>
+      <p:sp>
+        <p:nvSpPr>
+          <p:cNvPr id="3" name="TextBox 2"/>
+          <p:cNvSpPr txBox="1"/>
+          <p:nvPr/>
+        </p:nvSpPr>
+        <p:spPr>
+          <a:xfrm>
+            <a:off x="976551" y="232756"/>
+            <a:ext cx="10509928" cy="707886"/>
+          </a:xfrm>
+          <a:prstGeom prst="rect">
+            <a:avLst/>
+          </a:prstGeom>
+          <a:noFill/>
+        </p:spPr>
+        <p:txBody>
+          <a:bodyPr wrap="none" rtlCol="0">
+            <a:spAutoFit/>
+          </a:bodyPr>
+          <a:lstStyle/>
+          <a:p>
+            <a:r>
+              <a:rPr lang="en-US" sz="4000" b="1" dirty="0" smtClean="0">
+                <a:latin typeface="Times New Roman" panose="02020603050405020304" pitchFamily="18" charset="0"/>
+                <a:cs typeface="Times New Roman" panose="02020603050405020304" pitchFamily="18" charset="0"/>
+              </a:rPr>
+              <a:t>Sequence Diagram for getting Update Discount</a:t>
+            </a:r>
+            <a:endParaRPr lang="en-IN" sz="4000" dirty="0"/>
+          </a:p>
+        </p:txBody>
+      </p:sp>
+    </p:spTree>
+    <p:extLst>
+      <p:ext uri="{BB962C8B-B14F-4D97-AF65-F5344CB8AC3E}">
+        <p14:creationId xmlns:p14="http://schemas.microsoft.com/office/powerpoint/2010/main" val="541450746"/>
+      </p:ext>
+    </p:extLst>
+  </p:cSld>
+  <p:clrMapOvr>
+    <a:masterClrMapping/>
+  </p:clrMapOvr>
+</p:sld>
+</file>
+
+<file path=ppt/slides/slide36.xml><?xml version="1.0" encoding="utf-8"?>
+<p:sld xmlns:a="http://schemas.openxmlformats.org/drawingml/2006/main" xmlns:r="http://schemas.openxmlformats.org/officeDocument/2006/relationships" xmlns:p="http://schemas.openxmlformats.org/presentationml/2006/main">
+  <p:cSld>
+    <p:spTree>
+      <p:nvGrpSpPr>
+        <p:cNvPr id="1" name=""/>
+        <p:cNvGrpSpPr/>
+        <p:nvPr/>
+      </p:nvGrpSpPr>
+      <p:grpSpPr>
+        <a:xfrm>
+          <a:off x="0" y="0"/>
+          <a:ext cx="0" cy="0"/>
+          <a:chOff x="0" y="0"/>
+          <a:chExt cx="0" cy="0"/>
+        </a:xfrm>
+      </p:grpSpPr>
       <p:sp>
         <p:nvSpPr>
           <p:cNvPr id="2" name="Title 1"/>
@@ -6594,8 +7454,8 @@
         </p:nvSpPr>
         <p:spPr>
           <a:xfrm>
-            <a:off x="838200" y="365125"/>
-            <a:ext cx="10515600" cy="5743575"/>
+            <a:off x="0" y="0"/>
+            <a:ext cx="12192000" cy="966370"/>
           </a:xfrm>
         </p:spPr>
         <p:txBody>
@@ -6606,17 +7466,475 @@
           <a:p>
             <a:pPr algn="ctr"/>
             <a:r>
-              <a:rPr lang="en-US" sz="5400" b="1" dirty="0" smtClean="0"/>
-              <a:t>Thank you</a:t>
-            </a:r>
-            <a:endParaRPr lang="en-IN" sz="5400" b="1" dirty="0"/>
-          </a:p>
-        </p:txBody>
-      </p:sp>
+              <a:rPr lang="en-US" sz="4000" b="1" dirty="0">
+                <a:latin typeface="Times New Roman" panose="02020603050405020304" pitchFamily="18" charset="0"/>
+                <a:cs typeface="Times New Roman" panose="02020603050405020304" pitchFamily="18" charset="0"/>
+              </a:rPr>
+              <a:t>Activity diagram of Login</a:t>
+            </a:r>
+            <a:endParaRPr lang="en-IN" sz="4000" b="1" dirty="0">
+              <a:latin typeface="Times New Roman" panose="02020603050405020304" pitchFamily="18" charset="0"/>
+              <a:cs typeface="Times New Roman" panose="02020603050405020304" pitchFamily="18" charset="0"/>
+            </a:endParaRPr>
+          </a:p>
+        </p:txBody>
+      </p:sp>
+      <p:pic>
+        <p:nvPicPr>
+          <p:cNvPr id="1030" name="Picture 6" descr="https://documents.lucidchart.com/documents/af12140d-aed6-42ae-aab6-db1606dd6482/pages/PeNRF1ucIAOW?a=3029&amp;x=105&amp;y=10&amp;w=875&amp;h=660&amp;store=1&amp;accept=image%2F*&amp;auth=LCA%20309c58e935111ef91869c8cf8b367146ecb4b024-ts%3D1570188211"/>
+          <p:cNvPicPr>
+            <a:picLocks noChangeAspect="1" noChangeArrowheads="1"/>
+          </p:cNvPicPr>
+          <p:nvPr/>
+        </p:nvPicPr>
+        <p:blipFill>
+          <a:blip r:embed="rId2">
+            <a:extLst>
+              <a:ext uri="{28A0092B-C50C-407E-A947-70E740481C1C}">
+                <a14:useLocalDpi xmlns:a14="http://schemas.microsoft.com/office/drawing/2010/main" val="0"/>
+              </a:ext>
+            </a:extLst>
+          </a:blip>
+          <a:srcRect/>
+          <a:stretch>
+            <a:fillRect/>
+          </a:stretch>
+        </p:blipFill>
+        <p:spPr bwMode="auto">
+          <a:xfrm>
+            <a:off x="869430" y="805779"/>
+            <a:ext cx="11322570" cy="5756223"/>
+          </a:xfrm>
+          <a:prstGeom prst="rect">
+            <a:avLst/>
+          </a:prstGeom>
+          <a:noFill/>
+          <a:extLst>
+            <a:ext uri="{909E8E84-426E-40DD-AFC4-6F175D3DCCD1}">
+              <a14:hiddenFill xmlns:a14="http://schemas.microsoft.com/office/drawing/2010/main">
+                <a:solidFill>
+                  <a:srgbClr val="FFFFFF"/>
+                </a:solidFill>
+              </a14:hiddenFill>
+            </a:ext>
+          </a:extLst>
+        </p:spPr>
+      </p:pic>
     </p:spTree>
     <p:extLst>
       <p:ext uri="{BB962C8B-B14F-4D97-AF65-F5344CB8AC3E}">
-        <p14:creationId xmlns:p14="http://schemas.microsoft.com/office/powerpoint/2010/main" val="2877949246"/>
+        <p14:creationId xmlns:p14="http://schemas.microsoft.com/office/powerpoint/2010/main" val="2514933326"/>
+      </p:ext>
+    </p:extLst>
+  </p:cSld>
+  <p:clrMapOvr>
+    <a:masterClrMapping/>
+  </p:clrMapOvr>
+</p:sld>
+</file>
+
+<file path=ppt/slides/slide37.xml><?xml version="1.0" encoding="utf-8"?>
+<p:sld xmlns:a="http://schemas.openxmlformats.org/drawingml/2006/main" xmlns:r="http://schemas.openxmlformats.org/officeDocument/2006/relationships" xmlns:p="http://schemas.openxmlformats.org/presentationml/2006/main">
+  <p:cSld>
+    <p:spTree>
+      <p:nvGrpSpPr>
+        <p:cNvPr id="1" name=""/>
+        <p:cNvGrpSpPr/>
+        <p:nvPr/>
+      </p:nvGrpSpPr>
+      <p:grpSpPr>
+        <a:xfrm>
+          <a:off x="0" y="0"/>
+          <a:ext cx="0" cy="0"/>
+          <a:chOff x="0" y="0"/>
+          <a:chExt cx="0" cy="0"/>
+        </a:xfrm>
+      </p:grpSpPr>
+      <p:sp>
+        <p:nvSpPr>
+          <p:cNvPr id="2" name="Title 1"/>
+          <p:cNvSpPr>
+            <a:spLocks noGrp="1"/>
+          </p:cNvSpPr>
+          <p:nvPr>
+            <p:ph type="title"/>
+          </p:nvPr>
+        </p:nvSpPr>
+        <p:spPr>
+          <a:xfrm>
+            <a:off x="0" y="112541"/>
+            <a:ext cx="12192000" cy="1259173"/>
+          </a:xfrm>
+        </p:spPr>
+        <p:txBody>
+          <a:bodyPr>
+            <a:normAutofit/>
+          </a:bodyPr>
+          <a:lstStyle/>
+          <a:p>
+            <a:pPr algn="ctr"/>
+            <a:r>
+              <a:rPr lang="en-US" sz="4000" b="1" dirty="0">
+                <a:latin typeface="Times New Roman" panose="02020603050405020304" pitchFamily="18" charset="0"/>
+                <a:cs typeface="Times New Roman" panose="02020603050405020304" pitchFamily="18" charset="0"/>
+              </a:rPr>
+              <a:t>Activity diagram of Changing Admin Password</a:t>
+            </a:r>
+            <a:endParaRPr lang="en-IN" sz="4000" b="1" dirty="0">
+              <a:latin typeface="Times New Roman" panose="02020603050405020304" pitchFamily="18" charset="0"/>
+              <a:cs typeface="Times New Roman" panose="02020603050405020304" pitchFamily="18" charset="0"/>
+            </a:endParaRPr>
+          </a:p>
+        </p:txBody>
+      </p:sp>
+      <p:pic>
+        <p:nvPicPr>
+          <p:cNvPr id="1026" name="Picture 2" descr="https://documents.lucidchart.com/documents/af12140d-aed6-42ae-aab6-db1606dd6482/pages/PeNRF1ucIAOW?a=3761&amp;x=12&amp;y=-20&amp;w=1488&amp;h=628&amp;store=1&amp;accept=image%2F*&amp;auth=LCA%20e717cd61b6310862709950d8b27767567d8b5abe-ts%3D1570198947"/>
+          <p:cNvPicPr>
+            <a:picLocks noChangeAspect="1" noChangeArrowheads="1"/>
+          </p:cNvPicPr>
+          <p:nvPr/>
+        </p:nvPicPr>
+        <p:blipFill rotWithShape="1">
+          <a:blip r:embed="rId2">
+            <a:extLst>
+              <a:ext uri="{28A0092B-C50C-407E-A947-70E740481C1C}">
+                <a14:useLocalDpi xmlns:a14="http://schemas.microsoft.com/office/drawing/2010/main" val="0"/>
+              </a:ext>
+            </a:extLst>
+          </a:blip>
+          <a:srcRect t="3747" r="24795"/>
+          <a:stretch/>
+        </p:blipFill>
+        <p:spPr bwMode="auto">
+          <a:xfrm>
+            <a:off x="0" y="1371714"/>
+            <a:ext cx="11782269" cy="5733737"/>
+          </a:xfrm>
+          <a:prstGeom prst="rect">
+            <a:avLst/>
+          </a:prstGeom>
+          <a:noFill/>
+          <a:extLst>
+            <a:ext uri="{909E8E84-426E-40DD-AFC4-6F175D3DCCD1}">
+              <a14:hiddenFill xmlns:a14="http://schemas.microsoft.com/office/drawing/2010/main">
+                <a:solidFill>
+                  <a:srgbClr val="FFFFFF"/>
+                </a:solidFill>
+              </a14:hiddenFill>
+            </a:ext>
+          </a:extLst>
+        </p:spPr>
+      </p:pic>
+    </p:spTree>
+    <p:extLst>
+      <p:ext uri="{BB962C8B-B14F-4D97-AF65-F5344CB8AC3E}">
+        <p14:creationId xmlns:p14="http://schemas.microsoft.com/office/powerpoint/2010/main" val="2733611835"/>
+      </p:ext>
+    </p:extLst>
+  </p:cSld>
+  <p:clrMapOvr>
+    <a:masterClrMapping/>
+  </p:clrMapOvr>
+</p:sld>
+</file>
+
+<file path=ppt/slides/slide38.xml><?xml version="1.0" encoding="utf-8"?>
+<p:sld xmlns:a="http://schemas.openxmlformats.org/drawingml/2006/main" xmlns:r="http://schemas.openxmlformats.org/officeDocument/2006/relationships" xmlns:p="http://schemas.openxmlformats.org/presentationml/2006/main">
+  <p:cSld>
+    <p:spTree>
+      <p:nvGrpSpPr>
+        <p:cNvPr id="1" name=""/>
+        <p:cNvGrpSpPr/>
+        <p:nvPr/>
+      </p:nvGrpSpPr>
+      <p:grpSpPr>
+        <a:xfrm>
+          <a:off x="0" y="0"/>
+          <a:ext cx="0" cy="0"/>
+          <a:chOff x="0" y="0"/>
+          <a:chExt cx="0" cy="0"/>
+        </a:xfrm>
+      </p:grpSpPr>
+      <p:sp>
+        <p:nvSpPr>
+          <p:cNvPr id="8" name="AutoShape 10" descr="https://documents.lucidchart.com/documents/d3d761a4-85f7-4c0a-a1dd-fa8194f4e105/pages/0_0?a=986&amp;x=-14&amp;y=-9&amp;w=1719&amp;h=953&amp;store=1&amp;accept=image%2F*&amp;auth=LCA%20d3ba455684d78883f00d990c51495ee789a58f7c-ts%3D1569932089"/>
+          <p:cNvSpPr>
+            <a:spLocks noChangeAspect="1" noChangeArrowheads="1"/>
+          </p:cNvSpPr>
+          <p:nvPr/>
+        </p:nvSpPr>
+        <p:spPr bwMode="auto">
+          <a:xfrm>
+            <a:off x="63500" y="-136525"/>
+            <a:ext cx="12277725" cy="6810375"/>
+          </a:xfrm>
+          <a:prstGeom prst="rect">
+            <a:avLst/>
+          </a:prstGeom>
+          <a:noFill/>
+          <a:extLst>
+            <a:ext uri="{909E8E84-426E-40DD-AFC4-6F175D3DCCD1}">
+              <a14:hiddenFill xmlns:a14="http://schemas.microsoft.com/office/drawing/2010/main">
+                <a:solidFill>
+                  <a:srgbClr val="FFFFFF"/>
+                </a:solidFill>
+              </a14:hiddenFill>
+            </a:ext>
+          </a:extLst>
+        </p:spPr>
+        <p:txBody>
+          <a:bodyPr vert="horz" wrap="square" lIns="91440" tIns="45720" rIns="91440" bIns="45720" numCol="1" anchor="t" anchorCtr="0" compatLnSpc="1">
+            <a:prstTxWarp prst="textNoShape">
+              <a:avLst/>
+            </a:prstTxWarp>
+          </a:bodyPr>
+          <a:lstStyle/>
+          <a:p>
+            <a:endParaRPr lang="en-IN"/>
+          </a:p>
+        </p:txBody>
+      </p:sp>
+      <p:sp>
+        <p:nvSpPr>
+          <p:cNvPr id="10" name="AutoShape 14" descr="https://documents.lucidchart.com/documents/d3d761a4-85f7-4c0a-a1dd-fa8194f4e105/pages/0_0?a=986&amp;x=-14&amp;y=-9&amp;w=1719&amp;h=953&amp;store=1&amp;accept=image%2F*&amp;auth=LCA%20d3ba455684d78883f00d990c51495ee789a58f7c-ts%3D1569932089"/>
+          <p:cNvSpPr>
+            <a:spLocks noChangeAspect="1" noChangeArrowheads="1"/>
+          </p:cNvSpPr>
+          <p:nvPr/>
+        </p:nvSpPr>
+        <p:spPr bwMode="auto">
+          <a:xfrm>
+            <a:off x="215900" y="15875"/>
+            <a:ext cx="12277725" cy="6810375"/>
+          </a:xfrm>
+          <a:prstGeom prst="rect">
+            <a:avLst/>
+          </a:prstGeom>
+          <a:noFill/>
+          <a:extLst>
+            <a:ext uri="{909E8E84-426E-40DD-AFC4-6F175D3DCCD1}">
+              <a14:hiddenFill xmlns:a14="http://schemas.microsoft.com/office/drawing/2010/main">
+                <a:solidFill>
+                  <a:srgbClr val="FFFFFF"/>
+                </a:solidFill>
+              </a14:hiddenFill>
+            </a:ext>
+          </a:extLst>
+        </p:spPr>
+        <p:txBody>
+          <a:bodyPr vert="horz" wrap="square" lIns="91440" tIns="45720" rIns="91440" bIns="45720" numCol="1" anchor="t" anchorCtr="0" compatLnSpc="1">
+            <a:prstTxWarp prst="textNoShape">
+              <a:avLst/>
+            </a:prstTxWarp>
+          </a:bodyPr>
+          <a:lstStyle/>
+          <a:p>
+            <a:endParaRPr lang="en-IN"/>
+          </a:p>
+        </p:txBody>
+      </p:sp>
+      <p:pic>
+        <p:nvPicPr>
+          <p:cNvPr id="2" name="Picture 1"/>
+          <p:cNvPicPr>
+            <a:picLocks noChangeAspect="1"/>
+          </p:cNvPicPr>
+          <p:nvPr/>
+        </p:nvPicPr>
+        <p:blipFill rotWithShape="1">
+          <a:blip r:embed="rId2" cstate="print">
+            <a:extLst>
+              <a:ext uri="{28A0092B-C50C-407E-A947-70E740481C1C}">
+                <a14:useLocalDpi xmlns:a14="http://schemas.microsoft.com/office/drawing/2010/main" val="0"/>
+              </a:ext>
+            </a:extLst>
+          </a:blip>
+          <a:srcRect t="23229"/>
+          <a:stretch/>
+        </p:blipFill>
+        <p:spPr>
+          <a:xfrm>
+            <a:off x="3759412" y="1730325"/>
+            <a:ext cx="5401056" cy="3984953"/>
+          </a:xfrm>
+          <a:prstGeom prst="rect">
+            <a:avLst/>
+          </a:prstGeom>
+        </p:spPr>
+      </p:pic>
+      <p:sp>
+        <p:nvSpPr>
+          <p:cNvPr id="5" name="TextBox 4"/>
+          <p:cNvSpPr txBox="1"/>
+          <p:nvPr/>
+        </p:nvSpPr>
+        <p:spPr>
+          <a:xfrm>
+            <a:off x="0" y="239151"/>
+            <a:ext cx="12192000" cy="707886"/>
+          </a:xfrm>
+          <a:prstGeom prst="rect">
+            <a:avLst/>
+          </a:prstGeom>
+          <a:noFill/>
+        </p:spPr>
+        <p:txBody>
+          <a:bodyPr wrap="square" rtlCol="0">
+            <a:spAutoFit/>
+          </a:bodyPr>
+          <a:lstStyle/>
+          <a:p>
+            <a:pPr algn="ctr"/>
+            <a:r>
+              <a:rPr lang="en-US" sz="4000" b="1" dirty="0" smtClean="0">
+                <a:latin typeface="Times New Roman" panose="02020603050405020304" pitchFamily="18" charset="0"/>
+                <a:cs typeface="Times New Roman" panose="02020603050405020304" pitchFamily="18" charset="0"/>
+              </a:rPr>
+              <a:t>Activity </a:t>
+            </a:r>
+            <a:r>
+              <a:rPr lang="en-US" sz="4000" b="1" dirty="0">
+                <a:latin typeface="Times New Roman" panose="02020603050405020304" pitchFamily="18" charset="0"/>
+                <a:cs typeface="Times New Roman" panose="02020603050405020304" pitchFamily="18" charset="0"/>
+              </a:rPr>
+              <a:t>Diagram </a:t>
+            </a:r>
+            <a:r>
+              <a:rPr lang="en-US" sz="4000" b="1" dirty="0" smtClean="0">
+                <a:latin typeface="Times New Roman" panose="02020603050405020304" pitchFamily="18" charset="0"/>
+                <a:cs typeface="Times New Roman" panose="02020603050405020304" pitchFamily="18" charset="0"/>
+              </a:rPr>
+              <a:t>for Retailer Report</a:t>
+            </a:r>
+            <a:endParaRPr lang="en-IN" sz="4000" b="1" dirty="0">
+              <a:latin typeface="Times New Roman" panose="02020603050405020304" pitchFamily="18" charset="0"/>
+              <a:cs typeface="Times New Roman" panose="02020603050405020304" pitchFamily="18" charset="0"/>
+            </a:endParaRPr>
+          </a:p>
+        </p:txBody>
+      </p:sp>
+    </p:spTree>
+    <p:extLst>
+      <p:ext uri="{BB962C8B-B14F-4D97-AF65-F5344CB8AC3E}">
+        <p14:creationId xmlns:p14="http://schemas.microsoft.com/office/powerpoint/2010/main" val="3278158992"/>
+      </p:ext>
+    </p:extLst>
+  </p:cSld>
+  <p:clrMapOvr>
+    <a:masterClrMapping/>
+  </p:clrMapOvr>
+</p:sld>
+</file>
+
+<file path=ppt/slides/slide39.xml><?xml version="1.0" encoding="utf-8"?>
+<p:sld xmlns:a="http://schemas.openxmlformats.org/drawingml/2006/main" xmlns:r="http://schemas.openxmlformats.org/officeDocument/2006/relationships" xmlns:p="http://schemas.openxmlformats.org/presentationml/2006/main">
+  <p:cSld>
+    <p:spTree>
+      <p:nvGrpSpPr>
+        <p:cNvPr id="1" name=""/>
+        <p:cNvGrpSpPr/>
+        <p:nvPr/>
+      </p:nvGrpSpPr>
+      <p:grpSpPr>
+        <a:xfrm>
+          <a:off x="0" y="0"/>
+          <a:ext cx="0" cy="0"/>
+          <a:chOff x="0" y="0"/>
+          <a:chExt cx="0" cy="0"/>
+        </a:xfrm>
+      </p:grpSpPr>
+      <p:pic>
+        <p:nvPicPr>
+          <p:cNvPr id="2" name="Content Placeholder 3">
+            <a:extLst>
+              <a:ext uri="{FF2B5EF4-FFF2-40B4-BE49-F238E27FC236}">
+                <a16:creationId xmlns:a16="http://schemas.microsoft.com/office/drawing/2014/main" xmlns="" id="{C42AD650-0810-4617-8F1F-FC4D908FF73B}"/>
+              </a:ext>
+            </a:extLst>
+          </p:cNvPr>
+          <p:cNvPicPr>
+            <a:picLocks noChangeAspect="1"/>
+          </p:cNvPicPr>
+          <p:nvPr/>
+        </p:nvPicPr>
+        <p:blipFill>
+          <a:blip r:embed="rId2" cstate="print">
+            <a:extLst>
+              <a:ext uri="{28A0092B-C50C-407E-A947-70E740481C1C}">
+                <a14:useLocalDpi xmlns:a14="http://schemas.microsoft.com/office/drawing/2010/main" val="0"/>
+              </a:ext>
+            </a:extLst>
+          </a:blip>
+          <a:stretch>
+            <a:fillRect/>
+          </a:stretch>
+        </p:blipFill>
+        <p:spPr>
+          <a:xfrm>
+            <a:off x="2713002" y="1450279"/>
+            <a:ext cx="6765996" cy="4351338"/>
+          </a:xfrm>
+          <a:prstGeom prst="rect">
+            <a:avLst/>
+          </a:prstGeom>
+        </p:spPr>
+      </p:pic>
+      <p:sp>
+        <p:nvSpPr>
+          <p:cNvPr id="3" name="TextBox 2"/>
+          <p:cNvSpPr txBox="1"/>
+          <p:nvPr/>
+        </p:nvSpPr>
+        <p:spPr>
+          <a:xfrm>
+            <a:off x="0" y="211016"/>
+            <a:ext cx="12192000" cy="707886"/>
+          </a:xfrm>
+          <a:prstGeom prst="rect">
+            <a:avLst/>
+          </a:prstGeom>
+          <a:noFill/>
+        </p:spPr>
+        <p:txBody>
+          <a:bodyPr wrap="square" rtlCol="0">
+            <a:spAutoFit/>
+          </a:bodyPr>
+          <a:lstStyle/>
+          <a:p>
+            <a:pPr algn="ctr"/>
+            <a:r>
+              <a:rPr lang="en-US" sz="4000" b="1" dirty="0" smtClean="0">
+                <a:latin typeface="Times New Roman" panose="02020603050405020304" pitchFamily="18" charset="0"/>
+                <a:cs typeface="Times New Roman" panose="02020603050405020304" pitchFamily="18" charset="0"/>
+              </a:rPr>
+              <a:t>Activity </a:t>
+            </a:r>
+            <a:r>
+              <a:rPr lang="en-US" sz="4000" b="1" dirty="0">
+                <a:latin typeface="Times New Roman" panose="02020603050405020304" pitchFamily="18" charset="0"/>
+                <a:cs typeface="Times New Roman" panose="02020603050405020304" pitchFamily="18" charset="0"/>
+              </a:rPr>
+              <a:t>Diagram </a:t>
+            </a:r>
+            <a:r>
+              <a:rPr lang="en-US" sz="4000" b="1" dirty="0" smtClean="0">
+                <a:latin typeface="Times New Roman" panose="02020603050405020304" pitchFamily="18" charset="0"/>
+                <a:cs typeface="Times New Roman" panose="02020603050405020304" pitchFamily="18" charset="0"/>
+              </a:rPr>
+              <a:t>for Sales Report</a:t>
+            </a:r>
+            <a:endParaRPr lang="en-IN" sz="4000" b="1" dirty="0">
+              <a:latin typeface="Times New Roman" panose="02020603050405020304" pitchFamily="18" charset="0"/>
+              <a:cs typeface="Times New Roman" panose="02020603050405020304" pitchFamily="18" charset="0"/>
+            </a:endParaRPr>
+          </a:p>
+        </p:txBody>
+      </p:sp>
+    </p:spTree>
+    <p:extLst>
+      <p:ext uri="{BB962C8B-B14F-4D97-AF65-F5344CB8AC3E}">
+        <p14:creationId xmlns:p14="http://schemas.microsoft.com/office/powerpoint/2010/main" val="3518596397"/>
       </p:ext>
     </p:extLst>
   </p:cSld>
@@ -6896,6 +8214,1034 @@
     <p:extLst>
       <p:ext uri="{BB962C8B-B14F-4D97-AF65-F5344CB8AC3E}">
         <p14:creationId xmlns:p14="http://schemas.microsoft.com/office/powerpoint/2010/main" val="3878471903"/>
+      </p:ext>
+    </p:extLst>
+  </p:cSld>
+  <p:clrMapOvr>
+    <a:masterClrMapping/>
+  </p:clrMapOvr>
+</p:sld>
+</file>
+
+<file path=ppt/slides/slide40.xml><?xml version="1.0" encoding="utf-8"?>
+<p:sld xmlns:a="http://schemas.openxmlformats.org/drawingml/2006/main" xmlns:r="http://schemas.openxmlformats.org/officeDocument/2006/relationships" xmlns:p="http://schemas.openxmlformats.org/presentationml/2006/main">
+  <p:cSld>
+    <p:spTree>
+      <p:nvGrpSpPr>
+        <p:cNvPr id="1" name=""/>
+        <p:cNvGrpSpPr/>
+        <p:nvPr/>
+      </p:nvGrpSpPr>
+      <p:grpSpPr>
+        <a:xfrm>
+          <a:off x="0" y="0"/>
+          <a:ext cx="0" cy="0"/>
+          <a:chOff x="0" y="0"/>
+          <a:chExt cx="0" cy="0"/>
+        </a:xfrm>
+      </p:grpSpPr>
+      <p:pic>
+        <p:nvPicPr>
+          <p:cNvPr id="2" name="Content Placeholder 3">
+            <a:extLst>
+              <a:ext uri="{FF2B5EF4-FFF2-40B4-BE49-F238E27FC236}">
+                <a16:creationId xmlns:a16="http://schemas.microsoft.com/office/drawing/2014/main" xmlns="" id="{E715B28C-C2C5-49FD-AE1B-8A464FB9C70A}"/>
+              </a:ext>
+            </a:extLst>
+          </p:cNvPr>
+          <p:cNvPicPr>
+            <a:picLocks noChangeAspect="1"/>
+          </p:cNvPicPr>
+          <p:nvPr/>
+        </p:nvPicPr>
+        <p:blipFill rotWithShape="1">
+          <a:blip r:embed="rId2" cstate="print">
+            <a:extLst>
+              <a:ext uri="{28A0092B-C50C-407E-A947-70E740481C1C}">
+                <a14:useLocalDpi xmlns:a14="http://schemas.microsoft.com/office/drawing/2010/main" val="0"/>
+              </a:ext>
+            </a:extLst>
+          </a:blip>
+          <a:srcRect t="11124"/>
+          <a:stretch/>
+        </p:blipFill>
+        <p:spPr>
+          <a:xfrm>
+            <a:off x="1353063" y="1378634"/>
+            <a:ext cx="10383195" cy="4847674"/>
+          </a:xfrm>
+          <a:prstGeom prst="rect">
+            <a:avLst/>
+          </a:prstGeom>
+        </p:spPr>
+      </p:pic>
+      <p:sp>
+        <p:nvSpPr>
+          <p:cNvPr id="3" name="TextBox 2"/>
+          <p:cNvSpPr txBox="1"/>
+          <p:nvPr/>
+        </p:nvSpPr>
+        <p:spPr>
+          <a:xfrm>
+            <a:off x="0" y="239151"/>
+            <a:ext cx="12192000" cy="707886"/>
+          </a:xfrm>
+          <a:prstGeom prst="rect">
+            <a:avLst/>
+          </a:prstGeom>
+          <a:noFill/>
+        </p:spPr>
+        <p:txBody>
+          <a:bodyPr wrap="square" rtlCol="0">
+            <a:spAutoFit/>
+          </a:bodyPr>
+          <a:lstStyle/>
+          <a:p>
+            <a:pPr algn="ctr"/>
+            <a:r>
+              <a:rPr lang="en-US" sz="4000" b="1" dirty="0" smtClean="0">
+                <a:latin typeface="Times New Roman" panose="02020603050405020304" pitchFamily="18" charset="0"/>
+                <a:cs typeface="Times New Roman" panose="02020603050405020304" pitchFamily="18" charset="0"/>
+              </a:rPr>
+              <a:t>Activity </a:t>
+            </a:r>
+            <a:r>
+              <a:rPr lang="en-US" sz="4000" b="1" dirty="0">
+                <a:latin typeface="Times New Roman" panose="02020603050405020304" pitchFamily="18" charset="0"/>
+                <a:cs typeface="Times New Roman" panose="02020603050405020304" pitchFamily="18" charset="0"/>
+              </a:rPr>
+              <a:t>Diagram f</a:t>
+            </a:r>
+            <a:r>
+              <a:rPr lang="en-US" sz="4000" b="1" dirty="0" smtClean="0">
+                <a:latin typeface="Times New Roman" panose="02020603050405020304" pitchFamily="18" charset="0"/>
+                <a:cs typeface="Times New Roman" panose="02020603050405020304" pitchFamily="18" charset="0"/>
+              </a:rPr>
+              <a:t>or Updating Bonus </a:t>
+            </a:r>
+            <a:endParaRPr lang="en-IN" sz="4000" b="1" dirty="0">
+              <a:latin typeface="Times New Roman" panose="02020603050405020304" pitchFamily="18" charset="0"/>
+              <a:cs typeface="Times New Roman" panose="02020603050405020304" pitchFamily="18" charset="0"/>
+            </a:endParaRPr>
+          </a:p>
+        </p:txBody>
+      </p:sp>
+    </p:spTree>
+    <p:extLst>
+      <p:ext uri="{BB962C8B-B14F-4D97-AF65-F5344CB8AC3E}">
+        <p14:creationId xmlns:p14="http://schemas.microsoft.com/office/powerpoint/2010/main" val="2805555975"/>
+      </p:ext>
+    </p:extLst>
+  </p:cSld>
+  <p:clrMapOvr>
+    <a:masterClrMapping/>
+  </p:clrMapOvr>
+</p:sld>
+</file>
+
+<file path=ppt/slides/slide41.xml><?xml version="1.0" encoding="utf-8"?>
+<p:sld xmlns:a="http://schemas.openxmlformats.org/drawingml/2006/main" xmlns:r="http://schemas.openxmlformats.org/officeDocument/2006/relationships" xmlns:p="http://schemas.openxmlformats.org/presentationml/2006/main">
+  <p:cSld>
+    <p:spTree>
+      <p:nvGrpSpPr>
+        <p:cNvPr id="1" name=""/>
+        <p:cNvGrpSpPr/>
+        <p:nvPr/>
+      </p:nvGrpSpPr>
+      <p:grpSpPr>
+        <a:xfrm>
+          <a:off x="0" y="0"/>
+          <a:ext cx="0" cy="0"/>
+          <a:chOff x="0" y="0"/>
+          <a:chExt cx="0" cy="0"/>
+        </a:xfrm>
+      </p:grpSpPr>
+      <p:pic>
+        <p:nvPicPr>
+          <p:cNvPr id="5122" name="Picture 2" descr="https://documents.lucidchart.com/documents/d366455b-08d0-412e-9604-7000d4bd7087/pages/saSWjGW1vwpR?a=538&amp;x=90&amp;y=40&amp;w=1107&amp;h=524&amp;store=1&amp;accept=image%2F*&amp;auth=LCA%203bbbe9e049d9bf2548c11c15104171020695f3f9-ts%3D1569919834"/>
+          <p:cNvPicPr>
+            <a:picLocks noChangeAspect="1" noChangeArrowheads="1"/>
+          </p:cNvPicPr>
+          <p:nvPr/>
+        </p:nvPicPr>
+        <p:blipFill>
+          <a:blip r:embed="rId2">
+            <a:extLst>
+              <a:ext uri="{28A0092B-C50C-407E-A947-70E740481C1C}">
+                <a14:useLocalDpi xmlns:a14="http://schemas.microsoft.com/office/drawing/2010/main" val="0"/>
+              </a:ext>
+            </a:extLst>
+          </a:blip>
+          <a:srcRect/>
+          <a:stretch>
+            <a:fillRect/>
+          </a:stretch>
+        </p:blipFill>
+        <p:spPr bwMode="auto">
+          <a:xfrm>
+            <a:off x="1385618" y="1519255"/>
+            <a:ext cx="9535179" cy="4514850"/>
+          </a:xfrm>
+          <a:prstGeom prst="rect">
+            <a:avLst/>
+          </a:prstGeom>
+          <a:noFill/>
+          <a:extLst>
+            <a:ext uri="{909E8E84-426E-40DD-AFC4-6F175D3DCCD1}">
+              <a14:hiddenFill xmlns:a14="http://schemas.microsoft.com/office/drawing/2010/main">
+                <a:solidFill>
+                  <a:srgbClr val="FFFFFF"/>
+                </a:solidFill>
+              </a14:hiddenFill>
+            </a:ext>
+          </a:extLst>
+        </p:spPr>
+      </p:pic>
+      <p:sp>
+        <p:nvSpPr>
+          <p:cNvPr id="2" name="TextBox 1">
+            <a:extLst>
+              <a:ext uri="{FF2B5EF4-FFF2-40B4-BE49-F238E27FC236}">
+                <a16:creationId xmlns:a16="http://schemas.microsoft.com/office/drawing/2014/main" xmlns="" id="{86A25AE9-D028-4A1E-8AE4-1665C95D7CF8}"/>
+              </a:ext>
+            </a:extLst>
+          </p:cNvPr>
+          <p:cNvSpPr txBox="1"/>
+          <p:nvPr/>
+        </p:nvSpPr>
+        <p:spPr>
+          <a:xfrm>
+            <a:off x="0" y="388059"/>
+            <a:ext cx="12192000" cy="707886"/>
+          </a:xfrm>
+          <a:prstGeom prst="rect">
+            <a:avLst/>
+          </a:prstGeom>
+          <a:noFill/>
+        </p:spPr>
+        <p:txBody>
+          <a:bodyPr wrap="square" rtlCol="0">
+            <a:spAutoFit/>
+          </a:bodyPr>
+          <a:lstStyle/>
+          <a:p>
+            <a:pPr algn="ctr"/>
+            <a:r>
+              <a:rPr lang="en-IN" sz="4000" b="1" dirty="0">
+                <a:latin typeface="Times New Roman" panose="02020603050405020304" pitchFamily="18" charset="0"/>
+                <a:cs typeface="Times New Roman" panose="02020603050405020304" pitchFamily="18" charset="0"/>
+              </a:rPr>
+              <a:t>Activity diagram for Order Initializing:</a:t>
+            </a:r>
+          </a:p>
+        </p:txBody>
+      </p:sp>
+    </p:spTree>
+    <p:extLst>
+      <p:ext uri="{BB962C8B-B14F-4D97-AF65-F5344CB8AC3E}">
+        <p14:creationId xmlns:p14="http://schemas.microsoft.com/office/powerpoint/2010/main" val="291862614"/>
+      </p:ext>
+    </p:extLst>
+  </p:cSld>
+  <p:clrMapOvr>
+    <a:masterClrMapping/>
+  </p:clrMapOvr>
+</p:sld>
+</file>
+
+<file path=ppt/slides/slide42.xml><?xml version="1.0" encoding="utf-8"?>
+<p:sld xmlns:a="http://schemas.openxmlformats.org/drawingml/2006/main" xmlns:r="http://schemas.openxmlformats.org/officeDocument/2006/relationships" xmlns:p="http://schemas.openxmlformats.org/presentationml/2006/main">
+  <p:cSld>
+    <p:spTree>
+      <p:nvGrpSpPr>
+        <p:cNvPr id="1" name=""/>
+        <p:cNvGrpSpPr/>
+        <p:nvPr/>
+      </p:nvGrpSpPr>
+      <p:grpSpPr>
+        <a:xfrm>
+          <a:off x="0" y="0"/>
+          <a:ext cx="0" cy="0"/>
+          <a:chOff x="0" y="0"/>
+          <a:chExt cx="0" cy="0"/>
+        </a:xfrm>
+      </p:grpSpPr>
+      <p:pic>
+        <p:nvPicPr>
+          <p:cNvPr id="1026" name="Picture 2" descr="https://documents.lucidchart.com/documents/d366455b-08d0-412e-9604-7000d4bd7087/pages/saSWjGW1vwpR?a=1143&amp;x=105&amp;y=-4&amp;w=1210&amp;h=884&amp;store=1&amp;accept=image%2F*&amp;auth=LCA%2005a29ebf857c139cb8201f08c5664bae9c548209-ts%3D1570105040"/>
+          <p:cNvPicPr>
+            <a:picLocks noChangeAspect="1" noChangeArrowheads="1"/>
+          </p:cNvPicPr>
+          <p:nvPr/>
+        </p:nvPicPr>
+        <p:blipFill>
+          <a:blip r:embed="rId2">
+            <a:extLst>
+              <a:ext uri="{28A0092B-C50C-407E-A947-70E740481C1C}">
+                <a14:useLocalDpi xmlns:a14="http://schemas.microsoft.com/office/drawing/2010/main" val="0"/>
+              </a:ext>
+            </a:extLst>
+          </a:blip>
+          <a:srcRect/>
+          <a:stretch>
+            <a:fillRect/>
+          </a:stretch>
+        </p:blipFill>
+        <p:spPr bwMode="auto">
+          <a:xfrm>
+            <a:off x="2109455" y="1197734"/>
+            <a:ext cx="7330759" cy="5352747"/>
+          </a:xfrm>
+          <a:prstGeom prst="rect">
+            <a:avLst/>
+          </a:prstGeom>
+          <a:noFill/>
+          <a:extLst>
+            <a:ext uri="{909E8E84-426E-40DD-AFC4-6F175D3DCCD1}">
+              <a14:hiddenFill xmlns:a14="http://schemas.microsoft.com/office/drawing/2010/main">
+                <a:solidFill>
+                  <a:srgbClr val="FFFFFF"/>
+                </a:solidFill>
+              </a14:hiddenFill>
+            </a:ext>
+          </a:extLst>
+        </p:spPr>
+      </p:pic>
+      <p:sp>
+        <p:nvSpPr>
+          <p:cNvPr id="3" name="TextBox 2">
+            <a:extLst>
+              <a:ext uri="{FF2B5EF4-FFF2-40B4-BE49-F238E27FC236}">
+                <a16:creationId xmlns:a16="http://schemas.microsoft.com/office/drawing/2014/main" xmlns="" id="{A3F0AA1A-CBD8-4F99-B25A-D1601A6F33C4}"/>
+              </a:ext>
+            </a:extLst>
+          </p:cNvPr>
+          <p:cNvSpPr txBox="1"/>
+          <p:nvPr/>
+        </p:nvSpPr>
+        <p:spPr>
+          <a:xfrm>
+            <a:off x="0" y="413224"/>
+            <a:ext cx="12192000" cy="707886"/>
+          </a:xfrm>
+          <a:prstGeom prst="rect">
+            <a:avLst/>
+          </a:prstGeom>
+          <a:noFill/>
+        </p:spPr>
+        <p:txBody>
+          <a:bodyPr wrap="square" rtlCol="0">
+            <a:spAutoFit/>
+          </a:bodyPr>
+          <a:lstStyle/>
+          <a:p>
+            <a:pPr algn="ctr"/>
+            <a:r>
+              <a:rPr lang="en-IN" sz="4000" b="1" dirty="0">
+                <a:latin typeface="Times New Roman" panose="02020603050405020304" pitchFamily="18" charset="0"/>
+                <a:cs typeface="Times New Roman" panose="02020603050405020304" pitchFamily="18" charset="0"/>
+              </a:rPr>
+              <a:t>Activity diagram for Order Cancelling:</a:t>
+            </a:r>
+          </a:p>
+        </p:txBody>
+      </p:sp>
+    </p:spTree>
+    <p:extLst>
+      <p:ext uri="{BB962C8B-B14F-4D97-AF65-F5344CB8AC3E}">
+        <p14:creationId xmlns:p14="http://schemas.microsoft.com/office/powerpoint/2010/main" val="1907369155"/>
+      </p:ext>
+    </p:extLst>
+  </p:cSld>
+  <p:clrMapOvr>
+    <a:masterClrMapping/>
+  </p:clrMapOvr>
+</p:sld>
+</file>
+
+<file path=ppt/slides/slide43.xml><?xml version="1.0" encoding="utf-8"?>
+<p:sld xmlns:a="http://schemas.openxmlformats.org/drawingml/2006/main" xmlns:r="http://schemas.openxmlformats.org/officeDocument/2006/relationships" xmlns:p="http://schemas.openxmlformats.org/presentationml/2006/main">
+  <p:cSld>
+    <p:spTree>
+      <p:nvGrpSpPr>
+        <p:cNvPr id="1" name=""/>
+        <p:cNvGrpSpPr/>
+        <p:nvPr/>
+      </p:nvGrpSpPr>
+      <p:grpSpPr>
+        <a:xfrm>
+          <a:off x="0" y="0"/>
+          <a:ext cx="0" cy="0"/>
+          <a:chOff x="0" y="0"/>
+          <a:chExt cx="0" cy="0"/>
+        </a:xfrm>
+      </p:grpSpPr>
+      <p:pic>
+        <p:nvPicPr>
+          <p:cNvPr id="2" name="Picture 1"/>
+          <p:cNvPicPr>
+            <a:picLocks noChangeAspect="1"/>
+          </p:cNvPicPr>
+          <p:nvPr/>
+        </p:nvPicPr>
+        <p:blipFill>
+          <a:blip r:embed="rId2"/>
+          <a:stretch>
+            <a:fillRect/>
+          </a:stretch>
+        </p:blipFill>
+        <p:spPr>
+          <a:xfrm>
+            <a:off x="2238894" y="1182202"/>
+            <a:ext cx="7714211" cy="5310038"/>
+          </a:xfrm>
+          <a:prstGeom prst="rect">
+            <a:avLst/>
+          </a:prstGeom>
+        </p:spPr>
+      </p:pic>
+      <p:sp>
+        <p:nvSpPr>
+          <p:cNvPr id="3" name="TextBox 2"/>
+          <p:cNvSpPr txBox="1"/>
+          <p:nvPr/>
+        </p:nvSpPr>
+        <p:spPr>
+          <a:xfrm>
+            <a:off x="0" y="535871"/>
+            <a:ext cx="12192000" cy="984885"/>
+          </a:xfrm>
+          <a:prstGeom prst="rect">
+            <a:avLst/>
+          </a:prstGeom>
+          <a:noFill/>
+        </p:spPr>
+        <p:txBody>
+          <a:bodyPr wrap="square" rtlCol="0">
+            <a:spAutoFit/>
+          </a:bodyPr>
+          <a:lstStyle/>
+          <a:p>
+            <a:pPr algn="ctr"/>
+            <a:r>
+              <a:rPr lang="en-US" sz="4000" b="1" dirty="0">
+                <a:latin typeface="Times New Roman" panose="02020603050405020304" pitchFamily="18" charset="0"/>
+                <a:cs typeface="Times New Roman" panose="02020603050405020304" pitchFamily="18" charset="0"/>
+              </a:rPr>
+              <a:t>Activity Diagram </a:t>
+            </a:r>
+            <a:r>
+              <a:rPr lang="en-US" sz="4000" b="1" dirty="0" smtClean="0">
+                <a:latin typeface="Times New Roman" panose="02020603050405020304" pitchFamily="18" charset="0"/>
+                <a:cs typeface="Times New Roman" panose="02020603050405020304" pitchFamily="18" charset="0"/>
+              </a:rPr>
+              <a:t>for </a:t>
+            </a:r>
+            <a:r>
+              <a:rPr lang="en-US" sz="4000" b="1" dirty="0">
+                <a:latin typeface="Times New Roman" panose="02020603050405020304" pitchFamily="18" charset="0"/>
+                <a:cs typeface="Times New Roman" panose="02020603050405020304" pitchFamily="18" charset="0"/>
+              </a:rPr>
+              <a:t>Sales Person Detail</a:t>
+            </a:r>
+          </a:p>
+          <a:p>
+            <a:endParaRPr lang="en-IN" dirty="0"/>
+          </a:p>
+        </p:txBody>
+      </p:sp>
+    </p:spTree>
+    <p:extLst>
+      <p:ext uri="{BB962C8B-B14F-4D97-AF65-F5344CB8AC3E}">
+        <p14:creationId xmlns:p14="http://schemas.microsoft.com/office/powerpoint/2010/main" val="2210367983"/>
+      </p:ext>
+    </p:extLst>
+  </p:cSld>
+  <p:clrMapOvr>
+    <a:masterClrMapping/>
+  </p:clrMapOvr>
+</p:sld>
+</file>
+
+<file path=ppt/slides/slide44.xml><?xml version="1.0" encoding="utf-8"?>
+<p:sld xmlns:a="http://schemas.openxmlformats.org/drawingml/2006/main" xmlns:r="http://schemas.openxmlformats.org/officeDocument/2006/relationships" xmlns:p="http://schemas.openxmlformats.org/presentationml/2006/main">
+  <p:cSld>
+    <p:spTree>
+      <p:nvGrpSpPr>
+        <p:cNvPr id="1" name=""/>
+        <p:cNvGrpSpPr/>
+        <p:nvPr/>
+      </p:nvGrpSpPr>
+      <p:grpSpPr>
+        <a:xfrm>
+          <a:off x="0" y="0"/>
+          <a:ext cx="0" cy="0"/>
+          <a:chOff x="0" y="0"/>
+          <a:chExt cx="0" cy="0"/>
+        </a:xfrm>
+      </p:grpSpPr>
+      <p:pic>
+        <p:nvPicPr>
+          <p:cNvPr id="2050" name="Picture 2" descr="https://documents.lucidchart.com/documents/82d4d1ef-016a-4584-b987-982988699c7f/pages/saSWjGW1vwpR?a=373&amp;x=101&amp;y=-24&amp;w=1298&amp;h=1476&amp;store=1&amp;accept=image%2F*&amp;auth=LCA%20590bd94d71e474bc2878f2f2745bdcd7e4ef4021-ts%3D1570276574"/>
+          <p:cNvPicPr>
+            <a:picLocks noChangeAspect="1" noChangeArrowheads="1"/>
+          </p:cNvPicPr>
+          <p:nvPr/>
+        </p:nvPicPr>
+        <p:blipFill>
+          <a:blip r:embed="rId2">
+            <a:extLst>
+              <a:ext uri="{28A0092B-C50C-407E-A947-70E740481C1C}">
+                <a14:useLocalDpi xmlns:a14="http://schemas.microsoft.com/office/drawing/2010/main" val="0"/>
+              </a:ext>
+            </a:extLst>
+          </a:blip>
+          <a:srcRect/>
+          <a:stretch>
+            <a:fillRect/>
+          </a:stretch>
+        </p:blipFill>
+        <p:spPr bwMode="auto">
+          <a:xfrm>
+            <a:off x="598517" y="622488"/>
+            <a:ext cx="10047316" cy="5977818"/>
+          </a:xfrm>
+          <a:prstGeom prst="rect">
+            <a:avLst/>
+          </a:prstGeom>
+          <a:noFill/>
+          <a:extLst>
+            <a:ext uri="{909E8E84-426E-40DD-AFC4-6F175D3DCCD1}">
+              <a14:hiddenFill xmlns:a14="http://schemas.microsoft.com/office/drawing/2010/main">
+                <a:solidFill>
+                  <a:srgbClr val="FFFFFF"/>
+                </a:solidFill>
+              </a14:hiddenFill>
+            </a:ext>
+          </a:extLst>
+        </p:spPr>
+      </p:pic>
+      <p:sp>
+        <p:nvSpPr>
+          <p:cNvPr id="3" name="TextBox 2"/>
+          <p:cNvSpPr txBox="1"/>
+          <p:nvPr/>
+        </p:nvSpPr>
+        <p:spPr>
+          <a:xfrm>
+            <a:off x="0" y="112542"/>
+            <a:ext cx="12192000" cy="707886"/>
+          </a:xfrm>
+          <a:prstGeom prst="rect">
+            <a:avLst/>
+          </a:prstGeom>
+          <a:noFill/>
+        </p:spPr>
+        <p:txBody>
+          <a:bodyPr wrap="square" rtlCol="0">
+            <a:spAutoFit/>
+          </a:bodyPr>
+          <a:lstStyle/>
+          <a:p>
+            <a:pPr algn="ctr"/>
+            <a:r>
+              <a:rPr lang="en-US" sz="4000" b="1" dirty="0">
+                <a:latin typeface="Times New Roman" panose="02020603050405020304" pitchFamily="18" charset="0"/>
+                <a:cs typeface="Times New Roman" panose="02020603050405020304" pitchFamily="18" charset="0"/>
+              </a:rPr>
+              <a:t>Activity Diagram for Online Return</a:t>
+            </a:r>
+            <a:endParaRPr lang="en-IN" sz="4000" b="1" dirty="0">
+              <a:latin typeface="Times New Roman" panose="02020603050405020304" pitchFamily="18" charset="0"/>
+              <a:cs typeface="Times New Roman" panose="02020603050405020304" pitchFamily="18" charset="0"/>
+            </a:endParaRPr>
+          </a:p>
+        </p:txBody>
+      </p:sp>
+    </p:spTree>
+    <p:extLst>
+      <p:ext uri="{BB962C8B-B14F-4D97-AF65-F5344CB8AC3E}">
+        <p14:creationId xmlns:p14="http://schemas.microsoft.com/office/powerpoint/2010/main" val="3533579778"/>
+      </p:ext>
+    </p:extLst>
+  </p:cSld>
+  <p:clrMapOvr>
+    <a:masterClrMapping/>
+  </p:clrMapOvr>
+  <p:timing>
+    <p:tnLst>
+      <p:par>
+        <p:cTn id="1" dur="indefinite" restart="never" nodeType="tmRoot"/>
+      </p:par>
+    </p:tnLst>
+  </p:timing>
+</p:sld>
+</file>
+
+<file path=ppt/slides/slide45.xml><?xml version="1.0" encoding="utf-8"?>
+<p:sld xmlns:a="http://schemas.openxmlformats.org/drawingml/2006/main" xmlns:r="http://schemas.openxmlformats.org/officeDocument/2006/relationships" xmlns:p="http://schemas.openxmlformats.org/presentationml/2006/main">
+  <p:cSld>
+    <p:spTree>
+      <p:nvGrpSpPr>
+        <p:cNvPr id="1" name=""/>
+        <p:cNvGrpSpPr/>
+        <p:nvPr/>
+      </p:nvGrpSpPr>
+      <p:grpSpPr>
+        <a:xfrm>
+          <a:off x="0" y="0"/>
+          <a:ext cx="0" cy="0"/>
+          <a:chOff x="0" y="0"/>
+          <a:chExt cx="0" cy="0"/>
+        </a:xfrm>
+      </p:grpSpPr>
+      <p:pic>
+        <p:nvPicPr>
+          <p:cNvPr id="2054" name="Picture 6" descr="https://documents.lucidchart.com/documents/d366455b-08d0-412e-9604-7000d4bd7087/pages/saSWjGW1vwpR?a=2302&amp;x=79&amp;y=-15&amp;w=1782&amp;h=1210&amp;store=1&amp;accept=image%2F*&amp;auth=LCA%2017dbbefe4848efd1f00acd89d81bd885aa00b0e3-ts%3D1570355913"/>
+          <p:cNvPicPr>
+            <a:picLocks noChangeAspect="1" noChangeArrowheads="1"/>
+          </p:cNvPicPr>
+          <p:nvPr/>
+        </p:nvPicPr>
+        <p:blipFill>
+          <a:blip r:embed="rId2">
+            <a:extLst>
+              <a:ext uri="{28A0092B-C50C-407E-A947-70E740481C1C}">
+                <a14:useLocalDpi xmlns:a14="http://schemas.microsoft.com/office/drawing/2010/main" val="0"/>
+              </a:ext>
+            </a:extLst>
+          </a:blip>
+          <a:srcRect/>
+          <a:stretch>
+            <a:fillRect/>
+          </a:stretch>
+        </p:blipFill>
+        <p:spPr bwMode="auto">
+          <a:xfrm>
+            <a:off x="1983544" y="837035"/>
+            <a:ext cx="8865672" cy="6020965"/>
+          </a:xfrm>
+          <a:prstGeom prst="rect">
+            <a:avLst/>
+          </a:prstGeom>
+          <a:noFill/>
+          <a:extLst>
+            <a:ext uri="{909E8E84-426E-40DD-AFC4-6F175D3DCCD1}">
+              <a14:hiddenFill xmlns:a14="http://schemas.microsoft.com/office/drawing/2010/main">
+                <a:solidFill>
+                  <a:srgbClr val="FFFFFF"/>
+                </a:solidFill>
+              </a14:hiddenFill>
+            </a:ext>
+          </a:extLst>
+        </p:spPr>
+      </p:pic>
+      <p:sp>
+        <p:nvSpPr>
+          <p:cNvPr id="3" name="TextBox 2"/>
+          <p:cNvSpPr txBox="1"/>
+          <p:nvPr/>
+        </p:nvSpPr>
+        <p:spPr>
+          <a:xfrm>
+            <a:off x="0" y="268198"/>
+            <a:ext cx="12192000" cy="707886"/>
+          </a:xfrm>
+          <a:prstGeom prst="rect">
+            <a:avLst/>
+          </a:prstGeom>
+          <a:noFill/>
+        </p:spPr>
+        <p:txBody>
+          <a:bodyPr wrap="square" rtlCol="0">
+            <a:spAutoFit/>
+          </a:bodyPr>
+          <a:lstStyle/>
+          <a:p>
+            <a:pPr algn="ctr"/>
+            <a:r>
+              <a:rPr lang="en-US" sz="4000" b="1" dirty="0">
+                <a:latin typeface="Times New Roman" panose="02020603050405020304" pitchFamily="18" charset="0"/>
+                <a:cs typeface="Times New Roman" panose="02020603050405020304" pitchFamily="18" charset="0"/>
+              </a:rPr>
+              <a:t>Activity Diagram for </a:t>
+            </a:r>
+            <a:r>
+              <a:rPr lang="en-US" sz="4000" b="1" dirty="0" smtClean="0">
+                <a:latin typeface="Times New Roman" panose="02020603050405020304" pitchFamily="18" charset="0"/>
+                <a:cs typeface="Times New Roman" panose="02020603050405020304" pitchFamily="18" charset="0"/>
+              </a:rPr>
+              <a:t>Offline </a:t>
+            </a:r>
+            <a:r>
+              <a:rPr lang="en-US" sz="4000" b="1" dirty="0">
+                <a:latin typeface="Times New Roman" panose="02020603050405020304" pitchFamily="18" charset="0"/>
+                <a:cs typeface="Times New Roman" panose="02020603050405020304" pitchFamily="18" charset="0"/>
+              </a:rPr>
+              <a:t>Return</a:t>
+            </a:r>
+            <a:endParaRPr lang="en-IN" sz="4000" b="1" dirty="0">
+              <a:latin typeface="Times New Roman" panose="02020603050405020304" pitchFamily="18" charset="0"/>
+              <a:cs typeface="Times New Roman" panose="02020603050405020304" pitchFamily="18" charset="0"/>
+            </a:endParaRPr>
+          </a:p>
+        </p:txBody>
+      </p:sp>
+    </p:spTree>
+    <p:extLst>
+      <p:ext uri="{BB962C8B-B14F-4D97-AF65-F5344CB8AC3E}">
+        <p14:creationId xmlns:p14="http://schemas.microsoft.com/office/powerpoint/2010/main" val="2448502950"/>
+      </p:ext>
+    </p:extLst>
+  </p:cSld>
+  <p:clrMapOvr>
+    <a:masterClrMapping/>
+  </p:clrMapOvr>
+  <p:timing>
+    <p:tnLst>
+      <p:par>
+        <p:cTn id="1" dur="indefinite" restart="never" nodeType="tmRoot"/>
+      </p:par>
+    </p:tnLst>
+  </p:timing>
+</p:sld>
+</file>
+
+<file path=ppt/slides/slide46.xml><?xml version="1.0" encoding="utf-8"?>
+<p:sld xmlns:a="http://schemas.openxmlformats.org/drawingml/2006/main" xmlns:r="http://schemas.openxmlformats.org/officeDocument/2006/relationships" xmlns:p="http://schemas.openxmlformats.org/presentationml/2006/main">
+  <p:cSld>
+    <p:spTree>
+      <p:nvGrpSpPr>
+        <p:cNvPr id="1" name=""/>
+        <p:cNvGrpSpPr/>
+        <p:nvPr/>
+      </p:nvGrpSpPr>
+      <p:grpSpPr>
+        <a:xfrm>
+          <a:off x="0" y="0"/>
+          <a:ext cx="0" cy="0"/>
+          <a:chOff x="0" y="0"/>
+          <a:chExt cx="0" cy="0"/>
+        </a:xfrm>
+      </p:grpSpPr>
+      <p:pic>
+        <p:nvPicPr>
+          <p:cNvPr id="1026" name="Picture 2" descr="https://raw.githubusercontent.com/prafullsharma1/Great_Outdoor_Group_B/master/New%20Sales%20person%20upload%20order.png"/>
+          <p:cNvPicPr>
+            <a:picLocks noChangeAspect="1" noChangeArrowheads="1"/>
+          </p:cNvPicPr>
+          <p:nvPr/>
+        </p:nvPicPr>
+        <p:blipFill>
+          <a:blip r:embed="rId2">
+            <a:extLst>
+              <a:ext uri="{28A0092B-C50C-407E-A947-70E740481C1C}">
+                <a14:useLocalDpi xmlns:a14="http://schemas.microsoft.com/office/drawing/2010/main" val="0"/>
+              </a:ext>
+            </a:extLst>
+          </a:blip>
+          <a:srcRect/>
+          <a:stretch>
+            <a:fillRect/>
+          </a:stretch>
+        </p:blipFill>
+        <p:spPr bwMode="auto">
+          <a:xfrm>
+            <a:off x="166531" y="1022574"/>
+            <a:ext cx="11694911" cy="4905375"/>
+          </a:xfrm>
+          <a:prstGeom prst="rect">
+            <a:avLst/>
+          </a:prstGeom>
+          <a:noFill/>
+          <a:extLst>
+            <a:ext uri="{909E8E84-426E-40DD-AFC4-6F175D3DCCD1}">
+              <a14:hiddenFill xmlns:a14="http://schemas.microsoft.com/office/drawing/2010/main">
+                <a:solidFill>
+                  <a:srgbClr val="FFFFFF"/>
+                </a:solidFill>
+              </a14:hiddenFill>
+            </a:ext>
+          </a:extLst>
+        </p:spPr>
+      </p:pic>
+    </p:spTree>
+    <p:extLst>
+      <p:ext uri="{BB962C8B-B14F-4D97-AF65-F5344CB8AC3E}">
+        <p14:creationId xmlns:p14="http://schemas.microsoft.com/office/powerpoint/2010/main" val="156358921"/>
+      </p:ext>
+    </p:extLst>
+  </p:cSld>
+  <p:clrMapOvr>
+    <a:masterClrMapping/>
+  </p:clrMapOvr>
+</p:sld>
+</file>
+
+<file path=ppt/slides/slide47.xml><?xml version="1.0" encoding="utf-8"?>
+<p:sld xmlns:a="http://schemas.openxmlformats.org/drawingml/2006/main" xmlns:r="http://schemas.openxmlformats.org/officeDocument/2006/relationships" xmlns:p="http://schemas.openxmlformats.org/presentationml/2006/main">
+  <p:cSld>
+    <p:spTree>
+      <p:nvGrpSpPr>
+        <p:cNvPr id="1" name=""/>
+        <p:cNvGrpSpPr/>
+        <p:nvPr/>
+      </p:nvGrpSpPr>
+      <p:grpSpPr>
+        <a:xfrm>
+          <a:off x="0" y="0"/>
+          <a:ext cx="0" cy="0"/>
+          <a:chOff x="0" y="0"/>
+          <a:chExt cx="0" cy="0"/>
+        </a:xfrm>
+      </p:grpSpPr>
+      <p:pic>
+        <p:nvPicPr>
+          <p:cNvPr id="2" name="Picture 1" descr="https://documents.lucidchart.com/documents/0d0bb124-c6e4-4bb1-98e0-bb47f199d0ce/pages/OdhJVqF-g3cm?a=1483&amp;x=605&amp;y=1&amp;w=1278&amp;h=1375&amp;store=1&amp;accept=image%2F*&amp;auth=LCA%2024d381dd8fbe885b63c11b7b74d987c7b099eea9-ts%3D1570864049"/>
+          <p:cNvPicPr/>
+          <p:nvPr/>
+        </p:nvPicPr>
+        <p:blipFill>
+          <a:blip r:embed="rId2">
+            <a:extLst>
+              <a:ext uri="{28A0092B-C50C-407E-A947-70E740481C1C}">
+                <a14:useLocalDpi xmlns:a14="http://schemas.microsoft.com/office/drawing/2010/main" val="0"/>
+              </a:ext>
+            </a:extLst>
+          </a:blip>
+          <a:srcRect/>
+          <a:stretch>
+            <a:fillRect/>
+          </a:stretch>
+        </p:blipFill>
+        <p:spPr bwMode="auto">
+          <a:xfrm>
+            <a:off x="2726575" y="513713"/>
+            <a:ext cx="7141268" cy="6161405"/>
+          </a:xfrm>
+          <a:prstGeom prst="rect">
+            <a:avLst/>
+          </a:prstGeom>
+          <a:noFill/>
+          <a:ln>
+            <a:noFill/>
+          </a:ln>
+        </p:spPr>
+      </p:pic>
+      <p:sp>
+        <p:nvSpPr>
+          <p:cNvPr id="3" name="Rectangle 2"/>
+          <p:cNvSpPr/>
+          <p:nvPr/>
+        </p:nvSpPr>
+        <p:spPr>
+          <a:xfrm>
+            <a:off x="1" y="513713"/>
+            <a:ext cx="12192000" cy="707886"/>
+          </a:xfrm>
+          <a:prstGeom prst="rect">
+            <a:avLst/>
+          </a:prstGeom>
+        </p:spPr>
+        <p:txBody>
+          <a:bodyPr wrap="square">
+            <a:spAutoFit/>
+          </a:bodyPr>
+          <a:lstStyle/>
+          <a:p>
+            <a:pPr algn="ctr"/>
+            <a:r>
+              <a:rPr lang="en-US" sz="4000" b="1" dirty="0">
+                <a:latin typeface="Times New Roman" panose="02020603050405020304" pitchFamily="18" charset="0"/>
+                <a:cs typeface="Times New Roman" panose="02020603050405020304" pitchFamily="18" charset="0"/>
+              </a:rPr>
+              <a:t>Activity Diagram for </a:t>
+            </a:r>
+            <a:r>
+              <a:rPr lang="en-US" sz="4000" b="1" dirty="0" smtClean="0">
+                <a:latin typeface="Times New Roman" panose="02020603050405020304" pitchFamily="18" charset="0"/>
+                <a:cs typeface="Times New Roman" panose="02020603050405020304" pitchFamily="18" charset="0"/>
+              </a:rPr>
+              <a:t>Update Discount</a:t>
+            </a:r>
+            <a:endParaRPr lang="en-IN" sz="4000" b="1" dirty="0">
+              <a:latin typeface="Times New Roman" panose="02020603050405020304" pitchFamily="18" charset="0"/>
+              <a:cs typeface="Times New Roman" panose="02020603050405020304" pitchFamily="18" charset="0"/>
+            </a:endParaRPr>
+          </a:p>
+        </p:txBody>
+      </p:sp>
+    </p:spTree>
+    <p:extLst>
+      <p:ext uri="{BB962C8B-B14F-4D97-AF65-F5344CB8AC3E}">
+        <p14:creationId xmlns:p14="http://schemas.microsoft.com/office/powerpoint/2010/main" val="475921626"/>
+      </p:ext>
+    </p:extLst>
+  </p:cSld>
+  <p:clrMapOvr>
+    <a:masterClrMapping/>
+  </p:clrMapOvr>
+</p:sld>
+</file>
+
+<file path=ppt/slides/slide48.xml><?xml version="1.0" encoding="utf-8"?>
+<p:sld xmlns:a="http://schemas.openxmlformats.org/drawingml/2006/main" xmlns:r="http://schemas.openxmlformats.org/officeDocument/2006/relationships" xmlns:p="http://schemas.openxmlformats.org/presentationml/2006/main">
+  <p:cSld>
+    <p:spTree>
+      <p:nvGrpSpPr>
+        <p:cNvPr id="1" name=""/>
+        <p:cNvGrpSpPr/>
+        <p:nvPr/>
+      </p:nvGrpSpPr>
+      <p:grpSpPr>
+        <a:xfrm>
+          <a:off x="0" y="0"/>
+          <a:ext cx="0" cy="0"/>
+          <a:chOff x="0" y="0"/>
+          <a:chExt cx="0" cy="0"/>
+        </a:xfrm>
+      </p:grpSpPr>
+      <p:pic>
+        <p:nvPicPr>
+          <p:cNvPr id="2" name="Picture 1" descr="https://documents.lucidchart.com/documents/0d0bb124-c6e4-4bb1-98e0-bb47f199d0ce/pages/Ov.ZDT.bIeMV?a=1580&amp;x=87&amp;y=8&amp;w=917&amp;h=1000&amp;store=1&amp;accept=image%2F*&amp;auth=LCA%2003d0ca253c44274347a64b01f2c212b095d3afbc-ts%3D1570864049"/>
+          <p:cNvPicPr/>
+          <p:nvPr/>
+        </p:nvPicPr>
+        <p:blipFill>
+          <a:blip r:embed="rId2">
+            <a:extLst>
+              <a:ext uri="{28A0092B-C50C-407E-A947-70E740481C1C}">
+                <a14:useLocalDpi xmlns:a14="http://schemas.microsoft.com/office/drawing/2010/main" val="0"/>
+              </a:ext>
+            </a:extLst>
+          </a:blip>
+          <a:srcRect/>
+          <a:stretch>
+            <a:fillRect/>
+          </a:stretch>
+        </p:blipFill>
+        <p:spPr bwMode="auto">
+          <a:xfrm>
+            <a:off x="3230244" y="581891"/>
+            <a:ext cx="5731510" cy="6276109"/>
+          </a:xfrm>
+          <a:prstGeom prst="rect">
+            <a:avLst/>
+          </a:prstGeom>
+          <a:noFill/>
+          <a:ln>
+            <a:noFill/>
+          </a:ln>
+        </p:spPr>
+      </p:pic>
+      <p:sp>
+        <p:nvSpPr>
+          <p:cNvPr id="3" name="Rectangle 2"/>
+          <p:cNvSpPr/>
+          <p:nvPr/>
+        </p:nvSpPr>
+        <p:spPr>
+          <a:xfrm>
+            <a:off x="0" y="227948"/>
+            <a:ext cx="12192000" cy="707886"/>
+          </a:xfrm>
+          <a:prstGeom prst="rect">
+            <a:avLst/>
+          </a:prstGeom>
+        </p:spPr>
+        <p:txBody>
+          <a:bodyPr wrap="square">
+            <a:spAutoFit/>
+          </a:bodyPr>
+          <a:lstStyle/>
+          <a:p>
+            <a:pPr algn="ctr"/>
+            <a:r>
+              <a:rPr lang="en-US" sz="4000" b="1" dirty="0">
+                <a:latin typeface="Times New Roman" panose="02020603050405020304" pitchFamily="18" charset="0"/>
+                <a:cs typeface="Times New Roman" panose="02020603050405020304" pitchFamily="18" charset="0"/>
+              </a:rPr>
+              <a:t>Activity Diagram </a:t>
+            </a:r>
+            <a:r>
+              <a:rPr lang="en-US" sz="4000" b="1" dirty="0" smtClean="0">
+                <a:latin typeface="Times New Roman" panose="02020603050405020304" pitchFamily="18" charset="0"/>
+                <a:cs typeface="Times New Roman" panose="02020603050405020304" pitchFamily="18" charset="0"/>
+              </a:rPr>
+              <a:t>for Overall Report</a:t>
+            </a:r>
+            <a:endParaRPr lang="en-IN" sz="4000" b="1" dirty="0">
+              <a:latin typeface="Times New Roman" panose="02020603050405020304" pitchFamily="18" charset="0"/>
+              <a:cs typeface="Times New Roman" panose="02020603050405020304" pitchFamily="18" charset="0"/>
+            </a:endParaRPr>
+          </a:p>
+        </p:txBody>
+      </p:sp>
+    </p:spTree>
+    <p:extLst>
+      <p:ext uri="{BB962C8B-B14F-4D97-AF65-F5344CB8AC3E}">
+        <p14:creationId xmlns:p14="http://schemas.microsoft.com/office/powerpoint/2010/main" val="1072459808"/>
+      </p:ext>
+    </p:extLst>
+  </p:cSld>
+  <p:clrMapOvr>
+    <a:masterClrMapping/>
+  </p:clrMapOvr>
+</p:sld>
+</file>
+
+<file path=ppt/slides/slide49.xml><?xml version="1.0" encoding="utf-8"?>
+<p:sld xmlns:a="http://schemas.openxmlformats.org/drawingml/2006/main" xmlns:r="http://schemas.openxmlformats.org/officeDocument/2006/relationships" xmlns:p="http://schemas.openxmlformats.org/presentationml/2006/main">
+  <p:cSld>
+    <p:spTree>
+      <p:nvGrpSpPr>
+        <p:cNvPr id="1" name=""/>
+        <p:cNvGrpSpPr/>
+        <p:nvPr/>
+      </p:nvGrpSpPr>
+      <p:grpSpPr>
+        <a:xfrm>
+          <a:off x="0" y="0"/>
+          <a:ext cx="0" cy="0"/>
+          <a:chOff x="0" y="0"/>
+          <a:chExt cx="0" cy="0"/>
+        </a:xfrm>
+      </p:grpSpPr>
+      <p:sp>
+        <p:nvSpPr>
+          <p:cNvPr id="2" name="Title 1"/>
+          <p:cNvSpPr>
+            <a:spLocks noGrp="1"/>
+          </p:cNvSpPr>
+          <p:nvPr>
+            <p:ph type="title"/>
+          </p:nvPr>
+        </p:nvSpPr>
+        <p:spPr>
+          <a:xfrm>
+            <a:off x="838200" y="365125"/>
+            <a:ext cx="10515600" cy="5743575"/>
+          </a:xfrm>
+        </p:spPr>
+        <p:txBody>
+          <a:bodyPr>
+            <a:normAutofit/>
+          </a:bodyPr>
+          <a:lstStyle/>
+          <a:p>
+            <a:pPr algn="ctr"/>
+            <a:r>
+              <a:rPr lang="en-US" sz="5400" b="1" dirty="0" smtClean="0"/>
+              <a:t>Thank you !!!</a:t>
+            </a:r>
+            <a:endParaRPr lang="en-IN" sz="5400" b="1" dirty="0"/>
+          </a:p>
+        </p:txBody>
+      </p:sp>
+    </p:spTree>
+    <p:extLst>
+      <p:ext uri="{BB962C8B-B14F-4D97-AF65-F5344CB8AC3E}">
+        <p14:creationId xmlns:p14="http://schemas.microsoft.com/office/powerpoint/2010/main" val="2877949246"/>
       </p:ext>
     </p:extLst>
   </p:cSld>
@@ -7375,6 +9721,13 @@
   <p:clrMapOvr>
     <a:masterClrMapping/>
   </p:clrMapOvr>
+  <p:timing>
+    <p:tnLst>
+      <p:par>
+        <p:cTn id="1" dur="indefinite" restart="never" nodeType="tmRoot"/>
+      </p:par>
+    </p:tnLst>
+  </p:timing>
 </p:sld>
 </file>
 
@@ -7397,7 +9750,7 @@
       </p:grpSpPr>
       <p:pic>
         <p:nvPicPr>
-          <p:cNvPr id="3" name="Picture 2" descr="https://documents.lucidchart.com/documents/a1e98e32-fd67-464b-b282-dac8597c6c15/pages/0_0?a=1135&amp;x=185&amp;y=-27&amp;w=917&amp;h=1034&amp;store=1&amp;accept=image%2F*&amp;auth=LCA%203e7f88521c0b148b8ab928d438fc140c725e483c-ts%3D1568551211"/>
+          <p:cNvPr id="5" name="Picture 4" descr="https://documents.lucidchart.com/documents/a1e98e32-fd67-464b-b282-dac8597c6c15/pages/~7PW.lekc_3L?a=2201&amp;x=213&amp;y=64&amp;w=1034&amp;h=1232&amp;store=1&amp;accept=image%2F*&amp;auth=LCA%20d9d64479b3c78416dcbf90fa5c0a570f441b9273-ts%3D1570274340"/>
           <p:cNvPicPr>
             <a:picLocks noChangeAspect="1" noChangeArrowheads="1"/>
           </p:cNvPicPr>
@@ -7418,8 +9771,8 @@
         </p:blipFill>
         <p:spPr bwMode="auto">
           <a:xfrm>
-            <a:off x="228600" y="24184"/>
-            <a:ext cx="10248900" cy="6809633"/>
+            <a:off x="3355363" y="542138"/>
+            <a:ext cx="5281766" cy="6289114"/>
           </a:xfrm>
           <a:prstGeom prst="rect">
             <a:avLst/>
@@ -7436,6 +9789,43 @@
           </a:extLst>
         </p:spPr>
       </p:pic>
+      <p:sp>
+        <p:nvSpPr>
+          <p:cNvPr id="2" name="TextBox 1"/>
+          <p:cNvSpPr txBox="1"/>
+          <p:nvPr/>
+        </p:nvSpPr>
+        <p:spPr>
+          <a:xfrm>
+            <a:off x="1936864" y="16625"/>
+            <a:ext cx="8595361" cy="707886"/>
+          </a:xfrm>
+          <a:prstGeom prst="rect">
+            <a:avLst/>
+          </a:prstGeom>
+          <a:noFill/>
+        </p:spPr>
+        <p:txBody>
+          <a:bodyPr wrap="square" rtlCol="0">
+            <a:spAutoFit/>
+          </a:bodyPr>
+          <a:lstStyle/>
+          <a:p>
+            <a:pPr algn="ctr"/>
+            <a:r>
+              <a:rPr lang="en-IN" sz="4000" b="1" dirty="0" smtClean="0">
+                <a:latin typeface="Times New Roman" pitchFamily="18" charset="0"/>
+                <a:cs typeface="Times New Roman" pitchFamily="18" charset="0"/>
+              </a:rPr>
+              <a:t>Use Case Diagram Admin</a:t>
+            </a:r>
+            <a:endParaRPr lang="en-IN" sz="4000" b="1" dirty="0">
+              <a:latin typeface="Times New Roman" pitchFamily="18" charset="0"/>
+              <a:cs typeface="Times New Roman" pitchFamily="18" charset="0"/>
+            </a:endParaRPr>
+          </a:p>
+        </p:txBody>
+      </p:sp>
     </p:spTree>
     <p:extLst>
       <p:ext uri="{BB962C8B-B14F-4D97-AF65-F5344CB8AC3E}">
@@ -7446,6 +9836,13 @@
   <p:clrMapOvr>
     <a:masterClrMapping/>
   </p:clrMapOvr>
+  <p:timing>
+    <p:tnLst>
+      <p:par>
+        <p:cTn id="1" dur="indefinite" restart="never" nodeType="tmRoot"/>
+      </p:par>
+    </p:tnLst>
+  </p:timing>
 </p:sld>
 </file>
 
@@ -7468,7 +9865,7 @@
       </p:grpSpPr>
       <p:pic>
         <p:nvPicPr>
-          <p:cNvPr id="3" name="Picture 2" descr="https://documents.lucidchart.com/documents/a1e98e32-fd67-464b-b282-dac8597c6c15/pages/0_0?a=893&amp;x=161&amp;y=99&amp;w=962&amp;h=902&amp;store=1&amp;accept=image%2F*&amp;auth=LCA%2076b6ffff087b3c4f7d396df12507de59098fc429-ts%3D1568551211"/>
+          <p:cNvPr id="4" name="Picture 3" descr="https://documents.lucidchart.com/documents/a1e98e32-fd67-464b-b282-dac8597c6c15/pages/j0PWhM3VBgoU?a=2165&amp;x=152&amp;y=14&amp;w=1160&amp;h=1012&amp;store=1&amp;accept=image%2F*&amp;auth=LCA%20f9cd1337b5b853ba2da7fbd3d8bcc80b158b8af0-ts%3D1570274340"/>
           <p:cNvPicPr>
             <a:picLocks noChangeAspect="1" noChangeArrowheads="1"/>
           </p:cNvPicPr>
@@ -7489,8 +9886,8 @@
         </p:blipFill>
         <p:spPr bwMode="auto">
           <a:xfrm>
-            <a:off x="254000" y="204787"/>
-            <a:ext cx="10261600" cy="6448426"/>
+            <a:off x="2527981" y="565593"/>
+            <a:ext cx="7136038" cy="6225578"/>
           </a:xfrm>
           <a:prstGeom prst="rect">
             <a:avLst/>
@@ -7507,6 +9904,50 @@
           </a:extLst>
         </p:spPr>
       </p:pic>
+      <p:sp>
+        <p:nvSpPr>
+          <p:cNvPr id="5" name="TextBox 4"/>
+          <p:cNvSpPr txBox="1"/>
+          <p:nvPr/>
+        </p:nvSpPr>
+        <p:spPr>
+          <a:xfrm>
+            <a:off x="1936864" y="16625"/>
+            <a:ext cx="8595361" cy="707886"/>
+          </a:xfrm>
+          <a:prstGeom prst="rect">
+            <a:avLst/>
+          </a:prstGeom>
+          <a:noFill/>
+        </p:spPr>
+        <p:txBody>
+          <a:bodyPr wrap="square" rtlCol="0">
+            <a:spAutoFit/>
+          </a:bodyPr>
+          <a:lstStyle/>
+          <a:p>
+            <a:pPr algn="ctr"/>
+            <a:r>
+              <a:rPr lang="en-IN" sz="4000" b="1" dirty="0" smtClean="0">
+                <a:latin typeface="Times New Roman" pitchFamily="18" charset="0"/>
+                <a:cs typeface="Times New Roman" pitchFamily="18" charset="0"/>
+              </a:rPr>
+              <a:t>Use Case Diagram </a:t>
+            </a:r>
+            <a:r>
+              <a:rPr lang="en-IN" sz="4000" b="1" dirty="0" err="1" smtClean="0">
+                <a:latin typeface="Times New Roman" pitchFamily="18" charset="0"/>
+                <a:cs typeface="Times New Roman" pitchFamily="18" charset="0"/>
+              </a:rPr>
+              <a:t>SalesPerson</a:t>
+            </a:r>
+            <a:endParaRPr lang="en-IN" sz="4000" b="1" dirty="0">
+              <a:latin typeface="Times New Roman" pitchFamily="18" charset="0"/>
+              <a:cs typeface="Times New Roman" pitchFamily="18" charset="0"/>
+            </a:endParaRPr>
+          </a:p>
+        </p:txBody>
+      </p:sp>
     </p:spTree>
     <p:extLst>
       <p:ext uri="{BB962C8B-B14F-4D97-AF65-F5344CB8AC3E}">
@@ -7517,6 +9958,13 @@
   <p:clrMapOvr>
     <a:masterClrMapping/>
   </p:clrMapOvr>
+  <p:timing>
+    <p:tnLst>
+      <p:par>
+        <p:cTn id="1" dur="indefinite" restart="never" nodeType="tmRoot"/>
+      </p:par>
+    </p:tnLst>
+  </p:timing>
 </p:sld>
 </file>
 
@@ -7539,7 +9987,7 @@
       </p:grpSpPr>
       <p:pic>
         <p:nvPicPr>
-          <p:cNvPr id="3" name="Picture 2" descr="https://documents.lucidchart.com/documents/a1e98e32-fd67-464b-b282-dac8597c6c15/pages/0_0?a=1506&amp;x=184&amp;y=99&amp;w=939&amp;h=902&amp;store=1&amp;accept=image%2F*&amp;auth=LCA%206c4d2f0a77e2376fba87e1950dca53b9c694f8e7-ts%3D1568551211"/>
+          <p:cNvPr id="4" name="Picture 3" descr="https://documents.lucidchart.com/documents/a1e98e32-fd67-464b-b282-dac8597c6c15/pages/0_0?a=2129&amp;x=93&amp;y=104&amp;w=1034&amp;h=792&amp;store=1&amp;accept=image%2F*&amp;auth=LCA%2079fad50444792ba0a50edcc611463ae41142806e-ts%3D1570274340"/>
           <p:cNvPicPr>
             <a:picLocks noChangeAspect="1" noChangeArrowheads="1"/>
           </p:cNvPicPr>
@@ -7560,8 +10008,8 @@
         </p:blipFill>
         <p:spPr bwMode="auto">
           <a:xfrm>
-            <a:off x="1257300" y="69273"/>
-            <a:ext cx="9575800" cy="6719455"/>
+            <a:off x="2391987" y="641638"/>
+            <a:ext cx="7391400" cy="5657851"/>
           </a:xfrm>
           <a:prstGeom prst="rect">
             <a:avLst/>
@@ -7578,6 +10026,43 @@
           </a:extLst>
         </p:spPr>
       </p:pic>
+      <p:sp>
+        <p:nvSpPr>
+          <p:cNvPr id="5" name="TextBox 4"/>
+          <p:cNvSpPr txBox="1"/>
+          <p:nvPr/>
+        </p:nvSpPr>
+        <p:spPr>
+          <a:xfrm>
+            <a:off x="1936864" y="16625"/>
+            <a:ext cx="8595361" cy="707886"/>
+          </a:xfrm>
+          <a:prstGeom prst="rect">
+            <a:avLst/>
+          </a:prstGeom>
+          <a:noFill/>
+        </p:spPr>
+        <p:txBody>
+          <a:bodyPr wrap="square" rtlCol="0">
+            <a:spAutoFit/>
+          </a:bodyPr>
+          <a:lstStyle/>
+          <a:p>
+            <a:pPr algn="ctr"/>
+            <a:r>
+              <a:rPr lang="en-IN" sz="4000" b="1" dirty="0" smtClean="0">
+                <a:latin typeface="Times New Roman" pitchFamily="18" charset="0"/>
+                <a:cs typeface="Times New Roman" pitchFamily="18" charset="0"/>
+              </a:rPr>
+              <a:t>Use Case Diagram Retailer</a:t>
+            </a:r>
+            <a:endParaRPr lang="en-IN" sz="4000" b="1" dirty="0">
+              <a:latin typeface="Times New Roman" pitchFamily="18" charset="0"/>
+              <a:cs typeface="Times New Roman" pitchFamily="18" charset="0"/>
+            </a:endParaRPr>
+          </a:p>
+        </p:txBody>
+      </p:sp>
     </p:spTree>
     <p:extLst>
       <p:ext uri="{BB962C8B-B14F-4D97-AF65-F5344CB8AC3E}">
@@ -7588,6 +10073,13 @@
   <p:clrMapOvr>
     <a:masterClrMapping/>
   </p:clrMapOvr>
+  <p:timing>
+    <p:tnLst>
+      <p:par>
+        <p:cTn id="1" dur="indefinite" restart="never" nodeType="tmRoot"/>
+      </p:par>
+    </p:tnLst>
+  </p:timing>
 </p:sld>
 </file>
 
@@ -7634,7 +10126,7 @@
     </a:clrScheme>
     <a:fontScheme name="Office Theme">
       <a:majorFont>
-        <a:latin typeface="Calibri Light" panose="020F0302020204030204"/>
+        <a:latin typeface="Calibri Light"/>
         <a:ea typeface=""/>
         <a:cs typeface=""/>
         <a:font script="Jpan" typeface="ＭＳ Ｐゴシック"/>
@@ -7669,7 +10161,7 @@
         <a:font script="Geor" typeface="Sylfaen"/>
       </a:majorFont>
       <a:minorFont>
-        <a:latin typeface="Calibri" panose="020F0502020204030204"/>
+        <a:latin typeface="Calibri"/>
         <a:ea typeface=""/>
         <a:cs typeface=""/>
         <a:font script="Jpan" typeface="ＭＳ Ｐゴシック"/>
